--- a/TechDoc.pptx
+++ b/TechDoc.pptx
@@ -2,7 +2,7 @@
 <file path=ppt/presentation.xml><?xml version="1.0" encoding="utf-8"?>
 <p:presentation xmlns:a="http://schemas.openxmlformats.org/drawingml/2006/main" xmlns:r="http://schemas.openxmlformats.org/officeDocument/2006/relationships" xmlns:p="http://schemas.openxmlformats.org/presentationml/2006/main" saveSubsetFonts="1">
   <p:sldMasterIdLst>
-    <p:sldMasterId id="2147483660" r:id="rId1"/>
+    <p:sldMasterId id="2147483672" r:id="rId1"/>
   </p:sldMasterIdLst>
   <p:sldIdLst>
     <p:sldId id="256" r:id="rId2"/>
@@ -12,8 +12,10 @@
     <p:sldId id="260" r:id="rId6"/>
     <p:sldId id="261" r:id="rId7"/>
     <p:sldId id="262" r:id="rId8"/>
+    <p:sldId id="263" r:id="rId9"/>
+    <p:sldId id="264" r:id="rId10"/>
   </p:sldIdLst>
-  <p:sldSz cx="9144000" cy="6858000" type="screen4x3"/>
+  <p:sldSz cx="12192000" cy="6858000"/>
   <p:notesSz cx="6858000" cy="9144000"/>
   <p:defaultTextStyle>
     <a:defPPr>
@@ -147,8 +149,8 @@
         </p:nvSpPr>
         <p:spPr>
           <a:xfrm>
-            <a:off x="685800" y="1122363"/>
-            <a:ext cx="7772400" cy="2387600"/>
+            <a:off x="1524000" y="1122363"/>
+            <a:ext cx="9144000" cy="2387600"/>
           </a:xfrm>
         </p:spPr>
         <p:txBody>
@@ -160,7 +162,7 @@
           </a:lstStyle>
           <a:p>
             <a:r>
-              <a:rPr lang="en-US" smtClean="0"/>
+              <a:rPr lang="en-US" altLang="zh-CN" smtClean="0"/>
               <a:t>Click to edit Master title style</a:t>
             </a:r>
             <a:endParaRPr lang="en-US" dirty="0"/>
@@ -179,8 +181,8 @@
         </p:nvSpPr>
         <p:spPr>
           <a:xfrm>
-            <a:off x="1143000" y="3602038"/>
-            <a:ext cx="6858000" cy="1655762"/>
+            <a:off x="1524000" y="3602038"/>
+            <a:ext cx="9144000" cy="1655762"/>
           </a:xfrm>
         </p:spPr>
         <p:txBody>
@@ -225,7 +227,7 @@
           </a:lstStyle>
           <a:p>
             <a:r>
-              <a:rPr lang="en-US" smtClean="0"/>
+              <a:rPr lang="en-US" altLang="zh-CN" smtClean="0"/>
               <a:t>Click to edit Master subtitle style</a:t>
             </a:r>
             <a:endParaRPr lang="en-US" dirty="0"/>
@@ -300,7 +302,7 @@
     </p:spTree>
     <p:extLst>
       <p:ext uri="{BB962C8B-B14F-4D97-AF65-F5344CB8AC3E}">
-        <p14:creationId xmlns:p14="http://schemas.microsoft.com/office/powerpoint/2010/main" val="3403928591"/>
+        <p14:creationId xmlns:p14="http://schemas.microsoft.com/office/powerpoint/2010/main" val="172367676"/>
       </p:ext>
     </p:extLst>
   </p:cSld>
@@ -343,7 +345,7 @@
           <a:lstStyle/>
           <a:p>
             <a:r>
-              <a:rPr lang="en-US" smtClean="0"/>
+              <a:rPr lang="en-US" altLang="zh-CN" smtClean="0"/>
               <a:t>Click to edit Master title style</a:t>
             </a:r>
             <a:endParaRPr lang="en-US" dirty="0"/>
@@ -367,35 +369,35 @@
           <a:p>
             <a:pPr lvl="0"/>
             <a:r>
-              <a:rPr lang="en-US" smtClean="0"/>
+              <a:rPr lang="en-US" altLang="zh-CN" smtClean="0"/>
               <a:t>Click to edit Master text styles</a:t>
             </a:r>
           </a:p>
           <a:p>
             <a:pPr lvl="1"/>
             <a:r>
-              <a:rPr lang="en-US" smtClean="0"/>
+              <a:rPr lang="en-US" altLang="zh-CN" smtClean="0"/>
               <a:t>Second level</a:t>
             </a:r>
           </a:p>
           <a:p>
             <a:pPr lvl="2"/>
             <a:r>
-              <a:rPr lang="en-US" smtClean="0"/>
+              <a:rPr lang="en-US" altLang="zh-CN" smtClean="0"/>
               <a:t>Third level</a:t>
             </a:r>
           </a:p>
           <a:p>
             <a:pPr lvl="3"/>
             <a:r>
-              <a:rPr lang="en-US" smtClean="0"/>
+              <a:rPr lang="en-US" altLang="zh-CN" smtClean="0"/>
               <a:t>Fourth level</a:t>
             </a:r>
           </a:p>
           <a:p>
             <a:pPr lvl="4"/>
             <a:r>
-              <a:rPr lang="en-US" smtClean="0"/>
+              <a:rPr lang="en-US" altLang="zh-CN" smtClean="0"/>
               <a:t>Fifth level</a:t>
             </a:r>
             <a:endParaRPr lang="en-US" dirty="0"/>
@@ -470,7 +472,7 @@
     </p:spTree>
     <p:extLst>
       <p:ext uri="{BB962C8B-B14F-4D97-AF65-F5344CB8AC3E}">
-        <p14:creationId xmlns:p14="http://schemas.microsoft.com/office/powerpoint/2010/main" val="561037034"/>
+        <p14:creationId xmlns:p14="http://schemas.microsoft.com/office/powerpoint/2010/main" val="2947091278"/>
       </p:ext>
     </p:extLst>
   </p:cSld>
@@ -509,8 +511,8 @@
         </p:nvSpPr>
         <p:spPr>
           <a:xfrm>
-            <a:off x="6543675" y="365125"/>
-            <a:ext cx="1971675" cy="5811838"/>
+            <a:off x="8724900" y="365125"/>
+            <a:ext cx="2628900" cy="5811838"/>
           </a:xfrm>
         </p:spPr>
         <p:txBody>
@@ -518,7 +520,7 @@
           <a:lstStyle/>
           <a:p>
             <a:r>
-              <a:rPr lang="en-US" smtClean="0"/>
+              <a:rPr lang="en-US" altLang="zh-CN" smtClean="0"/>
               <a:t>Click to edit Master title style</a:t>
             </a:r>
             <a:endParaRPr lang="en-US" dirty="0"/>
@@ -537,8 +539,8 @@
         </p:nvSpPr>
         <p:spPr>
           <a:xfrm>
-            <a:off x="628650" y="365125"/>
-            <a:ext cx="5800725" cy="5811838"/>
+            <a:off x="838200" y="365125"/>
+            <a:ext cx="7734300" cy="5811838"/>
           </a:xfrm>
         </p:spPr>
         <p:txBody>
@@ -547,35 +549,35 @@
           <a:p>
             <a:pPr lvl="0"/>
             <a:r>
-              <a:rPr lang="en-US" smtClean="0"/>
+              <a:rPr lang="en-US" altLang="zh-CN" smtClean="0"/>
               <a:t>Click to edit Master text styles</a:t>
             </a:r>
           </a:p>
           <a:p>
             <a:pPr lvl="1"/>
             <a:r>
-              <a:rPr lang="en-US" smtClean="0"/>
+              <a:rPr lang="en-US" altLang="zh-CN" smtClean="0"/>
               <a:t>Second level</a:t>
             </a:r>
           </a:p>
           <a:p>
             <a:pPr lvl="2"/>
             <a:r>
-              <a:rPr lang="en-US" smtClean="0"/>
+              <a:rPr lang="en-US" altLang="zh-CN" smtClean="0"/>
               <a:t>Third level</a:t>
             </a:r>
           </a:p>
           <a:p>
             <a:pPr lvl="3"/>
             <a:r>
-              <a:rPr lang="en-US" smtClean="0"/>
+              <a:rPr lang="en-US" altLang="zh-CN" smtClean="0"/>
               <a:t>Fourth level</a:t>
             </a:r>
           </a:p>
           <a:p>
             <a:pPr lvl="4"/>
             <a:r>
-              <a:rPr lang="en-US" smtClean="0"/>
+              <a:rPr lang="en-US" altLang="zh-CN" smtClean="0"/>
               <a:t>Fifth level</a:t>
             </a:r>
             <a:endParaRPr lang="en-US" dirty="0"/>
@@ -650,7 +652,7 @@
     </p:spTree>
     <p:extLst>
       <p:ext uri="{BB962C8B-B14F-4D97-AF65-F5344CB8AC3E}">
-        <p14:creationId xmlns:p14="http://schemas.microsoft.com/office/powerpoint/2010/main" val="2235030720"/>
+        <p14:creationId xmlns:p14="http://schemas.microsoft.com/office/powerpoint/2010/main" val="485994736"/>
       </p:ext>
     </p:extLst>
   </p:cSld>
@@ -693,7 +695,7 @@
           <a:lstStyle/>
           <a:p>
             <a:r>
-              <a:rPr lang="en-US" smtClean="0"/>
+              <a:rPr lang="en-US" altLang="zh-CN" smtClean="0"/>
               <a:t>Click to edit Master title style</a:t>
             </a:r>
             <a:endParaRPr lang="en-US" dirty="0"/>
@@ -717,35 +719,35 @@
           <a:p>
             <a:pPr lvl="0"/>
             <a:r>
-              <a:rPr lang="en-US" smtClean="0"/>
+              <a:rPr lang="en-US" altLang="zh-CN" smtClean="0"/>
               <a:t>Click to edit Master text styles</a:t>
             </a:r>
           </a:p>
           <a:p>
             <a:pPr lvl="1"/>
             <a:r>
-              <a:rPr lang="en-US" smtClean="0"/>
+              <a:rPr lang="en-US" altLang="zh-CN" smtClean="0"/>
               <a:t>Second level</a:t>
             </a:r>
           </a:p>
           <a:p>
             <a:pPr lvl="2"/>
             <a:r>
-              <a:rPr lang="en-US" smtClean="0"/>
+              <a:rPr lang="en-US" altLang="zh-CN" smtClean="0"/>
               <a:t>Third level</a:t>
             </a:r>
           </a:p>
           <a:p>
             <a:pPr lvl="3"/>
             <a:r>
-              <a:rPr lang="en-US" smtClean="0"/>
+              <a:rPr lang="en-US" altLang="zh-CN" smtClean="0"/>
               <a:t>Fourth level</a:t>
             </a:r>
           </a:p>
           <a:p>
             <a:pPr lvl="4"/>
             <a:r>
-              <a:rPr lang="en-US" smtClean="0"/>
+              <a:rPr lang="en-US" altLang="zh-CN" smtClean="0"/>
               <a:t>Fifth level</a:t>
             </a:r>
             <a:endParaRPr lang="en-US" dirty="0"/>
@@ -820,7 +822,7 @@
     </p:spTree>
     <p:extLst>
       <p:ext uri="{BB962C8B-B14F-4D97-AF65-F5344CB8AC3E}">
-        <p14:creationId xmlns:p14="http://schemas.microsoft.com/office/powerpoint/2010/main" val="285426866"/>
+        <p14:creationId xmlns:p14="http://schemas.microsoft.com/office/powerpoint/2010/main" val="3318956265"/>
       </p:ext>
     </p:extLst>
   </p:cSld>
@@ -859,8 +861,8 @@
         </p:nvSpPr>
         <p:spPr>
           <a:xfrm>
-            <a:off x="623888" y="1709739"/>
-            <a:ext cx="7886700" cy="2852737"/>
+            <a:off x="831850" y="1709738"/>
+            <a:ext cx="10515600" cy="2852737"/>
           </a:xfrm>
         </p:spPr>
         <p:txBody>
@@ -872,7 +874,7 @@
           </a:lstStyle>
           <a:p>
             <a:r>
-              <a:rPr lang="en-US" smtClean="0"/>
+              <a:rPr lang="en-US" altLang="zh-CN" smtClean="0"/>
               <a:t>Click to edit Master title style</a:t>
             </a:r>
             <a:endParaRPr lang="en-US" dirty="0"/>
@@ -891,8 +893,8 @@
         </p:nvSpPr>
         <p:spPr>
           <a:xfrm>
-            <a:off x="623888" y="4589464"/>
-            <a:ext cx="7886700" cy="1500187"/>
+            <a:off x="831850" y="4589463"/>
+            <a:ext cx="10515600" cy="1500187"/>
           </a:xfrm>
         </p:spPr>
         <p:txBody>
@@ -902,7 +904,9 @@
               <a:buNone/>
               <a:defRPr sz="2400">
                 <a:solidFill>
-                  <a:schemeClr val="tx1"/>
+                  <a:schemeClr val="tx1">
+                    <a:tint val="75000"/>
+                  </a:schemeClr>
                 </a:solidFill>
               </a:defRPr>
             </a:lvl1pPr>
@@ -990,7 +994,7 @@
           <a:p>
             <a:pPr lvl="0"/>
             <a:r>
-              <a:rPr lang="en-US" smtClean="0"/>
+              <a:rPr lang="en-US" altLang="zh-CN" smtClean="0"/>
               <a:t>Click to edit Master text styles</a:t>
             </a:r>
           </a:p>
@@ -1064,7 +1068,7 @@
     </p:spTree>
     <p:extLst>
       <p:ext uri="{BB962C8B-B14F-4D97-AF65-F5344CB8AC3E}">
-        <p14:creationId xmlns:p14="http://schemas.microsoft.com/office/powerpoint/2010/main" val="1941663902"/>
+        <p14:creationId xmlns:p14="http://schemas.microsoft.com/office/powerpoint/2010/main" val="1620861120"/>
       </p:ext>
     </p:extLst>
   </p:cSld>
@@ -1107,7 +1111,7 @@
           <a:lstStyle/>
           <a:p>
             <a:r>
-              <a:rPr lang="en-US" smtClean="0"/>
+              <a:rPr lang="en-US" altLang="zh-CN" smtClean="0"/>
               <a:t>Click to edit Master title style</a:t>
             </a:r>
             <a:endParaRPr lang="en-US" dirty="0"/>
@@ -1126,8 +1130,8 @@
         </p:nvSpPr>
         <p:spPr>
           <a:xfrm>
-            <a:off x="628650" y="1825625"/>
-            <a:ext cx="3886200" cy="4351338"/>
+            <a:off x="838200" y="1825625"/>
+            <a:ext cx="5181600" cy="4351338"/>
           </a:xfrm>
         </p:spPr>
         <p:txBody>
@@ -1136,35 +1140,35 @@
           <a:p>
             <a:pPr lvl="0"/>
             <a:r>
-              <a:rPr lang="en-US" smtClean="0"/>
+              <a:rPr lang="en-US" altLang="zh-CN" smtClean="0"/>
               <a:t>Click to edit Master text styles</a:t>
             </a:r>
           </a:p>
           <a:p>
             <a:pPr lvl="1"/>
             <a:r>
-              <a:rPr lang="en-US" smtClean="0"/>
+              <a:rPr lang="en-US" altLang="zh-CN" smtClean="0"/>
               <a:t>Second level</a:t>
             </a:r>
           </a:p>
           <a:p>
             <a:pPr lvl="2"/>
             <a:r>
-              <a:rPr lang="en-US" smtClean="0"/>
+              <a:rPr lang="en-US" altLang="zh-CN" smtClean="0"/>
               <a:t>Third level</a:t>
             </a:r>
           </a:p>
           <a:p>
             <a:pPr lvl="3"/>
             <a:r>
-              <a:rPr lang="en-US" smtClean="0"/>
+              <a:rPr lang="en-US" altLang="zh-CN" smtClean="0"/>
               <a:t>Fourth level</a:t>
             </a:r>
           </a:p>
           <a:p>
             <a:pPr lvl="4"/>
             <a:r>
-              <a:rPr lang="en-US" smtClean="0"/>
+              <a:rPr lang="en-US" altLang="zh-CN" smtClean="0"/>
               <a:t>Fifth level</a:t>
             </a:r>
             <a:endParaRPr lang="en-US" dirty="0"/>
@@ -1183,8 +1187,8 @@
         </p:nvSpPr>
         <p:spPr>
           <a:xfrm>
-            <a:off x="4629150" y="1825625"/>
-            <a:ext cx="3886200" cy="4351338"/>
+            <a:off x="6172200" y="1825625"/>
+            <a:ext cx="5181600" cy="4351338"/>
           </a:xfrm>
         </p:spPr>
         <p:txBody>
@@ -1193,35 +1197,35 @@
           <a:p>
             <a:pPr lvl="0"/>
             <a:r>
-              <a:rPr lang="en-US" smtClean="0"/>
+              <a:rPr lang="en-US" altLang="zh-CN" smtClean="0"/>
               <a:t>Click to edit Master text styles</a:t>
             </a:r>
           </a:p>
           <a:p>
             <a:pPr lvl="1"/>
             <a:r>
-              <a:rPr lang="en-US" smtClean="0"/>
+              <a:rPr lang="en-US" altLang="zh-CN" smtClean="0"/>
               <a:t>Second level</a:t>
             </a:r>
           </a:p>
           <a:p>
             <a:pPr lvl="2"/>
             <a:r>
-              <a:rPr lang="en-US" smtClean="0"/>
+              <a:rPr lang="en-US" altLang="zh-CN" smtClean="0"/>
               <a:t>Third level</a:t>
             </a:r>
           </a:p>
           <a:p>
             <a:pPr lvl="3"/>
             <a:r>
-              <a:rPr lang="en-US" smtClean="0"/>
+              <a:rPr lang="en-US" altLang="zh-CN" smtClean="0"/>
               <a:t>Fourth level</a:t>
             </a:r>
           </a:p>
           <a:p>
             <a:pPr lvl="4"/>
             <a:r>
-              <a:rPr lang="en-US" smtClean="0"/>
+              <a:rPr lang="en-US" altLang="zh-CN" smtClean="0"/>
               <a:t>Fifth level</a:t>
             </a:r>
             <a:endParaRPr lang="en-US" dirty="0"/>
@@ -1296,7 +1300,7 @@
     </p:spTree>
     <p:extLst>
       <p:ext uri="{BB962C8B-B14F-4D97-AF65-F5344CB8AC3E}">
-        <p14:creationId xmlns:p14="http://schemas.microsoft.com/office/powerpoint/2010/main" val="1082564536"/>
+        <p14:creationId xmlns:p14="http://schemas.microsoft.com/office/powerpoint/2010/main" val="1870081992"/>
       </p:ext>
     </p:extLst>
   </p:cSld>
@@ -1335,8 +1339,8 @@
         </p:nvSpPr>
         <p:spPr>
           <a:xfrm>
-            <a:off x="629841" y="365126"/>
-            <a:ext cx="7886700" cy="1325563"/>
+            <a:off x="839788" y="365125"/>
+            <a:ext cx="10515600" cy="1325563"/>
           </a:xfrm>
         </p:spPr>
         <p:txBody>
@@ -1344,7 +1348,7 @@
           <a:lstStyle/>
           <a:p>
             <a:r>
-              <a:rPr lang="en-US" smtClean="0"/>
+              <a:rPr lang="en-US" altLang="zh-CN" smtClean="0"/>
               <a:t>Click to edit Master title style</a:t>
             </a:r>
             <a:endParaRPr lang="en-US" dirty="0"/>
@@ -1363,8 +1367,8 @@
         </p:nvSpPr>
         <p:spPr>
           <a:xfrm>
-            <a:off x="629842" y="1681163"/>
-            <a:ext cx="3868340" cy="823912"/>
+            <a:off x="839788" y="1681163"/>
+            <a:ext cx="5157787" cy="823912"/>
           </a:xfrm>
         </p:spPr>
         <p:txBody>
@@ -1410,7 +1414,7 @@
           <a:p>
             <a:pPr lvl="0"/>
             <a:r>
-              <a:rPr lang="en-US" smtClean="0"/>
+              <a:rPr lang="en-US" altLang="zh-CN" smtClean="0"/>
               <a:t>Click to edit Master text styles</a:t>
             </a:r>
           </a:p>
@@ -1428,8 +1432,8 @@
         </p:nvSpPr>
         <p:spPr>
           <a:xfrm>
-            <a:off x="629842" y="2505075"/>
-            <a:ext cx="3868340" cy="3684588"/>
+            <a:off x="839788" y="2505075"/>
+            <a:ext cx="5157787" cy="3684588"/>
           </a:xfrm>
         </p:spPr>
         <p:txBody>
@@ -1438,35 +1442,35 @@
           <a:p>
             <a:pPr lvl="0"/>
             <a:r>
-              <a:rPr lang="en-US" smtClean="0"/>
+              <a:rPr lang="en-US" altLang="zh-CN" smtClean="0"/>
               <a:t>Click to edit Master text styles</a:t>
             </a:r>
           </a:p>
           <a:p>
             <a:pPr lvl="1"/>
             <a:r>
-              <a:rPr lang="en-US" smtClean="0"/>
+              <a:rPr lang="en-US" altLang="zh-CN" smtClean="0"/>
               <a:t>Second level</a:t>
             </a:r>
           </a:p>
           <a:p>
             <a:pPr lvl="2"/>
             <a:r>
-              <a:rPr lang="en-US" smtClean="0"/>
+              <a:rPr lang="en-US" altLang="zh-CN" smtClean="0"/>
               <a:t>Third level</a:t>
             </a:r>
           </a:p>
           <a:p>
             <a:pPr lvl="3"/>
             <a:r>
-              <a:rPr lang="en-US" smtClean="0"/>
+              <a:rPr lang="en-US" altLang="zh-CN" smtClean="0"/>
               <a:t>Fourth level</a:t>
             </a:r>
           </a:p>
           <a:p>
             <a:pPr lvl="4"/>
             <a:r>
-              <a:rPr lang="en-US" smtClean="0"/>
+              <a:rPr lang="en-US" altLang="zh-CN" smtClean="0"/>
               <a:t>Fifth level</a:t>
             </a:r>
             <a:endParaRPr lang="en-US" dirty="0"/>
@@ -1485,8 +1489,8 @@
         </p:nvSpPr>
         <p:spPr>
           <a:xfrm>
-            <a:off x="4629150" y="1681163"/>
-            <a:ext cx="3887391" cy="823912"/>
+            <a:off x="6172200" y="1681163"/>
+            <a:ext cx="5183188" cy="823912"/>
           </a:xfrm>
         </p:spPr>
         <p:txBody>
@@ -1532,7 +1536,7 @@
           <a:p>
             <a:pPr lvl="0"/>
             <a:r>
-              <a:rPr lang="en-US" smtClean="0"/>
+              <a:rPr lang="en-US" altLang="zh-CN" smtClean="0"/>
               <a:t>Click to edit Master text styles</a:t>
             </a:r>
           </a:p>
@@ -1550,8 +1554,8 @@
         </p:nvSpPr>
         <p:spPr>
           <a:xfrm>
-            <a:off x="4629150" y="2505075"/>
-            <a:ext cx="3887391" cy="3684588"/>
+            <a:off x="6172200" y="2505075"/>
+            <a:ext cx="5183188" cy="3684588"/>
           </a:xfrm>
         </p:spPr>
         <p:txBody>
@@ -1560,35 +1564,35 @@
           <a:p>
             <a:pPr lvl="0"/>
             <a:r>
-              <a:rPr lang="en-US" smtClean="0"/>
+              <a:rPr lang="en-US" altLang="zh-CN" smtClean="0"/>
               <a:t>Click to edit Master text styles</a:t>
             </a:r>
           </a:p>
           <a:p>
             <a:pPr lvl="1"/>
             <a:r>
-              <a:rPr lang="en-US" smtClean="0"/>
+              <a:rPr lang="en-US" altLang="zh-CN" smtClean="0"/>
               <a:t>Second level</a:t>
             </a:r>
           </a:p>
           <a:p>
             <a:pPr lvl="2"/>
             <a:r>
-              <a:rPr lang="en-US" smtClean="0"/>
+              <a:rPr lang="en-US" altLang="zh-CN" smtClean="0"/>
               <a:t>Third level</a:t>
             </a:r>
           </a:p>
           <a:p>
             <a:pPr lvl="3"/>
             <a:r>
-              <a:rPr lang="en-US" smtClean="0"/>
+              <a:rPr lang="en-US" altLang="zh-CN" smtClean="0"/>
               <a:t>Fourth level</a:t>
             </a:r>
           </a:p>
           <a:p>
             <a:pPr lvl="4"/>
             <a:r>
-              <a:rPr lang="en-US" smtClean="0"/>
+              <a:rPr lang="en-US" altLang="zh-CN" smtClean="0"/>
               <a:t>Fifth level</a:t>
             </a:r>
             <a:endParaRPr lang="en-US" dirty="0"/>
@@ -1663,7 +1667,7 @@
     </p:spTree>
     <p:extLst>
       <p:ext uri="{BB962C8B-B14F-4D97-AF65-F5344CB8AC3E}">
-        <p14:creationId xmlns:p14="http://schemas.microsoft.com/office/powerpoint/2010/main" val="592611943"/>
+        <p14:creationId xmlns:p14="http://schemas.microsoft.com/office/powerpoint/2010/main" val="1616430830"/>
       </p:ext>
     </p:extLst>
   </p:cSld>
@@ -1706,7 +1710,7 @@
           <a:lstStyle/>
           <a:p>
             <a:r>
-              <a:rPr lang="en-US" smtClean="0"/>
+              <a:rPr lang="en-US" altLang="zh-CN" smtClean="0"/>
               <a:t>Click to edit Master title style</a:t>
             </a:r>
             <a:endParaRPr lang="en-US" dirty="0"/>
@@ -1781,7 +1785,7 @@
     </p:spTree>
     <p:extLst>
       <p:ext uri="{BB962C8B-B14F-4D97-AF65-F5344CB8AC3E}">
-        <p14:creationId xmlns:p14="http://schemas.microsoft.com/office/powerpoint/2010/main" val="626724177"/>
+        <p14:creationId xmlns:p14="http://schemas.microsoft.com/office/powerpoint/2010/main" val="1404839561"/>
       </p:ext>
     </p:extLst>
   </p:cSld>
@@ -1876,7 +1880,7 @@
     </p:spTree>
     <p:extLst>
       <p:ext uri="{BB962C8B-B14F-4D97-AF65-F5344CB8AC3E}">
-        <p14:creationId xmlns:p14="http://schemas.microsoft.com/office/powerpoint/2010/main" val="109366837"/>
+        <p14:creationId xmlns:p14="http://schemas.microsoft.com/office/powerpoint/2010/main" val="3064895936"/>
       </p:ext>
     </p:extLst>
   </p:cSld>
@@ -1915,8 +1919,8 @@
         </p:nvSpPr>
         <p:spPr>
           <a:xfrm>
-            <a:off x="629841" y="457200"/>
-            <a:ext cx="2949178" cy="1600200"/>
+            <a:off x="839788" y="457200"/>
+            <a:ext cx="3932237" cy="1600200"/>
           </a:xfrm>
         </p:spPr>
         <p:txBody>
@@ -1928,7 +1932,7 @@
           </a:lstStyle>
           <a:p>
             <a:r>
-              <a:rPr lang="en-US" smtClean="0"/>
+              <a:rPr lang="en-US" altLang="zh-CN" smtClean="0"/>
               <a:t>Click to edit Master title style</a:t>
             </a:r>
             <a:endParaRPr lang="en-US" dirty="0"/>
@@ -1947,8 +1951,8 @@
         </p:nvSpPr>
         <p:spPr>
           <a:xfrm>
-            <a:off x="3887391" y="987426"/>
-            <a:ext cx="4629150" cy="4873625"/>
+            <a:off x="5183188" y="987425"/>
+            <a:ext cx="6172200" cy="4873625"/>
           </a:xfrm>
         </p:spPr>
         <p:txBody>
@@ -1985,35 +1989,35 @@
           <a:p>
             <a:pPr lvl="0"/>
             <a:r>
-              <a:rPr lang="en-US" smtClean="0"/>
+              <a:rPr lang="en-US" altLang="zh-CN" smtClean="0"/>
               <a:t>Click to edit Master text styles</a:t>
             </a:r>
           </a:p>
           <a:p>
             <a:pPr lvl="1"/>
             <a:r>
-              <a:rPr lang="en-US" smtClean="0"/>
+              <a:rPr lang="en-US" altLang="zh-CN" smtClean="0"/>
               <a:t>Second level</a:t>
             </a:r>
           </a:p>
           <a:p>
             <a:pPr lvl="2"/>
             <a:r>
-              <a:rPr lang="en-US" smtClean="0"/>
+              <a:rPr lang="en-US" altLang="zh-CN" smtClean="0"/>
               <a:t>Third level</a:t>
             </a:r>
           </a:p>
           <a:p>
             <a:pPr lvl="3"/>
             <a:r>
-              <a:rPr lang="en-US" smtClean="0"/>
+              <a:rPr lang="en-US" altLang="zh-CN" smtClean="0"/>
               <a:t>Fourth level</a:t>
             </a:r>
           </a:p>
           <a:p>
             <a:pPr lvl="4"/>
             <a:r>
-              <a:rPr lang="en-US" smtClean="0"/>
+              <a:rPr lang="en-US" altLang="zh-CN" smtClean="0"/>
               <a:t>Fifth level</a:t>
             </a:r>
             <a:endParaRPr lang="en-US" dirty="0"/>
@@ -2032,8 +2036,8 @@
         </p:nvSpPr>
         <p:spPr>
           <a:xfrm>
-            <a:off x="629841" y="2057400"/>
-            <a:ext cx="2949178" cy="3811588"/>
+            <a:off x="839788" y="2057400"/>
+            <a:ext cx="3932237" cy="3811588"/>
           </a:xfrm>
         </p:spPr>
         <p:txBody>
@@ -2079,7 +2083,7 @@
           <a:p>
             <a:pPr lvl="0"/>
             <a:r>
-              <a:rPr lang="en-US" smtClean="0"/>
+              <a:rPr lang="en-US" altLang="zh-CN" smtClean="0"/>
               <a:t>Click to edit Master text styles</a:t>
             </a:r>
           </a:p>
@@ -2153,7 +2157,7 @@
     </p:spTree>
     <p:extLst>
       <p:ext uri="{BB962C8B-B14F-4D97-AF65-F5344CB8AC3E}">
-        <p14:creationId xmlns:p14="http://schemas.microsoft.com/office/powerpoint/2010/main" val="600521123"/>
+        <p14:creationId xmlns:p14="http://schemas.microsoft.com/office/powerpoint/2010/main" val="4174818949"/>
       </p:ext>
     </p:extLst>
   </p:cSld>
@@ -2192,8 +2196,8 @@
         </p:nvSpPr>
         <p:spPr>
           <a:xfrm>
-            <a:off x="629841" y="457200"/>
-            <a:ext cx="2949178" cy="1600200"/>
+            <a:off x="839788" y="457200"/>
+            <a:ext cx="3932237" cy="1600200"/>
           </a:xfrm>
         </p:spPr>
         <p:txBody>
@@ -2205,7 +2209,7 @@
           </a:lstStyle>
           <a:p>
             <a:r>
-              <a:rPr lang="en-US" smtClean="0"/>
+              <a:rPr lang="en-US" altLang="zh-CN" smtClean="0"/>
               <a:t>Click to edit Master title style</a:t>
             </a:r>
             <a:endParaRPr lang="en-US" dirty="0"/>
@@ -2224,8 +2228,8 @@
         </p:nvSpPr>
         <p:spPr>
           <a:xfrm>
-            <a:off x="3887391" y="987426"/>
-            <a:ext cx="4629150" cy="4873625"/>
+            <a:off x="5183188" y="987425"/>
+            <a:ext cx="6172200" cy="4873625"/>
           </a:xfrm>
         </p:spPr>
         <p:txBody>
@@ -2270,7 +2274,7 @@
           </a:lstStyle>
           <a:p>
             <a:r>
-              <a:rPr lang="en-US" smtClean="0"/>
+              <a:rPr lang="en-US" altLang="zh-CN" smtClean="0"/>
               <a:t>Click icon to add picture</a:t>
             </a:r>
             <a:endParaRPr lang="en-US" dirty="0"/>
@@ -2289,8 +2293,8 @@
         </p:nvSpPr>
         <p:spPr>
           <a:xfrm>
-            <a:off x="629841" y="2057400"/>
-            <a:ext cx="2949178" cy="3811588"/>
+            <a:off x="839788" y="2057400"/>
+            <a:ext cx="3932237" cy="3811588"/>
           </a:xfrm>
         </p:spPr>
         <p:txBody>
@@ -2336,7 +2340,7 @@
           <a:p>
             <a:pPr lvl="0"/>
             <a:r>
-              <a:rPr lang="en-US" smtClean="0"/>
+              <a:rPr lang="en-US" altLang="zh-CN" smtClean="0"/>
               <a:t>Click to edit Master text styles</a:t>
             </a:r>
           </a:p>
@@ -2410,7 +2414,7 @@
     </p:spTree>
     <p:extLst>
       <p:ext uri="{BB962C8B-B14F-4D97-AF65-F5344CB8AC3E}">
-        <p14:creationId xmlns:p14="http://schemas.microsoft.com/office/powerpoint/2010/main" val="115667663"/>
+        <p14:creationId xmlns:p14="http://schemas.microsoft.com/office/powerpoint/2010/main" val="1575782171"/>
       </p:ext>
     </p:extLst>
   </p:cSld>
@@ -2454,8 +2458,8 @@
         </p:nvSpPr>
         <p:spPr>
           <a:xfrm>
-            <a:off x="628650" y="365126"/>
-            <a:ext cx="7886700" cy="1325563"/>
+            <a:off x="838200" y="365125"/>
+            <a:ext cx="10515600" cy="1325563"/>
           </a:xfrm>
           <a:prstGeom prst="rect">
             <a:avLst/>
@@ -2468,7 +2472,7 @@
           <a:lstStyle/>
           <a:p>
             <a:r>
-              <a:rPr lang="en-US" smtClean="0"/>
+              <a:rPr lang="en-US" altLang="zh-CN" smtClean="0"/>
               <a:t>Click to edit Master title style</a:t>
             </a:r>
             <a:endParaRPr lang="en-US" dirty="0"/>
@@ -2487,8 +2491,8 @@
         </p:nvSpPr>
         <p:spPr>
           <a:xfrm>
-            <a:off x="628650" y="1825625"/>
-            <a:ext cx="7886700" cy="4351338"/>
+            <a:off x="838200" y="1825625"/>
+            <a:ext cx="10515600" cy="4351338"/>
           </a:xfrm>
           <a:prstGeom prst="rect">
             <a:avLst/>
@@ -2502,35 +2506,35 @@
           <a:p>
             <a:pPr lvl="0"/>
             <a:r>
-              <a:rPr lang="en-US" smtClean="0"/>
+              <a:rPr lang="en-US" altLang="zh-CN" smtClean="0"/>
               <a:t>Click to edit Master text styles</a:t>
             </a:r>
           </a:p>
           <a:p>
             <a:pPr lvl="1"/>
             <a:r>
-              <a:rPr lang="en-US" smtClean="0"/>
+              <a:rPr lang="en-US" altLang="zh-CN" smtClean="0"/>
               <a:t>Second level</a:t>
             </a:r>
           </a:p>
           <a:p>
             <a:pPr lvl="2"/>
             <a:r>
-              <a:rPr lang="en-US" smtClean="0"/>
+              <a:rPr lang="en-US" altLang="zh-CN" smtClean="0"/>
               <a:t>Third level</a:t>
             </a:r>
           </a:p>
           <a:p>
             <a:pPr lvl="3"/>
             <a:r>
-              <a:rPr lang="en-US" smtClean="0"/>
+              <a:rPr lang="en-US" altLang="zh-CN" smtClean="0"/>
               <a:t>Fourth level</a:t>
             </a:r>
           </a:p>
           <a:p>
             <a:pPr lvl="4"/>
             <a:r>
-              <a:rPr lang="en-US" smtClean="0"/>
+              <a:rPr lang="en-US" altLang="zh-CN" smtClean="0"/>
               <a:t>Fifth level</a:t>
             </a:r>
             <a:endParaRPr lang="en-US" dirty="0"/>
@@ -2549,8 +2553,8 @@
         </p:nvSpPr>
         <p:spPr>
           <a:xfrm>
-            <a:off x="628650" y="6356351"/>
-            <a:ext cx="2057400" cy="365125"/>
+            <a:off x="838200" y="6356350"/>
+            <a:ext cx="2743200" cy="365125"/>
           </a:xfrm>
           <a:prstGeom prst="rect">
             <a:avLst/>
@@ -2590,8 +2594,8 @@
         </p:nvSpPr>
         <p:spPr>
           <a:xfrm>
-            <a:off x="3028950" y="6356351"/>
-            <a:ext cx="3086100" cy="365125"/>
+            <a:off x="4038600" y="6356350"/>
+            <a:ext cx="4114800" cy="365125"/>
           </a:xfrm>
           <a:prstGeom prst="rect">
             <a:avLst/>
@@ -2627,8 +2631,8 @@
         </p:nvSpPr>
         <p:spPr>
           <a:xfrm>
-            <a:off x="6457950" y="6356351"/>
-            <a:ext cx="2057400" cy="365125"/>
+            <a:off x="8610600" y="6356350"/>
+            <a:ext cx="2743200" cy="365125"/>
           </a:xfrm>
           <a:prstGeom prst="rect">
             <a:avLst/>
@@ -2659,23 +2663,23 @@
     </p:spTree>
     <p:extLst>
       <p:ext uri="{BB962C8B-B14F-4D97-AF65-F5344CB8AC3E}">
-        <p14:creationId xmlns:p14="http://schemas.microsoft.com/office/powerpoint/2010/main" val="2090711691"/>
+        <p14:creationId xmlns:p14="http://schemas.microsoft.com/office/powerpoint/2010/main" val="1380219125"/>
       </p:ext>
     </p:extLst>
   </p:cSld>
   <p:clrMap bg1="lt1" tx1="dk1" bg2="lt2" tx2="dk2" accent1="accent1" accent2="accent2" accent3="accent3" accent4="accent4" accent5="accent5" accent6="accent6" hlink="hlink" folHlink="folHlink"/>
   <p:sldLayoutIdLst>
-    <p:sldLayoutId id="2147483661" r:id="rId1"/>
-    <p:sldLayoutId id="2147483662" r:id="rId2"/>
-    <p:sldLayoutId id="2147483663" r:id="rId3"/>
-    <p:sldLayoutId id="2147483664" r:id="rId4"/>
-    <p:sldLayoutId id="2147483665" r:id="rId5"/>
-    <p:sldLayoutId id="2147483666" r:id="rId6"/>
-    <p:sldLayoutId id="2147483667" r:id="rId7"/>
-    <p:sldLayoutId id="2147483668" r:id="rId8"/>
-    <p:sldLayoutId id="2147483669" r:id="rId9"/>
-    <p:sldLayoutId id="2147483670" r:id="rId10"/>
-    <p:sldLayoutId id="2147483671" r:id="rId11"/>
+    <p:sldLayoutId id="2147483673" r:id="rId1"/>
+    <p:sldLayoutId id="2147483674" r:id="rId2"/>
+    <p:sldLayoutId id="2147483675" r:id="rId3"/>
+    <p:sldLayoutId id="2147483676" r:id="rId4"/>
+    <p:sldLayoutId id="2147483677" r:id="rId5"/>
+    <p:sldLayoutId id="2147483678" r:id="rId6"/>
+    <p:sldLayoutId id="2147483679" r:id="rId7"/>
+    <p:sldLayoutId id="2147483680" r:id="rId8"/>
+    <p:sldLayoutId id="2147483681" r:id="rId9"/>
+    <p:sldLayoutId id="2147483682" r:id="rId10"/>
+    <p:sldLayoutId id="2147483683" r:id="rId11"/>
   </p:sldLayoutIdLst>
   <p:txStyles>
     <p:titleStyle>
@@ -2985,7 +2989,7 @@
         </p:nvCxnSpPr>
         <p:spPr>
           <a:xfrm rot="5400000">
-            <a:off x="4499992" y="3573016"/>
+            <a:off x="6023992" y="3573016"/>
             <a:ext cx="6336704" cy="0"/>
           </a:xfrm>
           <a:prstGeom prst="line">
@@ -3023,7 +3027,7 @@
         </p:nvCxnSpPr>
         <p:spPr>
           <a:xfrm rot="5400000">
-            <a:off x="1835696" y="3573016"/>
+            <a:off x="3359696" y="3573016"/>
             <a:ext cx="6336704" cy="0"/>
           </a:xfrm>
           <a:prstGeom prst="line">
@@ -3061,7 +3065,7 @@
         </p:nvCxnSpPr>
         <p:spPr>
           <a:xfrm rot="5400000">
-            <a:off x="-1620688" y="3573016"/>
+            <a:off x="-96688" y="3573016"/>
             <a:ext cx="6336704" cy="0"/>
           </a:xfrm>
           <a:prstGeom prst="line">
@@ -3099,7 +3103,7 @@
         </p:nvSpPr>
         <p:spPr>
           <a:xfrm>
-            <a:off x="1979712" y="1098866"/>
+            <a:off x="3503713" y="1098866"/>
             <a:ext cx="2362205" cy="1538046"/>
           </a:xfrm>
           <a:prstGeom prst="roundRect">
@@ -3147,7 +3151,7 @@
         </p:nvSpPr>
         <p:spPr>
           <a:xfrm>
-            <a:off x="2123728" y="1170874"/>
+            <a:off x="3647729" y="1170874"/>
             <a:ext cx="1768889" cy="313910"/>
           </a:xfrm>
           <a:prstGeom prst="roundRect">
@@ -3179,14 +3183,14 @@
           <a:p>
             <a:pPr algn="ctr"/>
             <a:r>
-              <a:rPr lang="en-AU" sz="800" b="1" dirty="0" smtClean="0"/>
+              <a:rPr lang="en-AU" sz="800" b="1" dirty="0"/>
               <a:t>VM (IIS7 )</a:t>
             </a:r>
           </a:p>
           <a:p>
             <a:pPr algn="ctr"/>
             <a:r>
-              <a:rPr lang="en-AU" sz="800" b="1" dirty="0" smtClean="0"/>
+              <a:rPr lang="en-AU" sz="800" b="1" dirty="0"/>
               <a:t>IP Filter + Ticketing</a:t>
             </a:r>
             <a:endParaRPr lang="en-AU" sz="800" b="1" dirty="0"/>
@@ -3201,7 +3205,7 @@
         </p:nvSpPr>
         <p:spPr>
           <a:xfrm>
-            <a:off x="2123728" y="1496409"/>
+            <a:off x="3647729" y="1496410"/>
             <a:ext cx="1768889" cy="323845"/>
           </a:xfrm>
           <a:prstGeom prst="roundRect">
@@ -3233,14 +3237,14 @@
           <a:p>
             <a:pPr algn="ctr"/>
             <a:r>
-              <a:rPr lang="en-AU" sz="800" b="1" dirty="0" smtClean="0"/>
+              <a:rPr lang="en-AU" sz="800" b="1" dirty="0"/>
               <a:t>VM (IIS7 )</a:t>
             </a:r>
           </a:p>
           <a:p>
             <a:pPr algn="ctr"/>
             <a:r>
-              <a:rPr lang="en-AU" sz="800" b="1" dirty="0" smtClean="0"/>
+              <a:rPr lang="en-AU" sz="800" b="1" dirty="0"/>
               <a:t>IP Filter + Ticketing</a:t>
             </a:r>
             <a:endParaRPr lang="en-AU" sz="800" b="1" dirty="0"/>
@@ -3255,7 +3259,7 @@
         </p:nvSpPr>
         <p:spPr>
           <a:xfrm>
-            <a:off x="2123728" y="1840383"/>
+            <a:off x="3647729" y="1840384"/>
             <a:ext cx="1768889" cy="580505"/>
           </a:xfrm>
           <a:prstGeom prst="roundRect">
@@ -3287,21 +3291,21 @@
           <a:p>
             <a:pPr algn="ctr"/>
             <a:r>
-              <a:rPr lang="en-AU" sz="800" b="1" dirty="0" smtClean="0"/>
+              <a:rPr lang="en-AU" sz="800" b="1" dirty="0"/>
               <a:t>VM (IIS7 )</a:t>
             </a:r>
           </a:p>
           <a:p>
             <a:pPr algn="ctr"/>
-            <a:endParaRPr lang="en-AU" sz="800" b="1" dirty="0" smtClean="0"/>
+            <a:endParaRPr lang="en-AU" sz="800" b="1" dirty="0"/>
           </a:p>
           <a:p>
             <a:pPr algn="ctr"/>
-            <a:endParaRPr lang="en-AU" sz="800" b="1" dirty="0" smtClean="0"/>
+            <a:endParaRPr lang="en-AU" sz="800" b="1" dirty="0"/>
           </a:p>
           <a:p>
             <a:pPr algn="ctr"/>
-            <a:endParaRPr lang="en-AU" sz="800" b="1" dirty="0" smtClean="0"/>
+            <a:endParaRPr lang="en-AU" sz="800" b="1" dirty="0"/>
           </a:p>
         </p:txBody>
       </p:sp>
@@ -3313,7 +3317,7 @@
         </p:nvSpPr>
         <p:spPr>
           <a:xfrm rot="5400000">
-            <a:off x="3090319" y="2416039"/>
+            <a:off x="4614320" y="2416040"/>
             <a:ext cx="360041" cy="276999"/>
           </a:xfrm>
           <a:prstGeom prst="rect">
@@ -3328,7 +3332,7 @@
           <a:lstStyle/>
           <a:p>
             <a:r>
-              <a:rPr lang="en-AU" sz="1200" b="1" dirty="0" smtClean="0"/>
+              <a:rPr lang="en-AU" sz="1200" b="1" dirty="0"/>
               <a:t>...</a:t>
             </a:r>
             <a:endParaRPr lang="en-AU" sz="1200" b="1" dirty="0"/>
@@ -3343,7 +3347,7 @@
         </p:nvSpPr>
         <p:spPr>
           <a:xfrm>
-            <a:off x="3192789" y="764704"/>
+            <a:off x="4716790" y="764705"/>
             <a:ext cx="1077539" cy="353943"/>
           </a:xfrm>
           <a:prstGeom prst="rect">
@@ -3395,13 +3399,13 @@
           <a:lstStyle/>
           <a:p>
             <a:r>
-              <a:rPr lang="en-AU" sz="850" b="1" dirty="0" smtClean="0"/>
+              <a:rPr lang="en-AU" sz="850" b="1" dirty="0"/>
               <a:t>Web server cluster </a:t>
             </a:r>
           </a:p>
           <a:p>
             <a:r>
-              <a:rPr lang="en-AU" sz="850" b="1" dirty="0" smtClean="0"/>
+              <a:rPr lang="en-AU" sz="850" b="1" dirty="0"/>
               <a:t>(online gameplay)</a:t>
             </a:r>
             <a:endParaRPr lang="en-AU" sz="850" b="1" dirty="0"/>
@@ -3419,7 +3423,7 @@
         </p:nvCxnSpPr>
         <p:spPr>
           <a:xfrm flipV="1">
-            <a:off x="1698881" y="1327829"/>
+            <a:off x="3222882" y="1327829"/>
             <a:ext cx="424847" cy="237616"/>
           </a:xfrm>
           <a:prstGeom prst="bentConnector3">
@@ -3458,7 +3462,7 @@
         </p:nvCxnSpPr>
         <p:spPr>
           <a:xfrm>
-            <a:off x="1698881" y="1565445"/>
+            <a:off x="3222882" y="1565446"/>
             <a:ext cx="424847" cy="92887"/>
           </a:xfrm>
           <a:prstGeom prst="bentConnector3">
@@ -3494,7 +3498,7 @@
         </p:nvSpPr>
         <p:spPr>
           <a:xfrm>
-            <a:off x="5724128" y="876082"/>
+            <a:off x="7248128" y="876082"/>
             <a:ext cx="1152128" cy="1635710"/>
           </a:xfrm>
           <a:prstGeom prst="roundRect">
@@ -3551,7 +3555,7 @@
         </p:blipFill>
         <p:spPr bwMode="auto">
           <a:xfrm>
-            <a:off x="6684235" y="913586"/>
+            <a:off x="8208236" y="913586"/>
             <a:ext cx="336037" cy="504056"/>
           </a:xfrm>
           <a:prstGeom prst="rect">
@@ -3583,7 +3587,7 @@
         </p:blipFill>
         <p:spPr bwMode="auto">
           <a:xfrm>
-            <a:off x="6684235" y="1921698"/>
+            <a:off x="8208236" y="1921698"/>
             <a:ext cx="336037" cy="504056"/>
           </a:xfrm>
           <a:prstGeom prst="rect">
@@ -3606,7 +3610,7 @@
         </p:nvSpPr>
         <p:spPr>
           <a:xfrm>
-            <a:off x="6816298" y="507194"/>
+            <a:off x="8340299" y="507195"/>
             <a:ext cx="1363231" cy="615553"/>
           </a:xfrm>
           <a:prstGeom prst="rect">
@@ -3658,21 +3662,13 @@
           <a:lstStyle/>
           <a:p>
             <a:r>
-              <a:rPr lang="en-AU" sz="850" b="1" dirty="0" smtClean="0"/>
-              <a:t>MSSQL </a:t>
-            </a:r>
-            <a:r>
-              <a:rPr lang="en-AU" sz="850" b="1" dirty="0" smtClean="0"/>
-              <a:t>Server failover </a:t>
-            </a:r>
-            <a:r>
-              <a:rPr lang="en-AU" sz="850" b="1" dirty="0" smtClean="0"/>
-              <a:t>cluster</a:t>
-            </a:r>
-          </a:p>
-          <a:p>
-            <a:r>
-              <a:rPr lang="en-AU" sz="850" b="1" dirty="0" smtClean="0"/>
+              <a:rPr lang="en-AU" sz="850" b="1" dirty="0"/>
+              <a:t>MSSQL Server failover cluster</a:t>
+            </a:r>
+          </a:p>
+          <a:p>
+            <a:r>
+              <a:rPr lang="en-AU" sz="850" b="1" dirty="0"/>
               <a:t>(two-way game logic DB instance)</a:t>
             </a:r>
             <a:endParaRPr lang="en-AU" sz="850" b="1" dirty="0"/>
@@ -3690,7 +3686,7 @@
         </p:nvCxnSpPr>
         <p:spPr>
           <a:xfrm rot="10800000" flipV="1">
-            <a:off x="6684235" y="1165614"/>
+            <a:off x="8208235" y="1165614"/>
             <a:ext cx="1588" cy="1008112"/>
           </a:xfrm>
           <a:prstGeom prst="bentConnector3">
@@ -3731,7 +3727,7 @@
         </p:nvSpPr>
         <p:spPr>
           <a:xfrm>
-            <a:off x="6035038" y="913586"/>
+            <a:off x="7559038" y="913586"/>
             <a:ext cx="803714" cy="223138"/>
           </a:xfrm>
           <a:prstGeom prst="rect">
@@ -3746,7 +3742,7 @@
           <a:lstStyle/>
           <a:p>
             <a:r>
-              <a:rPr lang="en-AU" sz="850" b="1" u="sng" dirty="0" smtClean="0"/>
+              <a:rPr lang="en-AU" sz="850" b="1" u="sng" dirty="0"/>
               <a:t>Primary DB</a:t>
             </a:r>
             <a:endParaRPr lang="en-AU" sz="850" b="1" u="sng" dirty="0"/>
@@ -3761,7 +3757,7 @@
         </p:nvSpPr>
         <p:spPr>
           <a:xfrm>
-            <a:off x="5868144" y="2226982"/>
+            <a:off x="7392144" y="2226982"/>
             <a:ext cx="936104" cy="223138"/>
           </a:xfrm>
           <a:prstGeom prst="rect">
@@ -3776,7 +3772,7 @@
           <a:lstStyle/>
           <a:p>
             <a:r>
-              <a:rPr lang="en-AU" sz="850" b="1" u="sng" dirty="0" smtClean="0"/>
+              <a:rPr lang="en-AU" sz="850" b="1" u="sng" dirty="0"/>
               <a:t>Hot standby DB</a:t>
             </a:r>
             <a:endParaRPr lang="en-AU" sz="850" b="1" u="sng" dirty="0"/>
@@ -3794,7 +3790,7 @@
         </p:nvCxnSpPr>
         <p:spPr>
           <a:xfrm>
-            <a:off x="1698881" y="1565445"/>
+            <a:off x="3222882" y="1565446"/>
             <a:ext cx="568863" cy="639419"/>
           </a:xfrm>
           <a:prstGeom prst="bentConnector3">
@@ -3830,7 +3826,7 @@
         </p:nvSpPr>
         <p:spPr>
           <a:xfrm>
-            <a:off x="5830640" y="1489650"/>
+            <a:off x="7354640" y="1489650"/>
             <a:ext cx="906952" cy="314776"/>
           </a:xfrm>
           <a:prstGeom prst="roundRect">
@@ -3862,19 +3858,14 @@
           <a:p>
             <a:pPr algn="ctr"/>
             <a:r>
-              <a:rPr lang="en-AU" sz="800" b="1" dirty="0" smtClean="0"/>
-              <a:t>MSSQL </a:t>
-            </a:r>
-            <a:r>
-              <a:rPr lang="en-AU" sz="800" b="1" dirty="0" smtClean="0"/>
-              <a:t>Server</a:t>
-            </a:r>
-            <a:endParaRPr lang="en-AU" sz="800" b="1" dirty="0" smtClean="0"/>
+              <a:rPr lang="en-AU" sz="800" b="1" dirty="0"/>
+              <a:t>MSSQL Server</a:t>
+            </a:r>
           </a:p>
           <a:p>
             <a:pPr algn="ctr"/>
             <a:r>
-              <a:rPr lang="en-AU" sz="800" b="1" dirty="0" smtClean="0"/>
+              <a:rPr lang="en-AU" sz="800" b="1" dirty="0"/>
               <a:t>Virtual  host</a:t>
             </a:r>
             <a:endParaRPr lang="en-AU" sz="800" b="1" dirty="0"/>
@@ -3898,7 +3889,7 @@
         </p:blipFill>
         <p:spPr bwMode="auto">
           <a:xfrm>
-            <a:off x="4139952" y="2420888"/>
+            <a:off x="5663953" y="2420888"/>
             <a:ext cx="625387" cy="499410"/>
           </a:xfrm>
           <a:prstGeom prst="rect">
@@ -3918,7 +3909,7 @@
         </p:nvCxnSpPr>
         <p:spPr>
           <a:xfrm>
-            <a:off x="7020272" y="1165614"/>
+            <a:off x="8544273" y="1165614"/>
             <a:ext cx="909659" cy="1431588"/>
           </a:xfrm>
           <a:prstGeom prst="bentConnector3">
@@ -3960,7 +3951,7 @@
         </p:nvCxnSpPr>
         <p:spPr>
           <a:xfrm>
-            <a:off x="7020272" y="2173726"/>
+            <a:off x="8544273" y="2173726"/>
             <a:ext cx="909659" cy="423476"/>
           </a:xfrm>
           <a:prstGeom prst="bentConnector3">
@@ -3999,7 +3990,7 @@
         </p:nvSpPr>
         <p:spPr>
           <a:xfrm>
-            <a:off x="2051720" y="4831655"/>
+            <a:off x="3575720" y="4831656"/>
             <a:ext cx="2736304" cy="1909713"/>
           </a:xfrm>
           <a:prstGeom prst="roundRect">
@@ -4047,7 +4038,7 @@
         </p:nvSpPr>
         <p:spPr>
           <a:xfrm>
-            <a:off x="2195736" y="4903664"/>
+            <a:off x="3719737" y="4903664"/>
             <a:ext cx="2060413" cy="354140"/>
           </a:xfrm>
           <a:prstGeom prst="roundRect">
@@ -4079,14 +4070,14 @@
           <a:p>
             <a:pPr algn="ctr"/>
             <a:r>
-              <a:rPr lang="en-AU" sz="800" b="1" dirty="0" smtClean="0"/>
+              <a:rPr lang="en-AU" sz="800" b="1" dirty="0"/>
               <a:t>VM(IIS7 )</a:t>
             </a:r>
           </a:p>
           <a:p>
             <a:pPr algn="ctr"/>
             <a:r>
-              <a:rPr lang="en-AU" sz="800" b="1" dirty="0" smtClean="0"/>
+              <a:rPr lang="en-AU" sz="800" b="1" dirty="0"/>
               <a:t>IP Filter + DataCache</a:t>
             </a:r>
             <a:endParaRPr lang="en-AU" sz="800" b="1" dirty="0"/>
@@ -4101,7 +4092,7 @@
         </p:nvSpPr>
         <p:spPr>
           <a:xfrm>
-            <a:off x="3203848" y="4509120"/>
+            <a:off x="4727848" y="4509121"/>
             <a:ext cx="1053494" cy="353943"/>
           </a:xfrm>
           <a:prstGeom prst="rect">
@@ -4153,13 +4144,13 @@
           <a:lstStyle/>
           <a:p>
             <a:r>
-              <a:rPr lang="en-AU" sz="850" b="1" dirty="0" smtClean="0"/>
+              <a:rPr lang="en-AU" sz="850" b="1" dirty="0"/>
               <a:t>Web server cluster </a:t>
             </a:r>
           </a:p>
           <a:p>
             <a:r>
-              <a:rPr lang="en-AU" sz="850" b="1" dirty="0" smtClean="0"/>
+              <a:rPr lang="en-AU" sz="850" b="1" dirty="0"/>
               <a:t>(read-only data)</a:t>
             </a:r>
             <a:endParaRPr lang="en-AU" sz="850" b="1" dirty="0"/>
@@ -4174,7 +4165,7 @@
         </p:nvSpPr>
         <p:spPr>
           <a:xfrm>
-            <a:off x="5796136" y="4628174"/>
+            <a:off x="7320136" y="4628175"/>
             <a:ext cx="1224136" cy="360041"/>
           </a:xfrm>
           <a:prstGeom prst="roundRect">
@@ -4215,7 +4206,7 @@
         </p:nvSpPr>
         <p:spPr>
           <a:xfrm>
-            <a:off x="5868144" y="4700182"/>
+            <a:off x="7392144" y="4700182"/>
             <a:ext cx="864096" cy="216024"/>
           </a:xfrm>
           <a:prstGeom prst="roundRect">
@@ -4247,14 +4238,9 @@
           <a:p>
             <a:pPr algn="ctr"/>
             <a:r>
-              <a:rPr lang="en-AU" sz="800" b="1" dirty="0" smtClean="0"/>
-              <a:t>MSSQL </a:t>
-            </a:r>
-            <a:r>
-              <a:rPr lang="en-AU" sz="800" b="1" dirty="0" smtClean="0"/>
-              <a:t>Server</a:t>
-            </a:r>
-            <a:endParaRPr lang="en-AU" sz="800" b="1" dirty="0" smtClean="0"/>
+              <a:rPr lang="en-AU" sz="800" b="1" dirty="0"/>
+              <a:t>MSSQL Server</a:t>
+            </a:r>
           </a:p>
         </p:txBody>
       </p:sp>
@@ -4275,7 +4261,7 @@
         </p:blipFill>
         <p:spPr bwMode="auto">
           <a:xfrm>
-            <a:off x="6804248" y="4772190"/>
+            <a:off x="8328249" y="4772190"/>
             <a:ext cx="336037" cy="504056"/>
           </a:xfrm>
           <a:prstGeom prst="rect">
@@ -4298,7 +4284,7 @@
         </p:nvSpPr>
         <p:spPr>
           <a:xfrm>
-            <a:off x="6735240" y="4590670"/>
+            <a:off x="8259240" y="4590670"/>
             <a:ext cx="864096" cy="223138"/>
           </a:xfrm>
           <a:prstGeom prst="rect">
@@ -4313,7 +4299,7 @@
           <a:lstStyle/>
           <a:p>
             <a:r>
-              <a:rPr lang="en-AU" sz="850" b="1" u="sng" dirty="0" smtClean="0"/>
+              <a:rPr lang="en-AU" sz="850" b="1" u="sng" dirty="0"/>
               <a:t>Replicated DB</a:t>
             </a:r>
             <a:endParaRPr lang="en-AU" sz="850" b="1" u="sng" dirty="0"/>
@@ -4330,7 +4316,7 @@
         </p:nvCxnSpPr>
         <p:spPr>
           <a:xfrm flipV="1">
-            <a:off x="4256149" y="4808196"/>
+            <a:off x="5780150" y="4808196"/>
             <a:ext cx="1594903" cy="272538"/>
           </a:xfrm>
           <a:prstGeom prst="bentConnector3">
@@ -4380,7 +4366,7 @@
         </p:blipFill>
         <p:spPr bwMode="auto">
           <a:xfrm>
-            <a:off x="4572000" y="6525344"/>
+            <a:off x="6096001" y="6525345"/>
             <a:ext cx="625387" cy="257891"/>
           </a:xfrm>
           <a:prstGeom prst="rect">
@@ -4403,7 +4389,7 @@
         </p:nvSpPr>
         <p:spPr>
           <a:xfrm>
-            <a:off x="7785915" y="2309170"/>
+            <a:off x="9309915" y="2309170"/>
             <a:ext cx="1008112" cy="2027332"/>
           </a:xfrm>
           <a:prstGeom prst="roundRect">
@@ -4451,7 +4437,7 @@
         </p:nvSpPr>
         <p:spPr>
           <a:xfrm>
-            <a:off x="8027817" y="2110398"/>
+            <a:off x="9551817" y="2110398"/>
             <a:ext cx="792088" cy="223138"/>
           </a:xfrm>
           <a:prstGeom prst="rect">
@@ -4503,7 +4489,7 @@
           <a:lstStyle/>
           <a:p>
             <a:r>
-              <a:rPr lang="en-AU" sz="850" b="1" dirty="0" smtClean="0"/>
+              <a:rPr lang="en-AU" sz="850" b="1" dirty="0"/>
               <a:t>SAN storage</a:t>
             </a:r>
             <a:endParaRPr lang="en-AU" sz="850" b="1" dirty="0"/>
@@ -4527,7 +4513,7 @@
         </p:blipFill>
         <p:spPr bwMode="auto">
           <a:xfrm>
-            <a:off x="7929931" y="2453186"/>
+            <a:off x="9453932" y="2453186"/>
             <a:ext cx="226749" cy="288032"/>
           </a:xfrm>
           <a:prstGeom prst="rect">
@@ -4559,7 +4545,7 @@
         </p:blipFill>
         <p:spPr bwMode="auto">
           <a:xfrm>
-            <a:off x="7929931" y="3653926"/>
+            <a:off x="9453932" y="3653926"/>
             <a:ext cx="226749" cy="288032"/>
           </a:xfrm>
           <a:prstGeom prst="rect">
@@ -4591,7 +4577,7 @@
         </p:blipFill>
         <p:spPr bwMode="auto">
           <a:xfrm>
-            <a:off x="8001939" y="3797942"/>
+            <a:off x="9525940" y="3797942"/>
             <a:ext cx="226749" cy="288032"/>
           </a:xfrm>
           <a:prstGeom prst="rect">
@@ -4623,7 +4609,7 @@
         </p:blipFill>
         <p:spPr bwMode="auto">
           <a:xfrm>
-            <a:off x="8073947" y="3941958"/>
+            <a:off x="9597948" y="3941958"/>
             <a:ext cx="226749" cy="288032"/>
           </a:xfrm>
           <a:prstGeom prst="rect">
@@ -4655,7 +4641,7 @@
         </p:blipFill>
         <p:spPr bwMode="auto">
           <a:xfrm>
-            <a:off x="8391958" y="2922976"/>
+            <a:off x="9915958" y="2922976"/>
             <a:ext cx="349596" cy="864096"/>
           </a:xfrm>
           <a:prstGeom prst="rect">
@@ -4687,7 +4673,7 @@
         </p:blipFill>
         <p:spPr bwMode="auto">
           <a:xfrm>
-            <a:off x="1403648" y="5157192"/>
+            <a:off x="2927649" y="5157192"/>
             <a:ext cx="295233" cy="288032"/>
           </a:xfrm>
           <a:prstGeom prst="rect">
@@ -4710,7 +4696,7 @@
         </p:nvSpPr>
         <p:spPr>
           <a:xfrm>
-            <a:off x="5724128" y="3328390"/>
+            <a:off x="7248128" y="3328390"/>
             <a:ext cx="1224136" cy="360040"/>
           </a:xfrm>
           <a:prstGeom prst="roundRect">
@@ -4762,7 +4748,7 @@
         </p:blipFill>
         <p:spPr bwMode="auto">
           <a:xfrm>
-            <a:off x="6741205" y="3427581"/>
+            <a:off x="8265206" y="3427582"/>
             <a:ext cx="317915" cy="476873"/>
           </a:xfrm>
           <a:prstGeom prst="rect">
@@ -4785,7 +4771,7 @@
         </p:nvSpPr>
         <p:spPr>
           <a:xfrm>
-            <a:off x="5823568" y="3400398"/>
+            <a:off x="7347568" y="3400398"/>
             <a:ext cx="864096" cy="216024"/>
           </a:xfrm>
           <a:prstGeom prst="roundRect">
@@ -4817,14 +4803,9 @@
           <a:p>
             <a:pPr algn="ctr"/>
             <a:r>
-              <a:rPr lang="en-AU" sz="800" b="1" dirty="0" smtClean="0"/>
-              <a:t>MSSQL </a:t>
-            </a:r>
-            <a:r>
-              <a:rPr lang="en-AU" sz="800" b="1" dirty="0" smtClean="0"/>
-              <a:t>Server</a:t>
-            </a:r>
-            <a:endParaRPr lang="en-AU" sz="800" b="1" dirty="0" smtClean="0"/>
+              <a:rPr lang="en-AU" sz="800" b="1" dirty="0"/>
+              <a:t>MSSQL Server</a:t>
+            </a:r>
           </a:p>
         </p:txBody>
       </p:sp>
@@ -4836,7 +4817,7 @@
         </p:nvSpPr>
         <p:spPr>
           <a:xfrm>
-            <a:off x="5774632" y="2857478"/>
+            <a:off x="7298632" y="2857478"/>
             <a:ext cx="1245640" cy="484748"/>
           </a:xfrm>
           <a:prstGeom prst="rect">
@@ -4888,16 +4869,8 @@
           <a:lstStyle/>
           <a:p>
             <a:r>
-              <a:rPr lang="en-AU" sz="850" b="1" dirty="0" smtClean="0"/>
-              <a:t>MSSQL </a:t>
-            </a:r>
-            <a:r>
-              <a:rPr lang="en-AU" sz="850" b="1" dirty="0" smtClean="0"/>
-              <a:t>Server (inbound-only </a:t>
-            </a:r>
-            <a:r>
-              <a:rPr lang="en-AU" sz="850" b="1" dirty="0" smtClean="0"/>
-              <a:t>stat gathering DB instance)</a:t>
+              <a:rPr lang="en-AU" sz="850" b="1" dirty="0"/>
+              <a:t>MSSQL Server (inbound-only stat gathering DB instance)</a:t>
             </a:r>
             <a:endParaRPr lang="en-AU" sz="850" b="1" dirty="0"/>
           </a:p>
@@ -4911,7 +4884,7 @@
         </p:nvSpPr>
         <p:spPr>
           <a:xfrm>
-            <a:off x="3059832" y="3293530"/>
+            <a:off x="4583832" y="3293530"/>
             <a:ext cx="1296144" cy="432048"/>
           </a:xfrm>
           <a:prstGeom prst="roundRect">
@@ -4963,7 +4936,7 @@
         </p:blipFill>
         <p:spPr bwMode="auto">
           <a:xfrm>
-            <a:off x="4139952" y="3581562"/>
+            <a:off x="5663952" y="3581562"/>
             <a:ext cx="288032" cy="432048"/>
           </a:xfrm>
           <a:prstGeom prst="rect">
@@ -4986,7 +4959,7 @@
         </p:nvSpPr>
         <p:spPr>
           <a:xfrm>
-            <a:off x="3131840" y="3365538"/>
+            <a:off x="4655840" y="3365538"/>
             <a:ext cx="1008112" cy="288032"/>
           </a:xfrm>
           <a:prstGeom prst="roundRect">
@@ -5018,14 +4991,14 @@
           <a:p>
             <a:pPr algn="ctr"/>
             <a:r>
-              <a:rPr lang="en-AU" sz="800" b="1" dirty="0" smtClean="0"/>
+              <a:rPr lang="en-AU" sz="800" b="1" dirty="0"/>
               <a:t>MSMQ</a:t>
             </a:r>
           </a:p>
           <a:p>
             <a:pPr algn="ctr"/>
             <a:r>
-              <a:rPr lang="en-AU" sz="800" b="1" dirty="0" smtClean="0"/>
+              <a:rPr lang="en-AU" sz="800" b="1" dirty="0"/>
               <a:t>stat gathering</a:t>
             </a:r>
           </a:p>
@@ -5042,7 +5015,7 @@
         </p:nvCxnSpPr>
         <p:spPr>
           <a:xfrm rot="16200000" flipH="1">
-            <a:off x="2227467" y="2677189"/>
+            <a:off x="3751467" y="2677189"/>
             <a:ext cx="1160674" cy="504056"/>
           </a:xfrm>
           <a:prstGeom prst="bentConnector2">
@@ -5084,7 +5057,7 @@
         </p:nvCxnSpPr>
         <p:spPr>
           <a:xfrm>
-            <a:off x="4139952" y="3509554"/>
+            <a:off x="5663952" y="3509554"/>
             <a:ext cx="2196244" cy="178876"/>
           </a:xfrm>
           <a:prstGeom prst="bentConnector4">
@@ -5129,7 +5102,7 @@
         </p:nvCxnSpPr>
         <p:spPr>
           <a:xfrm>
-            <a:off x="3892617" y="1327829"/>
+            <a:off x="5416618" y="1327830"/>
             <a:ext cx="1938023" cy="319209"/>
           </a:xfrm>
           <a:prstGeom prst="bentConnector3">
@@ -5171,7 +5144,7 @@
         </p:nvCxnSpPr>
         <p:spPr>
           <a:xfrm flipV="1">
-            <a:off x="3892617" y="1647038"/>
+            <a:off x="5416618" y="1647038"/>
             <a:ext cx="1938023" cy="11294"/>
           </a:xfrm>
           <a:prstGeom prst="bentConnector3">
@@ -5213,7 +5186,7 @@
         </p:nvCxnSpPr>
         <p:spPr>
           <a:xfrm flipV="1">
-            <a:off x="3707904" y="1647038"/>
+            <a:off x="5231904" y="1647038"/>
             <a:ext cx="2122736" cy="557826"/>
           </a:xfrm>
           <a:prstGeom prst="bentConnector3">
@@ -5261,7 +5234,7 @@
         </p:blipFill>
         <p:spPr bwMode="auto">
           <a:xfrm>
-            <a:off x="7929931" y="3040358"/>
+            <a:off x="9453932" y="3040358"/>
             <a:ext cx="226749" cy="288032"/>
           </a:xfrm>
           <a:prstGeom prst="rect">
@@ -5287,7 +5260,7 @@
         </p:nvCxnSpPr>
         <p:spPr>
           <a:xfrm flipV="1">
-            <a:off x="6687664" y="3184374"/>
+            <a:off x="8211665" y="3184374"/>
             <a:ext cx="1242267" cy="324036"/>
           </a:xfrm>
           <a:prstGeom prst="bentConnector3">
@@ -5326,7 +5299,7 @@
         </p:nvSpPr>
         <p:spPr>
           <a:xfrm rot="16200000">
-            <a:off x="3580020" y="1615861"/>
+            <a:off x="5104020" y="1615861"/>
             <a:ext cx="1105998" cy="216024"/>
           </a:xfrm>
           <a:prstGeom prst="roundRect">
@@ -5358,7 +5331,7 @@
           <a:p>
             <a:pPr algn="ctr"/>
             <a:r>
-              <a:rPr lang="en-AU" sz="900" dirty="0" smtClean="0"/>
+              <a:rPr lang="en-AU" sz="900" dirty="0"/>
               <a:t>ESX Server</a:t>
             </a:r>
             <a:endParaRPr lang="en-AU" sz="900" dirty="0"/>
@@ -5373,7 +5346,7 @@
         </p:nvSpPr>
         <p:spPr>
           <a:xfrm rot="5400000">
-            <a:off x="3018311" y="6494856"/>
+            <a:off x="4542312" y="6494857"/>
             <a:ext cx="360041" cy="276999"/>
           </a:xfrm>
           <a:prstGeom prst="rect">
@@ -5388,7 +5361,7 @@
           <a:lstStyle/>
           <a:p>
             <a:r>
-              <a:rPr lang="en-AU" sz="1200" b="1" dirty="0" smtClean="0"/>
+              <a:rPr lang="en-AU" sz="1200" b="1" dirty="0"/>
               <a:t>...</a:t>
             </a:r>
             <a:endParaRPr lang="en-AU" sz="1200" b="1" dirty="0"/>
@@ -5403,7 +5376,7 @@
         </p:nvSpPr>
         <p:spPr>
           <a:xfrm>
-            <a:off x="5940152" y="4862128"/>
+            <a:off x="7464152" y="4862129"/>
             <a:ext cx="1224136" cy="360041"/>
           </a:xfrm>
           <a:prstGeom prst="roundRect">
@@ -5444,7 +5417,7 @@
         </p:nvSpPr>
         <p:spPr>
           <a:xfrm>
-            <a:off x="6012160" y="4934136"/>
+            <a:off x="7536160" y="4934136"/>
             <a:ext cx="864096" cy="216024"/>
           </a:xfrm>
           <a:prstGeom prst="roundRect">
@@ -5476,14 +5449,9 @@
           <a:p>
             <a:pPr algn="ctr"/>
             <a:r>
-              <a:rPr lang="en-AU" sz="800" b="1" dirty="0" smtClean="0"/>
-              <a:t>MSSQL </a:t>
-            </a:r>
-            <a:r>
-              <a:rPr lang="en-AU" sz="800" b="1" dirty="0" smtClean="0"/>
-              <a:t>Server</a:t>
-            </a:r>
-            <a:endParaRPr lang="en-AU" sz="800" b="1" dirty="0" smtClean="0"/>
+              <a:rPr lang="en-AU" sz="800" b="1" dirty="0"/>
+              <a:t>MSSQL Server</a:t>
+            </a:r>
           </a:p>
         </p:txBody>
       </p:sp>
@@ -5504,7 +5472,7 @@
         </p:blipFill>
         <p:spPr bwMode="auto">
           <a:xfrm>
-            <a:off x="6948264" y="5006144"/>
+            <a:off x="8472265" y="5006144"/>
             <a:ext cx="336037" cy="504056"/>
           </a:xfrm>
           <a:prstGeom prst="rect">
@@ -5527,7 +5495,7 @@
         </p:nvSpPr>
         <p:spPr>
           <a:xfrm>
-            <a:off x="6879256" y="4824624"/>
+            <a:off x="8403256" y="4824624"/>
             <a:ext cx="864096" cy="223138"/>
           </a:xfrm>
           <a:prstGeom prst="rect">
@@ -5542,7 +5510,7 @@
           <a:lstStyle/>
           <a:p>
             <a:r>
-              <a:rPr lang="en-AU" sz="850" b="1" u="sng" dirty="0" smtClean="0"/>
+              <a:rPr lang="en-AU" sz="850" b="1" u="sng" dirty="0"/>
               <a:t>Replicated DB</a:t>
             </a:r>
             <a:endParaRPr lang="en-AU" sz="850" b="1" u="sng" dirty="0"/>
@@ -5557,7 +5525,7 @@
         </p:nvSpPr>
         <p:spPr>
           <a:xfrm>
-            <a:off x="6093133" y="5086829"/>
+            <a:off x="7617133" y="5086830"/>
             <a:ext cx="1224136" cy="360041"/>
           </a:xfrm>
           <a:prstGeom prst="roundRect">
@@ -5598,7 +5566,7 @@
         </p:nvSpPr>
         <p:spPr>
           <a:xfrm>
-            <a:off x="6165141" y="5158837"/>
+            <a:off x="7689141" y="5158837"/>
             <a:ext cx="864096" cy="216024"/>
           </a:xfrm>
           <a:prstGeom prst="roundRect">
@@ -5630,14 +5598,9 @@
           <a:p>
             <a:pPr algn="ctr"/>
             <a:r>
-              <a:rPr lang="en-AU" sz="800" b="1" dirty="0" smtClean="0"/>
-              <a:t>MSSQL </a:t>
-            </a:r>
-            <a:r>
-              <a:rPr lang="en-AU" sz="800" b="1" dirty="0" smtClean="0"/>
-              <a:t>Server</a:t>
-            </a:r>
-            <a:endParaRPr lang="en-AU" sz="800" b="1" dirty="0" smtClean="0"/>
+              <a:rPr lang="en-AU" sz="800" b="1" dirty="0"/>
+              <a:t>MSSQL Server</a:t>
+            </a:r>
           </a:p>
         </p:txBody>
       </p:sp>
@@ -5658,7 +5621,7 @@
         </p:blipFill>
         <p:spPr bwMode="auto">
           <a:xfrm>
-            <a:off x="7101245" y="5230845"/>
+            <a:off x="8625246" y="5230845"/>
             <a:ext cx="336037" cy="504056"/>
           </a:xfrm>
           <a:prstGeom prst="rect">
@@ -5681,7 +5644,7 @@
         </p:nvSpPr>
         <p:spPr>
           <a:xfrm>
-            <a:off x="7032237" y="5049325"/>
+            <a:off x="8556237" y="5049325"/>
             <a:ext cx="864096" cy="223138"/>
           </a:xfrm>
           <a:prstGeom prst="rect">
@@ -5696,7 +5659,7 @@
           <a:lstStyle/>
           <a:p>
             <a:r>
-              <a:rPr lang="en-AU" sz="850" b="1" u="sng" dirty="0" smtClean="0"/>
+              <a:rPr lang="en-AU" sz="850" b="1" u="sng" dirty="0"/>
               <a:t>Replicated DB</a:t>
             </a:r>
             <a:endParaRPr lang="en-AU" sz="850" b="1" u="sng" dirty="0"/>
@@ -5711,7 +5674,7 @@
         </p:nvCxnSpPr>
         <p:spPr>
           <a:xfrm flipV="1">
-            <a:off x="4273241" y="5042148"/>
+            <a:off x="5797242" y="5042148"/>
             <a:ext cx="1738919" cy="385968"/>
           </a:xfrm>
           <a:prstGeom prst="bentConnector3">
@@ -5754,7 +5717,7 @@
         </p:nvCxnSpPr>
         <p:spPr>
           <a:xfrm rot="10800000" flipH="1">
-            <a:off x="6735239" y="3797942"/>
+            <a:off x="8259240" y="3797942"/>
             <a:ext cx="1194691" cy="1235734"/>
           </a:xfrm>
           <a:prstGeom prst="bentConnector3">
@@ -5795,7 +5758,7 @@
         </p:nvCxnSpPr>
         <p:spPr>
           <a:xfrm rot="10800000" flipH="1">
-            <a:off x="6879255" y="3941958"/>
+            <a:off x="8403256" y="3941958"/>
             <a:ext cx="1122683" cy="1325672"/>
           </a:xfrm>
           <a:prstGeom prst="bentConnector3">
@@ -5836,7 +5799,7 @@
         </p:nvCxnSpPr>
         <p:spPr>
           <a:xfrm rot="10800000" flipH="1">
-            <a:off x="7032237" y="4085975"/>
+            <a:off x="8556237" y="4085976"/>
             <a:ext cx="1041710" cy="1406357"/>
           </a:xfrm>
           <a:prstGeom prst="bentConnector3">
@@ -5878,7 +5841,7 @@
         </p:nvCxnSpPr>
         <p:spPr>
           <a:xfrm flipV="1">
-            <a:off x="1698881" y="5080734"/>
+            <a:off x="3222882" y="5080734"/>
             <a:ext cx="496855" cy="220474"/>
           </a:xfrm>
           <a:prstGeom prst="bentConnector3">
@@ -5914,7 +5877,7 @@
         </p:nvSpPr>
         <p:spPr>
           <a:xfrm>
-            <a:off x="5724128" y="243816"/>
+            <a:off x="7248129" y="243816"/>
             <a:ext cx="830677" cy="230832"/>
           </a:xfrm>
           <a:prstGeom prst="rect">
@@ -5952,7 +5915,7 @@
           <a:lstStyle/>
           <a:p>
             <a:r>
-              <a:rPr lang="en-US" sz="900" b="1" dirty="0" smtClean="0"/>
+              <a:rPr lang="en-US" sz="900" b="1" dirty="0"/>
               <a:t>Database tier</a:t>
             </a:r>
             <a:endParaRPr lang="en-AU" sz="900" b="1" dirty="0"/>
@@ -5967,7 +5930,7 @@
         </p:nvSpPr>
         <p:spPr>
           <a:xfrm>
-            <a:off x="7956376" y="243816"/>
+            <a:off x="9480376" y="243816"/>
             <a:ext cx="747320" cy="230832"/>
           </a:xfrm>
           <a:prstGeom prst="rect">
@@ -6005,7 +5968,7 @@
           <a:lstStyle/>
           <a:p>
             <a:r>
-              <a:rPr lang="en-US" sz="900" b="1" dirty="0" smtClean="0"/>
+              <a:rPr lang="en-US" sz="900" b="1" dirty="0"/>
               <a:t>Storage tier</a:t>
             </a:r>
             <a:endParaRPr lang="en-AU" sz="900" b="1" dirty="0"/>
@@ -6020,7 +5983,7 @@
         </p:nvCxnSpPr>
         <p:spPr>
           <a:xfrm flipV="1">
-            <a:off x="4273241" y="1593770"/>
+            <a:off x="5797242" y="1593771"/>
             <a:ext cx="1557399" cy="3750831"/>
           </a:xfrm>
           <a:prstGeom prst="bentConnector3">
@@ -6062,7 +6025,7 @@
         </p:nvCxnSpPr>
         <p:spPr>
           <a:xfrm flipV="1">
-            <a:off x="4228851" y="1576014"/>
+            <a:off x="5752852" y="1576015"/>
             <a:ext cx="1557399" cy="4112515"/>
           </a:xfrm>
           <a:prstGeom prst="bentConnector3">
@@ -6113,7 +6076,7 @@
         </p:blipFill>
         <p:spPr bwMode="auto">
           <a:xfrm>
-            <a:off x="1043608" y="5905875"/>
+            <a:off x="2567609" y="5905876"/>
             <a:ext cx="625387" cy="257891"/>
           </a:xfrm>
           <a:prstGeom prst="rect">
@@ -6136,7 +6099,7 @@
         </p:nvSpPr>
         <p:spPr>
           <a:xfrm>
-            <a:off x="323528" y="6193907"/>
+            <a:off x="1847528" y="6193907"/>
             <a:ext cx="1296144" cy="223138"/>
           </a:xfrm>
           <a:prstGeom prst="rect">
@@ -6188,7 +6151,7 @@
           <a:lstStyle/>
           <a:p>
             <a:r>
-              <a:rPr lang="en-AU" sz="850" b="1" dirty="0" smtClean="0"/>
+              <a:rPr lang="en-AU" sz="850" b="1" dirty="0"/>
               <a:t>Reverse Proxy servers </a:t>
             </a:r>
             <a:endParaRPr lang="en-AU" sz="850" b="1" dirty="0"/>
@@ -6212,7 +6175,7 @@
         </p:blipFill>
         <p:spPr bwMode="auto">
           <a:xfrm>
-            <a:off x="1403648" y="1421429"/>
+            <a:off x="2927649" y="1421429"/>
             <a:ext cx="295233" cy="288032"/>
           </a:xfrm>
           <a:prstGeom prst="rect">
@@ -6235,7 +6198,7 @@
         </p:nvSpPr>
         <p:spPr>
           <a:xfrm>
-            <a:off x="2870442" y="243816"/>
+            <a:off x="4394443" y="243816"/>
             <a:ext cx="928459" cy="230832"/>
           </a:xfrm>
           <a:prstGeom prst="rect">
@@ -6273,7 +6236,7 @@
           <a:lstStyle/>
           <a:p>
             <a:r>
-              <a:rPr lang="en-US" sz="900" b="1" dirty="0" smtClean="0"/>
+              <a:rPr lang="en-US" sz="900" b="1" dirty="0"/>
               <a:t>Web server tier</a:t>
             </a:r>
             <a:endParaRPr lang="en-AU" sz="900" b="1" dirty="0"/>
@@ -6291,7 +6254,7 @@
         </p:nvCxnSpPr>
         <p:spPr>
           <a:xfrm>
-            <a:off x="1050809" y="5301208"/>
+            <a:off x="2574810" y="5301208"/>
             <a:ext cx="352839" cy="1588"/>
           </a:xfrm>
           <a:prstGeom prst="straightConnector1">
@@ -6328,7 +6291,7 @@
         </p:nvCxnSpPr>
         <p:spPr>
           <a:xfrm rot="16200000" flipH="1">
-            <a:off x="678602" y="5669814"/>
+            <a:off x="2202603" y="5669815"/>
             <a:ext cx="589597" cy="140415"/>
           </a:xfrm>
           <a:prstGeom prst="bentConnector2">
@@ -6371,7 +6334,7 @@
         </p:blipFill>
         <p:spPr bwMode="auto">
           <a:xfrm>
-            <a:off x="755576" y="5157192"/>
+            <a:off x="2279577" y="5157192"/>
             <a:ext cx="295233" cy="288032"/>
           </a:xfrm>
           <a:prstGeom prst="rect">
@@ -6394,7 +6357,7 @@
         </p:nvCxnSpPr>
         <p:spPr>
           <a:xfrm>
-            <a:off x="323528" y="5312876"/>
+            <a:off x="1847528" y="5312876"/>
             <a:ext cx="432048" cy="1588"/>
           </a:xfrm>
           <a:prstGeom prst="straightConnector1">
@@ -6429,7 +6392,7 @@
         </p:nvSpPr>
         <p:spPr>
           <a:xfrm>
-            <a:off x="2195736" y="5278535"/>
+            <a:off x="3719737" y="5278535"/>
             <a:ext cx="2060413" cy="354140"/>
           </a:xfrm>
           <a:prstGeom prst="roundRect">
@@ -6461,14 +6424,14 @@
           <a:p>
             <a:pPr algn="ctr"/>
             <a:r>
-              <a:rPr lang="en-AU" sz="800" b="1" dirty="0" smtClean="0"/>
+              <a:rPr lang="en-AU" sz="800" b="1" dirty="0"/>
               <a:t>VM(IIS7 )</a:t>
             </a:r>
           </a:p>
           <a:p>
             <a:pPr algn="ctr"/>
             <a:r>
-              <a:rPr lang="en-AU" sz="800" b="1" dirty="0" smtClean="0"/>
+              <a:rPr lang="en-AU" sz="800" b="1" dirty="0"/>
               <a:t>IP Filter + DataCache</a:t>
             </a:r>
             <a:endParaRPr lang="en-AU" sz="800" b="1" dirty="0"/>
@@ -6483,7 +6446,7 @@
         </p:nvSpPr>
         <p:spPr>
           <a:xfrm>
-            <a:off x="2195736" y="5655666"/>
+            <a:off x="3719737" y="5655666"/>
             <a:ext cx="2060413" cy="839138"/>
           </a:xfrm>
           <a:prstGeom prst="roundRect">
@@ -6515,25 +6478,25 @@
           <a:p>
             <a:pPr algn="ctr"/>
             <a:r>
-              <a:rPr lang="en-AU" sz="800" b="1" dirty="0" smtClean="0"/>
+              <a:rPr lang="en-AU" sz="800" b="1" dirty="0"/>
               <a:t>VM(IIS7 )</a:t>
             </a:r>
           </a:p>
           <a:p>
             <a:pPr algn="ctr"/>
-            <a:endParaRPr lang="en-AU" sz="800" b="1" dirty="0" smtClean="0"/>
+            <a:endParaRPr lang="en-AU" sz="800" b="1" dirty="0"/>
           </a:p>
           <a:p>
             <a:pPr algn="ctr"/>
-            <a:endParaRPr lang="en-AU" sz="800" b="1" dirty="0" smtClean="0"/>
+            <a:endParaRPr lang="en-AU" sz="800" b="1" dirty="0"/>
           </a:p>
           <a:p>
             <a:pPr algn="ctr"/>
-            <a:endParaRPr lang="en-AU" sz="800" b="1" dirty="0" smtClean="0"/>
+            <a:endParaRPr lang="en-AU" sz="800" b="1" dirty="0"/>
           </a:p>
           <a:p>
             <a:pPr algn="ctr"/>
-            <a:endParaRPr lang="en-AU" sz="800" b="1" dirty="0" smtClean="0"/>
+            <a:endParaRPr lang="en-AU" sz="800" b="1" dirty="0"/>
           </a:p>
         </p:txBody>
       </p:sp>
@@ -6548,7 +6511,7 @@
         </p:nvCxnSpPr>
         <p:spPr>
           <a:xfrm>
-            <a:off x="1698881" y="5301208"/>
+            <a:off x="3222882" y="5301209"/>
             <a:ext cx="496855" cy="154397"/>
           </a:xfrm>
           <a:prstGeom prst="bentConnector3">
@@ -6584,7 +6547,7 @@
         </p:nvCxnSpPr>
         <p:spPr>
           <a:xfrm>
-            <a:off x="251520" y="1558537"/>
+            <a:off x="1775520" y="1558537"/>
             <a:ext cx="1152128" cy="1588"/>
           </a:xfrm>
           <a:prstGeom prst="straightConnector1">
@@ -6619,7 +6582,7 @@
         </p:nvSpPr>
         <p:spPr>
           <a:xfrm>
-            <a:off x="2267744" y="2060848"/>
+            <a:off x="3791744" y="2060848"/>
             <a:ext cx="576064" cy="288032"/>
           </a:xfrm>
           <a:prstGeom prst="roundRect">
@@ -6655,7 +6618,7 @@
           <a:p>
             <a:pPr algn="ctr"/>
             <a:r>
-              <a:rPr lang="en-AU" sz="800" b="1" dirty="0" smtClean="0"/>
+              <a:rPr lang="en-AU" sz="800" b="1" dirty="0"/>
               <a:t>IP Filter</a:t>
             </a:r>
           </a:p>
@@ -6669,7 +6632,7 @@
         </p:nvSpPr>
         <p:spPr>
           <a:xfrm>
-            <a:off x="3059832" y="2060848"/>
+            <a:off x="4583832" y="2060848"/>
             <a:ext cx="648072" cy="288032"/>
           </a:xfrm>
           <a:prstGeom prst="roundRect">
@@ -6705,7 +6668,7 @@
           <a:p>
             <a:pPr algn="ctr"/>
             <a:r>
-              <a:rPr lang="en-AU" sz="800" b="1" dirty="0" smtClean="0"/>
+              <a:rPr lang="en-AU" sz="800" b="1" dirty="0"/>
               <a:t>Ticketing</a:t>
             </a:r>
           </a:p>
@@ -6722,7 +6685,7 @@
         </p:nvCxnSpPr>
         <p:spPr>
           <a:xfrm>
-            <a:off x="2843808" y="2204864"/>
+            <a:off x="4367808" y="2204864"/>
             <a:ext cx="216024" cy="1588"/>
           </a:xfrm>
           <a:prstGeom prst="straightConnector1">
@@ -6761,7 +6724,7 @@
         </p:nvSpPr>
         <p:spPr>
           <a:xfrm>
-            <a:off x="2339752" y="5868051"/>
+            <a:off x="3863752" y="5868051"/>
             <a:ext cx="576064" cy="288032"/>
           </a:xfrm>
           <a:prstGeom prst="roundRect">
@@ -6797,7 +6760,7 @@
           <a:p>
             <a:pPr algn="ctr"/>
             <a:r>
-              <a:rPr lang="en-AU" sz="800" b="1" dirty="0" smtClean="0"/>
+              <a:rPr lang="en-AU" sz="800" b="1" dirty="0"/>
               <a:t>IP Filter</a:t>
             </a:r>
           </a:p>
@@ -6811,7 +6774,7 @@
         </p:nvSpPr>
         <p:spPr>
           <a:xfrm>
-            <a:off x="3274301" y="6138405"/>
+            <a:off x="4798302" y="6138405"/>
             <a:ext cx="816327" cy="288032"/>
           </a:xfrm>
           <a:prstGeom prst="roundRect">
@@ -6847,26 +6810,25 @@
           <a:p>
             <a:pPr algn="ctr"/>
             <a:r>
-              <a:rPr lang="en-AU" sz="800" b="1" dirty="0" err="1" smtClean="0"/>
+              <a:rPr lang="en-AU" sz="800" b="1" dirty="0" err="1"/>
               <a:t>DataCache</a:t>
             </a:r>
-            <a:endParaRPr lang="en-AU" sz="800" b="1" dirty="0" smtClean="0"/>
+            <a:endParaRPr lang="en-AU" sz="800" b="1" dirty="0"/>
           </a:p>
           <a:p>
             <a:pPr algn="ctr"/>
             <a:r>
-              <a:rPr lang="en-AU" sz="800" b="1" dirty="0" smtClean="0"/>
+              <a:rPr lang="en-AU" sz="800" b="1" dirty="0"/>
               <a:t>(</a:t>
             </a:r>
             <a:r>
-              <a:rPr lang="en-AU" sz="800" b="1" dirty="0" err="1" smtClean="0"/>
+              <a:rPr lang="en-AU" sz="800" b="1" dirty="0" err="1"/>
               <a:t>memcached</a:t>
             </a:r>
             <a:r>
-              <a:rPr lang="en-AU" sz="800" b="1" dirty="0" smtClean="0"/>
+              <a:rPr lang="en-AU" sz="800" b="1" dirty="0"/>
               <a:t>)</a:t>
             </a:r>
-            <a:endParaRPr lang="en-AU" sz="800" b="1" dirty="0" smtClean="0"/>
           </a:p>
         </p:txBody>
       </p:sp>
@@ -6881,7 +6843,7 @@
         </p:nvCxnSpPr>
         <p:spPr>
           <a:xfrm flipV="1">
-            <a:off x="4090628" y="5266850"/>
+            <a:off x="5614629" y="5266851"/>
             <a:ext cx="2002505" cy="1015571"/>
           </a:xfrm>
           <a:prstGeom prst="bentConnector3">
@@ -6925,7 +6887,7 @@
         </p:nvCxnSpPr>
         <p:spPr>
           <a:xfrm>
-            <a:off x="1698881" y="5301208"/>
+            <a:off x="3222882" y="5301209"/>
             <a:ext cx="640871" cy="710859"/>
           </a:xfrm>
           <a:prstGeom prst="bentConnector3">
@@ -6961,7 +6923,7 @@
         </p:nvSpPr>
         <p:spPr>
           <a:xfrm rot="16200000">
-            <a:off x="3875756" y="5455892"/>
+            <a:off x="5399756" y="5455892"/>
             <a:ext cx="1333648" cy="229192"/>
           </a:xfrm>
           <a:prstGeom prst="roundRect">
@@ -6993,7 +6955,7 @@
           <a:p>
             <a:pPr algn="ctr"/>
             <a:r>
-              <a:rPr lang="en-AU" sz="900" dirty="0" smtClean="0"/>
+              <a:rPr lang="en-AU" sz="900" dirty="0"/>
               <a:t>ESX Server</a:t>
             </a:r>
             <a:endParaRPr lang="en-AU" sz="900" dirty="0"/>
@@ -7011,7 +6973,7 @@
         </p:nvCxnSpPr>
         <p:spPr>
           <a:xfrm flipV="1">
-            <a:off x="2915816" y="1647038"/>
+            <a:off x="4439816" y="1647039"/>
             <a:ext cx="2914824" cy="4365029"/>
           </a:xfrm>
           <a:prstGeom prst="bentConnector3">
@@ -7056,7 +7018,7 @@
         </p:nvCxnSpPr>
         <p:spPr>
           <a:xfrm rot="16200000" flipH="1">
-            <a:off x="2887873" y="5895993"/>
+            <a:off x="4411873" y="5895994"/>
             <a:ext cx="126338" cy="646517"/>
           </a:xfrm>
           <a:prstGeom prst="bentConnector2">
@@ -7093,8 +7055,8 @@
         </p:nvSpPr>
         <p:spPr>
           <a:xfrm>
-            <a:off x="224887" y="997306"/>
-            <a:ext cx="1123305" cy="553998"/>
+            <a:off x="1303108" y="1037709"/>
+            <a:ext cx="1743289" cy="461665"/>
           </a:xfrm>
           <a:prstGeom prst="rect">
             <a:avLst/>
@@ -7124,10 +7086,10 @@
           <a:lstStyle/>
           <a:p>
             <a:r>
-              <a:rPr lang="en-US" sz="1000" b="1" dirty="0" smtClean="0"/>
+              <a:rPr lang="en-US" sz="1200" b="1" dirty="0"/>
               <a:t>Asynchronous online gameplay requests</a:t>
             </a:r>
-            <a:endParaRPr lang="en-AU" sz="1000" b="1" dirty="0"/>
+            <a:endParaRPr lang="en-AU" sz="1200" b="1" dirty="0"/>
           </a:p>
         </p:txBody>
       </p:sp>
@@ -7139,8 +7101,8 @@
         </p:nvSpPr>
         <p:spPr>
           <a:xfrm>
-            <a:off x="74111" y="4726812"/>
-            <a:ext cx="1465107" cy="400110"/>
+            <a:off x="1220345" y="4672830"/>
+            <a:ext cx="1745036" cy="461665"/>
           </a:xfrm>
           <a:prstGeom prst="rect">
             <a:avLst/>
@@ -7170,24 +7132,24 @@
           <a:lstStyle/>
           <a:p>
             <a:r>
-              <a:rPr lang="en-US" sz="1000" b="1" dirty="0" smtClean="0"/>
+              <a:rPr lang="en-US" sz="1200" b="1" dirty="0"/>
               <a:t>Non-</a:t>
             </a:r>
             <a:r>
-              <a:rPr lang="en-US" sz="1000" b="1" dirty="0" err="1" smtClean="0"/>
+              <a:rPr lang="en-US" sz="1200" b="1" dirty="0" err="1"/>
               <a:t>realtime</a:t>
             </a:r>
             <a:r>
-              <a:rPr lang="en-US" sz="1000" b="1" dirty="0" smtClean="0"/>
+              <a:rPr lang="en-US" sz="1200" b="1" dirty="0"/>
               <a:t> </a:t>
             </a:r>
           </a:p>
           <a:p>
             <a:r>
-              <a:rPr lang="en-US" sz="1000" b="1" dirty="0" smtClean="0"/>
+              <a:rPr lang="en-US" sz="1200" b="1" dirty="0"/>
               <a:t>read-only data requests</a:t>
             </a:r>
-            <a:endParaRPr lang="en-AU" sz="1000" b="1" dirty="0"/>
+            <a:endParaRPr lang="en-AU" sz="1200" b="1" dirty="0"/>
           </a:p>
         </p:txBody>
       </p:sp>
@@ -7199,8 +7161,8 @@
         </p:nvSpPr>
         <p:spPr>
           <a:xfrm>
-            <a:off x="173881" y="140609"/>
-            <a:ext cx="2270052" cy="307777"/>
+            <a:off x="276266" y="281185"/>
+            <a:ext cx="2643244" cy="338554"/>
           </a:xfrm>
           <a:prstGeom prst="rect">
             <a:avLst/>
@@ -7230,10 +7192,10 @@
           <a:lstStyle/>
           <a:p>
             <a:r>
-              <a:rPr lang="en-US" sz="1400" b="1" dirty="0" smtClean="0"/>
+              <a:rPr lang="en-US" sz="1600" b="1" dirty="0"/>
               <a:t>3-Tier Web service example</a:t>
             </a:r>
-            <a:endParaRPr lang="en-AU" sz="1400" b="1" dirty="0"/>
+            <a:endParaRPr lang="en-AU" sz="1600" b="1" dirty="0"/>
           </a:p>
         </p:txBody>
       </p:sp>
@@ -7295,7 +7257,7 @@
         </p:blipFill>
         <p:spPr bwMode="auto">
           <a:xfrm>
-            <a:off x="719572" y="1543278"/>
+            <a:off x="2243572" y="1543278"/>
             <a:ext cx="7992888" cy="5094882"/>
           </a:xfrm>
           <a:prstGeom prst="rect">
@@ -7315,7 +7277,7 @@
         </p:nvSpPr>
         <p:spPr>
           <a:xfrm>
-            <a:off x="431540" y="219839"/>
+            <a:off x="972314" y="189061"/>
             <a:ext cx="6912768" cy="1354217"/>
           </a:xfrm>
           <a:prstGeom prst="rect">
@@ -7435,14 +7397,14 @@
               <a:t>Client </a:t>
             </a:r>
             <a:r>
-              <a:rPr lang="en-US" sz="1600" b="1" kern="1400" spc="25" dirty="0" smtClean="0">
+              <a:rPr lang="en-US" sz="1600" b="1" kern="1400" spc="25" dirty="0">
                 <a:ea typeface="SimSun" panose="02010600030101010101" pitchFamily="2" charset="-122"/>
                 <a:cs typeface="Times New Roman" panose="02020603050405020304" pitchFamily="18" charset="0"/>
               </a:rPr>
               <a:t>position synchronization algorithm design and implementation</a:t>
             </a:r>
             <a:r>
-              <a:rPr lang="en-US" kern="1400" spc="25" dirty="0" smtClean="0">
+              <a:rPr lang="en-US" kern="1400" spc="25" dirty="0">
                 <a:solidFill>
                   <a:srgbClr val="17365D"/>
                 </a:solidFill>
@@ -7453,7 +7415,7 @@
               <a:t/>
             </a:r>
             <a:br>
-              <a:rPr lang="en-US" kern="1400" spc="25" dirty="0" smtClean="0">
+              <a:rPr lang="en-US" kern="1400" spc="25" dirty="0">
                 <a:solidFill>
                   <a:srgbClr val="17365D"/>
                 </a:solidFill>
@@ -7463,7 +7425,7 @@
               </a:rPr>
             </a:br>
             <a:r>
-              <a:rPr lang="en-US" kern="1400" spc="25" dirty="0" smtClean="0">
+              <a:rPr lang="en-US" kern="1400" spc="25" dirty="0">
                 <a:solidFill>
                   <a:srgbClr val="17365D"/>
                 </a:solidFill>
@@ -7474,7 +7436,7 @@
               <a:t> </a:t>
             </a:r>
             <a:r>
-              <a:rPr lang="en-US" sz="900" dirty="0" smtClean="0">
+              <a:rPr lang="en-US" sz="900" dirty="0">
                 <a:latin typeface="Calibri" panose="020F0502020204030204" pitchFamily="34" charset="0"/>
                 <a:ea typeface="SimSun" panose="02010600030101010101" pitchFamily="2" charset="-122"/>
                 <a:cs typeface="Times New Roman" panose="02020603050405020304" pitchFamily="18" charset="0"/>
@@ -7509,7 +7471,7 @@
               <a:t>) across multiple machines in the lag-prone internet </a:t>
             </a:r>
             <a:r>
-              <a:rPr lang="en-US" sz="900" dirty="0" smtClean="0">
+              <a:rPr lang="en-US" sz="900" dirty="0">
                 <a:latin typeface="Calibri" panose="020F0502020204030204" pitchFamily="34" charset="0"/>
                 <a:ea typeface="SimSun" panose="02010600030101010101" pitchFamily="2" charset="-122"/>
                 <a:cs typeface="Times New Roman" panose="02020603050405020304" pitchFamily="18" charset="0"/>
@@ -7517,14 +7479,14 @@
               <a:t>environment.</a:t>
             </a:r>
             <a:br>
-              <a:rPr lang="en-US" sz="900" dirty="0" smtClean="0">
+              <a:rPr lang="en-US" sz="900" dirty="0">
                 <a:latin typeface="Calibri" panose="020F0502020204030204" pitchFamily="34" charset="0"/>
                 <a:ea typeface="SimSun" panose="02010600030101010101" pitchFamily="2" charset="-122"/>
                 <a:cs typeface="Times New Roman" panose="02020603050405020304" pitchFamily="18" charset="0"/>
               </a:rPr>
             </a:br>
             <a:r>
-              <a:rPr lang="en-US" sz="900" dirty="0" smtClean="0">
+              <a:rPr lang="en-US" sz="900" dirty="0">
                 <a:latin typeface="Calibri" panose="020F0502020204030204" pitchFamily="34" charset="0"/>
                 <a:ea typeface="SimSun" panose="02010600030101010101" pitchFamily="2" charset="-122"/>
                 <a:cs typeface="Times New Roman" panose="02020603050405020304" pitchFamily="18" charset="0"/>
@@ -7532,14 +7494,14 @@
               <a:t/>
             </a:r>
             <a:br>
-              <a:rPr lang="en-US" sz="900" dirty="0" smtClean="0">
+              <a:rPr lang="en-US" sz="900" dirty="0">
                 <a:latin typeface="Calibri" panose="020F0502020204030204" pitchFamily="34" charset="0"/>
                 <a:ea typeface="SimSun" panose="02010600030101010101" pitchFamily="2" charset="-122"/>
                 <a:cs typeface="Times New Roman" panose="02020603050405020304" pitchFamily="18" charset="0"/>
               </a:rPr>
             </a:br>
             <a:r>
-              <a:rPr lang="en-US" sz="1050" b="1" dirty="0" smtClean="0">
+              <a:rPr lang="en-US" sz="1050" b="1" dirty="0">
                 <a:latin typeface="Calibri" panose="020F0502020204030204" pitchFamily="34" charset="0"/>
                 <a:ea typeface="SimSun" panose="02010600030101010101" pitchFamily="2" charset="-122"/>
                 <a:cs typeface="Times New Roman" panose="02020603050405020304" pitchFamily="18" charset="0"/>
@@ -7555,7 +7517,7 @@
               <a:t>simulation </a:t>
             </a:r>
             <a:r>
-              <a:rPr lang="en-US" sz="1050" b="1" dirty="0" smtClean="0">
+              <a:rPr lang="en-US" sz="1050" b="1" dirty="0">
                 <a:latin typeface="Calibri" panose="020F0502020204030204" pitchFamily="34" charset="0"/>
                 <a:ea typeface="SimSun" panose="02010600030101010101" pitchFamily="2" charset="-122"/>
                 <a:cs typeface="Times New Roman" panose="02020603050405020304" pitchFamily="18" charset="0"/>
@@ -7563,14 +7525,14 @@
               <a:t/>
             </a:r>
             <a:br>
-              <a:rPr lang="en-US" sz="1050" b="1" dirty="0" smtClean="0">
+              <a:rPr lang="en-US" sz="1050" b="1" dirty="0">
                 <a:latin typeface="Calibri" panose="020F0502020204030204" pitchFamily="34" charset="0"/>
                 <a:ea typeface="SimSun" panose="02010600030101010101" pitchFamily="2" charset="-122"/>
                 <a:cs typeface="Times New Roman" panose="02020603050405020304" pitchFamily="18" charset="0"/>
               </a:rPr>
             </a:br>
             <a:r>
-              <a:rPr lang="en-US" sz="1050" b="1" dirty="0" smtClean="0">
+              <a:rPr lang="en-US" sz="1050" b="1" dirty="0">
                 <a:latin typeface="Calibri" panose="020F0502020204030204" pitchFamily="34" charset="0"/>
                 <a:ea typeface="SimSun" panose="02010600030101010101" pitchFamily="2" charset="-122"/>
                 <a:cs typeface="Times New Roman" panose="02020603050405020304" pitchFamily="18" charset="0"/>
@@ -7578,7 +7540,7 @@
               <a:t> </a:t>
             </a:r>
             <a:r>
-              <a:rPr lang="en-US" sz="900" dirty="0" smtClean="0">
+              <a:rPr lang="en-US" sz="900" dirty="0">
                 <a:latin typeface="Calibri" panose="020F0502020204030204" pitchFamily="34" charset="0"/>
                 <a:ea typeface="SimSun" panose="02010600030101010101" pitchFamily="2" charset="-122"/>
                 <a:cs typeface="Times New Roman" panose="02020603050405020304" pitchFamily="18" charset="0"/>
@@ -7653,7 +7615,7 @@
         </p:nvSpPr>
         <p:spPr>
           <a:xfrm>
-            <a:off x="4061175" y="752209"/>
+            <a:off x="5585175" y="752210"/>
             <a:ext cx="4965192" cy="5924401"/>
           </a:xfrm>
           <a:prstGeom prst="rect">
@@ -7794,7 +7756,7 @@
         </p:nvSpPr>
         <p:spPr>
           <a:xfrm>
-            <a:off x="1321511" y="752209"/>
+            <a:off x="2845512" y="752210"/>
             <a:ext cx="2608039" cy="5924401"/>
           </a:xfrm>
           <a:prstGeom prst="rect">
@@ -7940,7 +7902,7 @@
         </p:nvSpPr>
         <p:spPr>
           <a:xfrm>
-            <a:off x="165945" y="3397823"/>
+            <a:off x="1689946" y="3397823"/>
             <a:ext cx="694421" cy="215444"/>
           </a:xfrm>
           <a:prstGeom prst="rect">
@@ -8049,7 +8011,7 @@
           </a:lstStyle>
           <a:p>
             <a:r>
-              <a:rPr lang="en-AU" sz="800" b="1" dirty="0" smtClean="0"/>
+              <a:rPr lang="en-AU" sz="800" b="1" dirty="0"/>
               <a:t>Game client</a:t>
             </a:r>
             <a:endParaRPr lang="en-AU" sz="800" b="1" dirty="0"/>
@@ -8064,7 +8026,7 @@
         </p:nvGrpSpPr>
         <p:grpSpPr>
           <a:xfrm>
-            <a:off x="2545647" y="824217"/>
+            <a:off x="4069647" y="824218"/>
             <a:ext cx="753732" cy="707827"/>
             <a:chOff x="2660052" y="188640"/>
             <a:chExt cx="753732" cy="707827"/>
@@ -8219,7 +8181,7 @@
             </a:lstStyle>
             <a:p>
               <a:r>
-                <a:rPr lang="en-AU" sz="800" b="1" dirty="0" smtClean="0"/>
+                <a:rPr lang="en-AU" sz="800" b="1" dirty="0"/>
                 <a:t>Patch servers</a:t>
               </a:r>
               <a:endParaRPr lang="en-AU" sz="800" b="1" dirty="0"/>
@@ -8270,7 +8232,7 @@
         </p:nvCxnSpPr>
         <p:spPr>
           <a:xfrm rot="5400000" flipH="1" flipV="1">
-            <a:off x="1758493" y="892763"/>
+            <a:off x="3282493" y="892763"/>
             <a:ext cx="795000" cy="1089956"/>
           </a:xfrm>
           <a:prstGeom prst="bentConnector2">
@@ -8304,7 +8266,7 @@
         </p:nvGrpSpPr>
         <p:grpSpPr>
           <a:xfrm>
-            <a:off x="2606686" y="2731331"/>
+            <a:off x="4130687" y="2731332"/>
             <a:ext cx="748923" cy="707827"/>
             <a:chOff x="2789210" y="1267857"/>
             <a:chExt cx="748923" cy="707827"/>
@@ -8459,7 +8421,7 @@
             </a:lstStyle>
             <a:p>
               <a:r>
-                <a:rPr lang="en-AU" sz="800" b="1" dirty="0" smtClean="0"/>
+                <a:rPr lang="en-AU" sz="800" b="1" dirty="0"/>
                 <a:t>Relay servers</a:t>
               </a:r>
               <a:endParaRPr lang="en-AU" sz="800" b="1" dirty="0"/>
@@ -8507,7 +8469,7 @@
         </p:nvGrpSpPr>
         <p:grpSpPr>
           <a:xfrm>
-            <a:off x="2738987" y="3932842"/>
+            <a:off x="4262988" y="3932843"/>
             <a:ext cx="1190563" cy="1592943"/>
             <a:chOff x="2853392" y="2916177"/>
             <a:chExt cx="1190563" cy="1592943"/>
@@ -8662,7 +8624,7 @@
             </a:lstStyle>
             <a:p>
               <a:r>
-                <a:rPr lang="en-AU" sz="800" b="1" dirty="0" smtClean="0"/>
+                <a:rPr lang="en-AU" sz="800" b="1" dirty="0"/>
                 <a:t>Lobby servers</a:t>
               </a:r>
               <a:endParaRPr lang="en-AU" sz="800" b="1" dirty="0"/>
@@ -8818,7 +8780,7 @@
             </a:lstStyle>
             <a:p>
               <a:r>
-                <a:rPr lang="en-AU" sz="800" b="1" dirty="0" smtClean="0"/>
+                <a:rPr lang="en-AU" sz="800" b="1" dirty="0"/>
                 <a:t>Lobby 1</a:t>
               </a:r>
               <a:endParaRPr lang="en-AU" sz="800" b="1" dirty="0"/>
@@ -8942,7 +8904,7 @@
             </a:lstStyle>
             <a:p>
               <a:r>
-                <a:rPr lang="en-AU" sz="800" b="1" dirty="0" smtClean="0"/>
+                <a:rPr lang="en-AU" sz="800" b="1" dirty="0"/>
                 <a:t>Lobby 2</a:t>
               </a:r>
               <a:endParaRPr lang="en-AU" sz="800" b="1" dirty="0"/>
@@ -9131,7 +9093,7 @@
             </a:lstStyle>
             <a:p>
               <a:r>
-                <a:rPr lang="en-AU" sz="800" b="1" dirty="0" smtClean="0"/>
+                <a:rPr lang="en-AU" sz="800" b="1" dirty="0"/>
                 <a:t>Lobby 3</a:t>
               </a:r>
               <a:endParaRPr lang="en-AU" sz="800" b="1" dirty="0"/>
@@ -9287,7 +9249,7 @@
             </a:lstStyle>
             <a:p>
               <a:r>
-                <a:rPr lang="en-AU" sz="800" b="1" dirty="0" smtClean="0"/>
+                <a:rPr lang="en-AU" sz="800" b="1" dirty="0"/>
                 <a:t>Lobby 4</a:t>
               </a:r>
               <a:endParaRPr lang="en-AU" sz="800" b="1" dirty="0"/>
@@ -9303,7 +9265,7 @@
         </p:nvGrpSpPr>
         <p:grpSpPr>
           <a:xfrm>
-            <a:off x="4695029" y="5148087"/>
+            <a:off x="6219030" y="5148088"/>
             <a:ext cx="1180131" cy="609241"/>
             <a:chOff x="4545169" y="2318167"/>
             <a:chExt cx="1180131" cy="609241"/>
@@ -9458,7 +9420,7 @@
             </a:lstStyle>
             <a:p>
               <a:r>
-                <a:rPr lang="en-AU" sz="800" b="1" dirty="0" smtClean="0"/>
+                <a:rPr lang="en-AU" sz="800" b="1" dirty="0"/>
                 <a:t>Lobby Controller server</a:t>
               </a:r>
               <a:endParaRPr lang="en-AU" sz="800" b="1" dirty="0"/>
@@ -9477,7 +9439,7 @@
         </p:nvCxnSpPr>
         <p:spPr>
           <a:xfrm flipV="1">
-            <a:off x="3503984" y="2471676"/>
+            <a:off x="5027985" y="2471676"/>
             <a:ext cx="2714071" cy="1568888"/>
           </a:xfrm>
           <a:prstGeom prst="bentConnector3">
@@ -9518,7 +9480,7 @@
         </p:nvCxnSpPr>
         <p:spPr>
           <a:xfrm flipV="1">
-            <a:off x="3186203" y="1679754"/>
+            <a:off x="4710203" y="1679754"/>
             <a:ext cx="3031852" cy="374132"/>
           </a:xfrm>
           <a:prstGeom prst="bentConnector3">
@@ -9560,7 +9522,7 @@
         </p:nvCxnSpPr>
         <p:spPr>
           <a:xfrm flipV="1">
-            <a:off x="5285095" y="2471676"/>
+            <a:off x="6809095" y="2471677"/>
             <a:ext cx="932960" cy="2892435"/>
           </a:xfrm>
           <a:prstGeom prst="bentConnector3">
@@ -9599,7 +9561,7 @@
         </p:nvGrpSpPr>
         <p:grpSpPr>
           <a:xfrm>
-            <a:off x="2606686" y="1764371"/>
+            <a:off x="4130686" y="1764372"/>
             <a:ext cx="740908" cy="707827"/>
             <a:chOff x="2660052" y="188640"/>
             <a:chExt cx="740908" cy="707827"/>
@@ -9754,7 +9716,7 @@
             </a:lstStyle>
             <a:p>
               <a:r>
-                <a:rPr lang="en-AU" sz="800" b="1" dirty="0" smtClean="0"/>
+                <a:rPr lang="en-AU" sz="800" b="1" dirty="0"/>
                 <a:t>Login servers</a:t>
               </a:r>
               <a:endParaRPr lang="en-AU" sz="800" b="1" dirty="0"/>
@@ -9802,7 +9764,7 @@
         </p:nvCxnSpPr>
         <p:spPr>
           <a:xfrm>
-            <a:off x="3503984" y="4072932"/>
+            <a:off x="5027985" y="4072933"/>
             <a:ext cx="1493079" cy="1323547"/>
           </a:xfrm>
           <a:prstGeom prst="bentConnector3">
@@ -9843,7 +9805,7 @@
         </p:nvGrpSpPr>
         <p:grpSpPr>
           <a:xfrm>
-            <a:off x="1321511" y="1835241"/>
+            <a:off x="2845512" y="1835242"/>
             <a:ext cx="579005" cy="504959"/>
             <a:chOff x="2197865" y="2564904"/>
             <a:chExt cx="579005" cy="504959"/>
@@ -9998,7 +9960,7 @@
             </a:lstStyle>
             <a:p>
               <a:r>
-                <a:rPr lang="en-AU" sz="800" b="1" dirty="0" smtClean="0"/>
+                <a:rPr lang="en-AU" sz="800" b="1" dirty="0"/>
                 <a:t>L4 switch</a:t>
               </a:r>
               <a:endParaRPr lang="en-AU" sz="800" b="1" dirty="0"/>
@@ -10017,7 +9979,7 @@
         </p:nvCxnSpPr>
         <p:spPr>
           <a:xfrm>
-            <a:off x="1758631" y="1979257"/>
+            <a:off x="3282632" y="1979257"/>
             <a:ext cx="1003379" cy="1138"/>
           </a:xfrm>
           <a:prstGeom prst="bentConnector3">
@@ -10056,7 +10018,7 @@
         </p:nvCxnSpPr>
         <p:spPr>
           <a:xfrm rot="16200000" flipH="1">
-            <a:off x="1882935" y="2068279"/>
+            <a:off x="3406936" y="2068279"/>
             <a:ext cx="607155" cy="1150996"/>
           </a:xfrm>
           <a:prstGeom prst="bentConnector2">
@@ -10093,7 +10055,7 @@
         </p:nvCxnSpPr>
         <p:spPr>
           <a:xfrm flipV="1">
-            <a:off x="3661741" y="2471676"/>
+            <a:off x="5185741" y="2471676"/>
             <a:ext cx="2556314" cy="1784912"/>
           </a:xfrm>
           <a:prstGeom prst="bentConnector3">
@@ -10135,7 +10097,7 @@
         </p:nvCxnSpPr>
         <p:spPr>
           <a:xfrm flipV="1">
-            <a:off x="3781250" y="2471676"/>
+            <a:off x="5305251" y="2471676"/>
             <a:ext cx="2436805" cy="1974782"/>
           </a:xfrm>
           <a:prstGeom prst="bentConnector3">
@@ -10177,7 +10139,7 @@
         </p:nvCxnSpPr>
         <p:spPr>
           <a:xfrm flipV="1">
-            <a:off x="3929550" y="2471676"/>
+            <a:off x="5453551" y="2471676"/>
             <a:ext cx="2288505" cy="2190806"/>
           </a:xfrm>
           <a:prstGeom prst="bentConnector3">
@@ -10216,7 +10178,7 @@
         </p:nvCxnSpPr>
         <p:spPr>
           <a:xfrm>
-            <a:off x="3661741" y="4288956"/>
+            <a:off x="5185741" y="4288957"/>
             <a:ext cx="1335322" cy="1107523"/>
           </a:xfrm>
           <a:prstGeom prst="bentConnector3">
@@ -10257,7 +10219,7 @@
         </p:nvCxnSpPr>
         <p:spPr>
           <a:xfrm>
-            <a:off x="3781250" y="4478826"/>
+            <a:off x="5305251" y="4478827"/>
             <a:ext cx="1215813" cy="917653"/>
           </a:xfrm>
           <a:prstGeom prst="bentConnector3">
@@ -10298,7 +10260,7 @@
         </p:nvGrpSpPr>
         <p:grpSpPr>
           <a:xfrm>
-            <a:off x="6353923" y="1192324"/>
+            <a:off x="7877924" y="1192325"/>
             <a:ext cx="978571" cy="614563"/>
             <a:chOff x="6256042" y="1883142"/>
             <a:chExt cx="965329" cy="614563"/>
@@ -10453,7 +10415,7 @@
             </a:lstStyle>
             <a:p>
               <a:r>
-                <a:rPr lang="en-AU" sz="800" b="1" dirty="0" smtClean="0"/>
+                <a:rPr lang="en-AU" sz="800" b="1" dirty="0"/>
                 <a:t>Account DB server</a:t>
               </a:r>
               <a:endParaRPr lang="en-AU" sz="800" b="1" dirty="0"/>
@@ -10469,7 +10431,7 @@
         </p:nvGrpSpPr>
         <p:grpSpPr>
           <a:xfrm>
-            <a:off x="6353916" y="1907249"/>
+            <a:off x="7877917" y="1907249"/>
             <a:ext cx="881071" cy="598200"/>
             <a:chOff x="6256042" y="2598067"/>
             <a:chExt cx="869149" cy="598200"/>
@@ -10624,7 +10586,7 @@
             </a:lstStyle>
             <a:p>
               <a:r>
-                <a:rPr lang="en-AU" sz="800" b="1" dirty="0" smtClean="0"/>
+                <a:rPr lang="en-AU" sz="800" b="1" dirty="0"/>
                 <a:t>Game DB server</a:t>
               </a:r>
               <a:endParaRPr lang="en-AU" sz="800" b="1" dirty="0"/>
@@ -10640,7 +10602,7 @@
         </p:nvGrpSpPr>
         <p:grpSpPr>
           <a:xfrm>
-            <a:off x="6353915" y="2552956"/>
+            <a:off x="7877915" y="2552957"/>
             <a:ext cx="773822" cy="602983"/>
             <a:chOff x="6256043" y="3243774"/>
             <a:chExt cx="763351" cy="602983"/>
@@ -10795,7 +10757,7 @@
             </a:lstStyle>
             <a:p>
               <a:r>
-                <a:rPr lang="en-AU" sz="800" b="1" dirty="0" smtClean="0"/>
+                <a:rPr lang="en-AU" sz="800" b="1" dirty="0"/>
                 <a:t>Log DB server</a:t>
               </a:r>
               <a:endParaRPr lang="en-AU" sz="800" b="1" dirty="0"/>
@@ -10811,7 +10773,7 @@
         </p:nvGrpSpPr>
         <p:grpSpPr>
           <a:xfrm>
-            <a:off x="6336041" y="3198147"/>
+            <a:off x="7860041" y="3198147"/>
             <a:ext cx="1014320" cy="615982"/>
             <a:chOff x="6215706" y="3026949"/>
             <a:chExt cx="1000595" cy="615982"/>
@@ -10966,7 +10928,7 @@
             </a:lstStyle>
             <a:p>
               <a:r>
-                <a:rPr lang="en-AU" sz="800" b="1" dirty="0" smtClean="0"/>
+                <a:rPr lang="en-AU" sz="800" b="1" dirty="0"/>
                 <a:t>Statistics DB server</a:t>
               </a:r>
               <a:endParaRPr lang="en-AU" sz="800" b="1" dirty="0"/>
@@ -10982,7 +10944,7 @@
         </p:nvSpPr>
         <p:spPr>
           <a:xfrm>
-            <a:off x="6218055" y="1040242"/>
+            <a:off x="7742055" y="1040242"/>
             <a:ext cx="1125758" cy="2862868"/>
           </a:xfrm>
           <a:prstGeom prst="roundRect">
@@ -11124,7 +11086,7 @@
         </p:nvSpPr>
         <p:spPr>
           <a:xfrm>
-            <a:off x="6335165" y="3856693"/>
+            <a:off x="7859165" y="3856694"/>
             <a:ext cx="974306" cy="307777"/>
           </a:xfrm>
           <a:prstGeom prst="rect">
@@ -11233,7 +11195,7 @@
           </a:lstStyle>
           <a:p>
             <a:r>
-              <a:rPr lang="en-AU" sz="1400" b="1" i="1" dirty="0" smtClean="0">
+              <a:rPr lang="en-AU" sz="1400" b="1" i="1" dirty="0">
                 <a:solidFill>
                   <a:schemeClr val="tx2"/>
                 </a:solidFill>
@@ -11256,7 +11218,7 @@
         </p:nvCxnSpPr>
         <p:spPr>
           <a:xfrm>
-            <a:off x="3929550" y="4694850"/>
+            <a:off x="5453551" y="4694851"/>
             <a:ext cx="1067513" cy="701629"/>
           </a:xfrm>
           <a:prstGeom prst="bentConnector3">
@@ -11299,7 +11261,7 @@
         </p:nvCxnSpPr>
         <p:spPr>
           <a:xfrm flipV="1">
-            <a:off x="620720" y="1979257"/>
+            <a:off x="2144720" y="1979257"/>
             <a:ext cx="842678" cy="1240500"/>
           </a:xfrm>
           <a:prstGeom prst="bentConnector3">
@@ -11335,7 +11297,7 @@
         </p:nvCxnSpPr>
         <p:spPr>
           <a:xfrm>
-            <a:off x="620720" y="3219757"/>
+            <a:off x="2144721" y="3219758"/>
             <a:ext cx="2250783" cy="1366705"/>
           </a:xfrm>
           <a:prstGeom prst="bentConnector3">
@@ -11371,7 +11333,7 @@
         </p:nvGrpSpPr>
         <p:grpSpPr>
           <a:xfrm>
-            <a:off x="6317087" y="4408600"/>
+            <a:off x="7841088" y="4408601"/>
             <a:ext cx="965541" cy="732351"/>
             <a:chOff x="4597208" y="2318167"/>
             <a:chExt cx="965541" cy="732351"/>
@@ -11526,7 +11488,7 @@
             </a:lstStyle>
             <a:p>
               <a:r>
-                <a:rPr lang="en-AU" sz="800" b="1" dirty="0" smtClean="0"/>
+                <a:rPr lang="en-AU" sz="800" b="1" dirty="0"/>
                 <a:t>3rd party Billing server</a:t>
               </a:r>
               <a:endParaRPr lang="en-AU" sz="800" b="1" dirty="0"/>
@@ -11542,7 +11504,7 @@
         </p:nvSpPr>
         <p:spPr>
           <a:xfrm>
-            <a:off x="2549100" y="3732979"/>
+            <a:off x="4073100" y="3732979"/>
             <a:ext cx="3326060" cy="2203806"/>
           </a:xfrm>
           <a:prstGeom prst="roundRect">
@@ -11684,7 +11646,7 @@
         </p:nvSpPr>
         <p:spPr>
           <a:xfrm>
-            <a:off x="3556027" y="5932739"/>
+            <a:off x="5080027" y="5932740"/>
             <a:ext cx="1173398" cy="307777"/>
           </a:xfrm>
           <a:prstGeom prst="rect">
@@ -11793,7 +11755,7 @@
           </a:lstStyle>
           <a:p>
             <a:r>
-              <a:rPr lang="en-AU" sz="1400" b="1" i="1" dirty="0" smtClean="0">
+              <a:rPr lang="en-AU" sz="1400" b="1" i="1" dirty="0">
                 <a:solidFill>
                   <a:schemeClr val="tx2"/>
                 </a:solidFill>
@@ -11816,7 +11778,7 @@
         </p:nvSpPr>
         <p:spPr>
           <a:xfrm>
-            <a:off x="6218055" y="4280602"/>
+            <a:off x="7742056" y="4280602"/>
             <a:ext cx="1132313" cy="955512"/>
           </a:xfrm>
           <a:prstGeom prst="roundRect">
@@ -11958,7 +11920,7 @@
         </p:nvSpPr>
         <p:spPr>
           <a:xfrm>
-            <a:off x="6158705" y="5190975"/>
+            <a:off x="7682706" y="5190976"/>
             <a:ext cx="1392817" cy="307777"/>
           </a:xfrm>
           <a:prstGeom prst="rect">
@@ -12067,7 +12029,7 @@
           </a:lstStyle>
           <a:p>
             <a:r>
-              <a:rPr lang="en-AU" sz="1400" b="1" i="1" dirty="0" smtClean="0">
+              <a:rPr lang="en-AU" sz="1400" b="1" i="1" dirty="0">
                 <a:solidFill>
                   <a:schemeClr val="tx2"/>
                 </a:solidFill>
@@ -12075,7 +12037,7 @@
               <a:t>3</a:t>
             </a:r>
             <a:r>
-              <a:rPr lang="en-AU" sz="1400" b="1" i="1" baseline="30000" dirty="0" smtClean="0">
+              <a:rPr lang="en-AU" sz="1400" b="1" i="1" baseline="30000" dirty="0">
                 <a:solidFill>
                   <a:schemeClr val="tx2"/>
                 </a:solidFill>
@@ -12083,7 +12045,7 @@
               <a:t>rd</a:t>
             </a:r>
             <a:r>
-              <a:rPr lang="en-AU" sz="1400" b="1" i="1" dirty="0" smtClean="0">
+              <a:rPr lang="en-AU" sz="1400" b="1" i="1" dirty="0">
                 <a:solidFill>
                   <a:schemeClr val="tx2"/>
                 </a:solidFill>
@@ -12106,7 +12068,7 @@
         </p:nvSpPr>
         <p:spPr>
           <a:xfrm>
-            <a:off x="7911468" y="1527045"/>
+            <a:off x="9435468" y="1527045"/>
             <a:ext cx="1008112" cy="2027332"/>
           </a:xfrm>
           <a:prstGeom prst="roundRect">
@@ -12257,7 +12219,7 @@
         </p:blipFill>
         <p:spPr bwMode="auto">
           <a:xfrm>
-            <a:off x="8055484" y="1671061"/>
+            <a:off x="9579485" y="1671061"/>
             <a:ext cx="226749" cy="288032"/>
           </a:xfrm>
           <a:prstGeom prst="rect">
@@ -12289,7 +12251,7 @@
         </p:blipFill>
         <p:spPr bwMode="auto">
           <a:xfrm>
-            <a:off x="8055484" y="2871801"/>
+            <a:off x="9579485" y="2871801"/>
             <a:ext cx="226749" cy="288032"/>
           </a:xfrm>
           <a:prstGeom prst="rect">
@@ -12321,7 +12283,7 @@
         </p:blipFill>
         <p:spPr bwMode="auto">
           <a:xfrm>
-            <a:off x="8127492" y="3015817"/>
+            <a:off x="9651493" y="3015817"/>
             <a:ext cx="226749" cy="288032"/>
           </a:xfrm>
           <a:prstGeom prst="rect">
@@ -12353,7 +12315,7 @@
         </p:blipFill>
         <p:spPr bwMode="auto">
           <a:xfrm>
-            <a:off x="8199500" y="3159833"/>
+            <a:off x="9723501" y="3159833"/>
             <a:ext cx="226749" cy="288032"/>
           </a:xfrm>
           <a:prstGeom prst="rect">
@@ -12385,7 +12347,7 @@
         </p:blipFill>
         <p:spPr bwMode="auto">
           <a:xfrm>
-            <a:off x="8517511" y="2140851"/>
+            <a:off x="10041511" y="2140851"/>
             <a:ext cx="349596" cy="864096"/>
           </a:xfrm>
           <a:prstGeom prst="rect">
@@ -12417,7 +12379,7 @@
         </p:blipFill>
         <p:spPr bwMode="auto">
           <a:xfrm>
-            <a:off x="8055484" y="2258233"/>
+            <a:off x="9579485" y="2258233"/>
             <a:ext cx="226749" cy="288032"/>
           </a:xfrm>
           <a:prstGeom prst="rect">
@@ -12443,7 +12405,7 @@
         </p:nvCxnSpPr>
         <p:spPr>
           <a:xfrm>
-            <a:off x="6836653" y="1408348"/>
+            <a:off x="8360654" y="1408349"/>
             <a:ext cx="1218831" cy="406729"/>
           </a:xfrm>
           <a:prstGeom prst="bentConnector3">
@@ -12485,7 +12447,7 @@
         </p:nvCxnSpPr>
         <p:spPr>
           <a:xfrm>
-            <a:off x="6836653" y="2123273"/>
+            <a:off x="8360654" y="2123273"/>
             <a:ext cx="1218831" cy="278976"/>
           </a:xfrm>
           <a:prstGeom prst="bentConnector3">
@@ -12527,7 +12489,7 @@
         </p:nvCxnSpPr>
         <p:spPr>
           <a:xfrm>
-            <a:off x="6836653" y="2768980"/>
+            <a:off x="8360654" y="2768981"/>
             <a:ext cx="1218831" cy="246837"/>
           </a:xfrm>
           <a:prstGeom prst="bentConnector3">
@@ -12569,7 +12531,7 @@
         </p:nvCxnSpPr>
         <p:spPr>
           <a:xfrm flipV="1">
-            <a:off x="6859667" y="3159833"/>
+            <a:off x="8383668" y="3159833"/>
             <a:ext cx="1267825" cy="254338"/>
           </a:xfrm>
           <a:prstGeom prst="bentConnector3">
@@ -12608,7 +12570,7 @@
         </p:nvSpPr>
         <p:spPr>
           <a:xfrm>
-            <a:off x="1999911" y="475210"/>
+            <a:off x="3523911" y="475211"/>
             <a:ext cx="1098378" cy="276999"/>
           </a:xfrm>
           <a:prstGeom prst="rect">
@@ -12716,7 +12678,7 @@
           </a:lstStyle>
           <a:p>
             <a:r>
-              <a:rPr lang="en-US" sz="1200" b="1" dirty="0" smtClean="0"/>
+              <a:rPr lang="en-US" sz="1200" b="1" dirty="0"/>
               <a:t>Public domain</a:t>
             </a:r>
             <a:endParaRPr lang="en-AU" sz="1200" b="1" dirty="0"/>
@@ -12731,7 +12693,7 @@
         </p:nvSpPr>
         <p:spPr>
           <a:xfrm>
-            <a:off x="5561973" y="475210"/>
+            <a:off x="7085974" y="475211"/>
             <a:ext cx="1155381" cy="276999"/>
           </a:xfrm>
           <a:prstGeom prst="rect">
@@ -12839,7 +12801,7 @@
           </a:lstStyle>
           <a:p>
             <a:r>
-              <a:rPr lang="en-US" sz="1200" b="1" dirty="0" smtClean="0"/>
+              <a:rPr lang="en-US" sz="1200" b="1" dirty="0"/>
               <a:t>Private domain</a:t>
             </a:r>
             <a:endParaRPr lang="en-AU" sz="1200" b="1" dirty="0"/>
@@ -12854,7 +12816,7 @@
         </p:nvSpPr>
         <p:spPr>
           <a:xfrm>
-            <a:off x="7872274" y="5979830"/>
+            <a:off x="9396275" y="5979830"/>
             <a:ext cx="965541" cy="338554"/>
           </a:xfrm>
           <a:prstGeom prst="rect">
@@ -12963,7 +12925,7 @@
           </a:lstStyle>
           <a:p>
             <a:r>
-              <a:rPr lang="en-AU" sz="800" b="1" dirty="0" smtClean="0"/>
+              <a:rPr lang="en-AU" sz="800" b="1" dirty="0"/>
               <a:t>Game server administrator PC</a:t>
             </a:r>
             <a:endParaRPr lang="en-AU" sz="800" b="1" dirty="0"/>
@@ -12978,7 +12940,7 @@
         </p:nvSpPr>
         <p:spPr>
           <a:xfrm>
-            <a:off x="7773242" y="5458035"/>
+            <a:off x="9297243" y="5458035"/>
             <a:ext cx="1132313" cy="947702"/>
           </a:xfrm>
           <a:prstGeom prst="roundRect">
@@ -13120,7 +13082,7 @@
         </p:nvSpPr>
         <p:spPr>
           <a:xfrm>
-            <a:off x="7714323" y="6368833"/>
+            <a:off x="9238323" y="6368834"/>
             <a:ext cx="1271438" cy="307777"/>
           </a:xfrm>
           <a:prstGeom prst="rect">
@@ -13229,7 +13191,7 @@
           </a:lstStyle>
           <a:p>
             <a:r>
-              <a:rPr lang="en-AU" sz="1400" b="1" i="1" dirty="0" smtClean="0">
+              <a:rPr lang="en-AU" sz="1400" b="1" i="1" dirty="0">
                 <a:solidFill>
                   <a:schemeClr val="tx2"/>
                 </a:solidFill>
@@ -13261,7 +13223,7 @@
         </p:blipFill>
         <p:spPr bwMode="auto">
           <a:xfrm>
-            <a:off x="8055484" y="5578787"/>
+            <a:off x="9579484" y="5578787"/>
             <a:ext cx="432048" cy="378044"/>
           </a:xfrm>
           <a:prstGeom prst="rect">
@@ -13284,7 +13246,7 @@
         </p:nvCxnSpPr>
         <p:spPr>
           <a:xfrm flipV="1">
-            <a:off x="5285095" y="4689360"/>
+            <a:off x="6809096" y="4689361"/>
             <a:ext cx="1281987" cy="739487"/>
           </a:xfrm>
           <a:prstGeom prst="bentConnector3">
@@ -13323,7 +13285,7 @@
         </p:nvCxnSpPr>
         <p:spPr>
           <a:xfrm rot="10800000">
-            <a:off x="5285096" y="5757329"/>
+            <a:off x="6809097" y="5757330"/>
             <a:ext cx="2587179" cy="391779"/>
           </a:xfrm>
           <a:prstGeom prst="bentConnector2">
@@ -13357,7 +13319,7 @@
         </p:nvSpPr>
         <p:spPr>
           <a:xfrm>
-            <a:off x="7874239" y="3528973"/>
+            <a:off x="9398239" y="3528974"/>
             <a:ext cx="1098186" cy="307777"/>
           </a:xfrm>
           <a:prstGeom prst="rect">
@@ -13466,7 +13428,7 @@
           </a:lstStyle>
           <a:p>
             <a:r>
-              <a:rPr lang="en-AU" sz="1400" b="1" i="1" dirty="0" smtClean="0">
+              <a:rPr lang="en-AU" sz="1400" b="1" i="1" dirty="0">
                 <a:solidFill>
                   <a:schemeClr val="tx2"/>
                 </a:solidFill>
@@ -13489,7 +13451,7 @@
         </p:nvSpPr>
         <p:spPr>
           <a:xfrm>
-            <a:off x="1421950" y="753270"/>
+            <a:off x="2945950" y="753271"/>
             <a:ext cx="389850" cy="276999"/>
           </a:xfrm>
           <a:prstGeom prst="rect">
@@ -13617,7 +13579,7 @@
         </p:nvSpPr>
         <p:spPr>
           <a:xfrm>
-            <a:off x="1695331" y="1668790"/>
+            <a:off x="3219331" y="1668791"/>
             <a:ext cx="389850" cy="276999"/>
           </a:xfrm>
           <a:prstGeom prst="rect">
@@ -13745,7 +13707,7 @@
         </p:nvSpPr>
         <p:spPr>
           <a:xfrm>
-            <a:off x="4707907" y="1400281"/>
+            <a:off x="6231907" y="1400282"/>
             <a:ext cx="389850" cy="276999"/>
           </a:xfrm>
           <a:prstGeom prst="rect">
@@ -13873,7 +13835,7 @@
         </p:nvSpPr>
         <p:spPr>
           <a:xfrm>
-            <a:off x="7484389" y="1560863"/>
+            <a:off x="9008389" y="1560864"/>
             <a:ext cx="389850" cy="276999"/>
           </a:xfrm>
           <a:prstGeom prst="rect">
@@ -14001,7 +13963,7 @@
         </p:nvSpPr>
         <p:spPr>
           <a:xfrm>
-            <a:off x="4093534" y="2389323"/>
+            <a:off x="5617534" y="2389324"/>
             <a:ext cx="389850" cy="276999"/>
           </a:xfrm>
           <a:prstGeom prst="rect">
@@ -14129,7 +14091,7 @@
         </p:nvSpPr>
         <p:spPr>
           <a:xfrm>
-            <a:off x="1321511" y="4586462"/>
+            <a:off x="2845511" y="4586463"/>
             <a:ext cx="389850" cy="276999"/>
           </a:xfrm>
           <a:prstGeom prst="rect">
@@ -14257,7 +14219,7 @@
         </p:nvSpPr>
         <p:spPr>
           <a:xfrm>
-            <a:off x="4194231" y="5396479"/>
+            <a:off x="5718231" y="5396480"/>
             <a:ext cx="389850" cy="276999"/>
           </a:xfrm>
           <a:prstGeom prst="rect">
@@ -14385,7 +14347,7 @@
         </p:nvSpPr>
         <p:spPr>
           <a:xfrm>
-            <a:off x="4463306" y="3763565"/>
+            <a:off x="5987306" y="3763566"/>
             <a:ext cx="389850" cy="276999"/>
           </a:xfrm>
           <a:prstGeom prst="rect">
@@ -14513,7 +14475,7 @@
         </p:nvSpPr>
         <p:spPr>
           <a:xfrm>
-            <a:off x="7094539" y="5872110"/>
+            <a:off x="8618539" y="5872111"/>
             <a:ext cx="389850" cy="276999"/>
           </a:xfrm>
           <a:prstGeom prst="rect">
@@ -14644,7 +14606,7 @@
         </p:nvCxnSpPr>
         <p:spPr>
           <a:xfrm rot="16200000" flipH="1">
-            <a:off x="2721165" y="2728172"/>
+            <a:off x="4245166" y="2728173"/>
             <a:ext cx="2675889" cy="2163939"/>
           </a:xfrm>
           <a:prstGeom prst="bentConnector3">
@@ -14685,7 +14647,7 @@
         </p:nvSpPr>
         <p:spPr>
           <a:xfrm>
-            <a:off x="5972221" y="4702148"/>
+            <a:off x="7496221" y="4702149"/>
             <a:ext cx="389850" cy="276999"/>
           </a:xfrm>
           <a:prstGeom prst="rect">
@@ -14794,7 +14756,7 @@
           </a:lstStyle>
           <a:p>
             <a:r>
-              <a:rPr lang="en-AU" sz="1200" b="1" dirty="0" smtClean="0">
+              <a:rPr lang="en-AU" sz="1200" b="1" dirty="0">
                 <a:solidFill>
                   <a:schemeClr val="tx2"/>
                 </a:solidFill>
@@ -14819,7 +14781,7 @@
         </p:nvSpPr>
         <p:spPr>
           <a:xfrm>
-            <a:off x="1606043" y="2680849"/>
+            <a:off x="3130043" y="2680850"/>
             <a:ext cx="389850" cy="276999"/>
           </a:xfrm>
           <a:prstGeom prst="rect">
@@ -14947,7 +14909,7 @@
         </p:nvSpPr>
         <p:spPr>
           <a:xfrm>
-            <a:off x="222309" y="3168413"/>
+            <a:off x="1746309" y="3168413"/>
             <a:ext cx="479618" cy="215444"/>
           </a:xfrm>
           <a:prstGeom prst="rect">
@@ -15075,7 +15037,7 @@
           </a:lstStyle>
           <a:p>
             <a:r>
-              <a:rPr lang="en-US" sz="800" b="1" dirty="0" smtClean="0"/>
+              <a:rPr lang="en-US" sz="800" b="1" dirty="0"/>
               <a:t>iPhone</a:t>
             </a:r>
             <a:endParaRPr lang="en-AU" sz="800" b="1" dirty="0"/>
@@ -15090,7 +15052,7 @@
         </p:nvSpPr>
         <p:spPr>
           <a:xfrm>
-            <a:off x="117632" y="2968904"/>
+            <a:off x="1641632" y="2968904"/>
             <a:ext cx="370614" cy="215444"/>
           </a:xfrm>
           <a:prstGeom prst="rect">
@@ -15218,7 +15180,7 @@
           </a:lstStyle>
           <a:p>
             <a:r>
-              <a:rPr lang="en-US" sz="800" b="1" dirty="0" smtClean="0"/>
+              <a:rPr lang="en-US" sz="800" b="1" dirty="0"/>
               <a:t>iPad</a:t>
             </a:r>
             <a:endParaRPr lang="en-AU" sz="800" b="1" dirty="0"/>
@@ -15233,7 +15195,7 @@
         </p:nvSpPr>
         <p:spPr>
           <a:xfrm>
-            <a:off x="281755" y="161779"/>
+            <a:off x="1805756" y="161780"/>
             <a:ext cx="6855595" cy="276999"/>
           </a:xfrm>
           <a:prstGeom prst="rect">
@@ -15341,16 +15303,8 @@
           </a:lstStyle>
           <a:p>
             <a:r>
-              <a:rPr lang="en-US" sz="1200" b="1" dirty="0" smtClean="0"/>
-              <a:t>Mobile Backend service architecture design/implementation </a:t>
-            </a:r>
-            <a:r>
-              <a:rPr lang="en-US" sz="1200" b="1" dirty="0" smtClean="0"/>
-              <a:t>– </a:t>
-            </a:r>
-            <a:r>
-              <a:rPr lang="en-US" sz="1200" b="1" dirty="0" smtClean="0"/>
-              <a:t>synchronous model with lobby system</a:t>
+              <a:rPr lang="en-US" sz="1200" b="1" dirty="0"/>
+              <a:t>Mobile Backend service architecture design/implementation – synchronous model with lobby system</a:t>
             </a:r>
             <a:endParaRPr lang="en-AU" sz="1200" b="1" dirty="0"/>
           </a:p>
@@ -15401,7 +15355,7 @@
         </p:nvSpPr>
         <p:spPr>
           <a:xfrm>
-            <a:off x="485878" y="567260"/>
+            <a:off x="2009879" y="567261"/>
             <a:ext cx="4875053" cy="307777"/>
           </a:xfrm>
           <a:prstGeom prst="rect">
@@ -15510,7 +15464,7 @@
           </a:lstStyle>
           <a:p>
             <a:r>
-              <a:rPr lang="en-AU" sz="1400" b="1" dirty="0" smtClean="0"/>
+              <a:rPr lang="en-AU" sz="1400" b="1" dirty="0"/>
               <a:t>Single sign-on ticketing mechanism design and implementation</a:t>
             </a:r>
             <a:endParaRPr lang="en-AU" sz="1400" b="1" dirty="0"/>
@@ -15525,7 +15479,7 @@
         </p:nvCxnSpPr>
         <p:spPr>
           <a:xfrm>
-            <a:off x="1587140" y="1475495"/>
+            <a:off x="3111140" y="1475495"/>
             <a:ext cx="0" cy="4815244"/>
           </a:xfrm>
           <a:prstGeom prst="line">
@@ -15555,7 +15509,7 @@
         </p:nvSpPr>
         <p:spPr>
           <a:xfrm>
-            <a:off x="1063218" y="1106163"/>
+            <a:off x="2587219" y="1106163"/>
             <a:ext cx="872355" cy="400110"/>
           </a:xfrm>
           <a:prstGeom prst="rect">
@@ -15664,14 +15618,14 @@
           </a:lstStyle>
           <a:p>
             <a:r>
-              <a:rPr lang="en-US" sz="1000" b="1" dirty="0" smtClean="0"/>
+              <a:rPr lang="en-US" sz="1000" b="1" dirty="0"/>
               <a:t>iPad/iPhone </a:t>
             </a:r>
             <a:br>
-              <a:rPr lang="en-US" sz="1000" b="1" dirty="0" smtClean="0"/>
+              <a:rPr lang="en-US" sz="1000" b="1" dirty="0"/>
             </a:br>
             <a:r>
-              <a:rPr lang="en-US" sz="1000" b="1" dirty="0" smtClean="0"/>
+              <a:rPr lang="en-US" sz="1000" b="1" dirty="0"/>
               <a:t>game client</a:t>
             </a:r>
             <a:endParaRPr lang="en-AU" sz="1000" b="1" dirty="0"/>
@@ -15686,7 +15640,7 @@
         </p:nvSpPr>
         <p:spPr>
           <a:xfrm>
-            <a:off x="5530323" y="1183107"/>
+            <a:off x="7054324" y="1183108"/>
             <a:ext cx="856325" cy="246221"/>
           </a:xfrm>
           <a:prstGeom prst="rect">
@@ -15795,7 +15749,7 @@
           </a:lstStyle>
           <a:p>
             <a:r>
-              <a:rPr lang="en-US" sz="1000" b="1" dirty="0" smtClean="0"/>
+              <a:rPr lang="en-US" sz="1000" b="1" dirty="0"/>
               <a:t>Game server</a:t>
             </a:r>
             <a:endParaRPr lang="en-AU" sz="1000" b="1" dirty="0"/>
@@ -15810,7 +15764,7 @@
         </p:nvCxnSpPr>
         <p:spPr>
           <a:xfrm>
-            <a:off x="3747380" y="1475495"/>
+            <a:off x="5271380" y="1475495"/>
             <a:ext cx="0" cy="1990586"/>
           </a:xfrm>
           <a:prstGeom prst="line">
@@ -15840,7 +15794,7 @@
         </p:nvSpPr>
         <p:spPr>
           <a:xfrm>
-            <a:off x="874860" y="3050379"/>
+            <a:off x="2398860" y="3050379"/>
             <a:ext cx="648072" cy="343626"/>
           </a:xfrm>
           <a:prstGeom prst="roundRect">
@@ -15961,7 +15915,7 @@
           <a:p>
             <a:pPr algn="ctr"/>
             <a:r>
-              <a:rPr lang="en-AU" sz="800" dirty="0" smtClean="0"/>
+              <a:rPr lang="en-AU" sz="800" dirty="0"/>
               <a:t>Session ticket</a:t>
             </a:r>
             <a:endParaRPr lang="en-AU" sz="800" dirty="0"/>
@@ -15976,7 +15930,7 @@
         </p:nvCxnSpPr>
         <p:spPr>
           <a:xfrm>
-            <a:off x="1587140" y="3122387"/>
+            <a:off x="3111141" y="3122387"/>
             <a:ext cx="4384537" cy="0"/>
           </a:xfrm>
           <a:prstGeom prst="straightConnector1">
@@ -16010,7 +15964,7 @@
         </p:nvSpPr>
         <p:spPr>
           <a:xfrm>
-            <a:off x="1803164" y="3096749"/>
+            <a:off x="3327164" y="3096749"/>
             <a:ext cx="1779058" cy="553998"/>
           </a:xfrm>
           <a:prstGeom prst="rect">
@@ -16119,7 +16073,7 @@
           </a:lstStyle>
           <a:p>
             <a:r>
-              <a:rPr lang="en-US" sz="1000" dirty="0" smtClean="0"/>
+              <a:rPr lang="en-US" sz="1000" dirty="0"/>
               <a:t>Game client log-in to game server with UUID and session ticket</a:t>
             </a:r>
             <a:endParaRPr lang="en-AU" sz="1000" dirty="0"/>
@@ -16134,7 +16088,7 @@
         </p:nvSpPr>
         <p:spPr>
           <a:xfrm>
-            <a:off x="5971677" y="3122387"/>
+            <a:off x="7495677" y="3122388"/>
             <a:ext cx="246048" cy="742173"/>
           </a:xfrm>
           <a:prstGeom prst="rightBracket">
@@ -16270,7 +16224,7 @@
         </p:nvSpPr>
         <p:spPr>
           <a:xfrm>
-            <a:off x="6251909" y="3050379"/>
+            <a:off x="7775909" y="3050380"/>
             <a:ext cx="2226892" cy="246221"/>
           </a:xfrm>
           <a:prstGeom prst="rect">
@@ -16379,7 +16333,7 @@
           </a:lstStyle>
           <a:p>
             <a:r>
-              <a:rPr lang="en-US" sz="1000" dirty="0" smtClean="0"/>
+              <a:rPr lang="en-US" sz="1000" dirty="0"/>
               <a:t>Verify the session ticket through Kando</a:t>
             </a:r>
             <a:endParaRPr lang="en-AU" sz="1000" dirty="0"/>
@@ -16394,7 +16348,7 @@
         </p:nvCxnSpPr>
         <p:spPr>
           <a:xfrm>
-            <a:off x="1587140" y="3859424"/>
+            <a:off x="3111140" y="3859424"/>
             <a:ext cx="4371346" cy="0"/>
           </a:xfrm>
           <a:prstGeom prst="straightConnector1">
@@ -16428,7 +16382,7 @@
         </p:nvSpPr>
         <p:spPr>
           <a:xfrm>
-            <a:off x="1803164" y="3838692"/>
+            <a:off x="3327164" y="3838692"/>
             <a:ext cx="2859178" cy="400110"/>
           </a:xfrm>
           <a:prstGeom prst="rect">
@@ -16537,7 +16491,7 @@
           </a:lstStyle>
           <a:p>
             <a:r>
-              <a:rPr lang="en-US" sz="1000" dirty="0" smtClean="0"/>
+              <a:rPr lang="en-US" sz="1000" dirty="0"/>
               <a:t>Authenticate game client’s log-in to game server, and reply with MD5 hashed ticket data</a:t>
             </a:r>
             <a:endParaRPr lang="en-AU" sz="1000" dirty="0"/>
@@ -16552,7 +16506,7 @@
         </p:nvSpPr>
         <p:spPr>
           <a:xfrm>
-            <a:off x="874860" y="3715857"/>
+            <a:off x="2398860" y="3715858"/>
             <a:ext cx="648072" cy="420607"/>
           </a:xfrm>
           <a:prstGeom prst="roundRect">
@@ -16673,7 +16627,7 @@
           <a:p>
             <a:pPr algn="ctr"/>
             <a:r>
-              <a:rPr lang="en-AU" sz="800" dirty="0" smtClean="0"/>
+              <a:rPr lang="en-AU" sz="800" dirty="0"/>
               <a:t>Hashed session ticket</a:t>
             </a:r>
             <a:endParaRPr lang="en-AU" sz="800" dirty="0"/>
@@ -16688,7 +16642,7 @@
         </p:nvSpPr>
         <p:spPr>
           <a:xfrm>
-            <a:off x="2544014" y="2938747"/>
+            <a:off x="4068015" y="2938748"/>
             <a:ext cx="521297" cy="246221"/>
           </a:xfrm>
           <a:prstGeom prst="rect">
@@ -16797,7 +16751,7 @@
           </a:lstStyle>
           <a:p>
             <a:r>
-              <a:rPr lang="en-US" sz="1000" b="1" i="1" dirty="0" smtClean="0"/>
+              <a:rPr lang="en-US" sz="1000" b="1" i="1" dirty="0"/>
               <a:t>HTTPS</a:t>
             </a:r>
             <a:endParaRPr lang="en-AU" sz="1000" b="1" i="1" dirty="0"/>
@@ -16814,7 +16768,7 @@
         </p:nvCxnSpPr>
         <p:spPr>
           <a:xfrm flipV="1">
-            <a:off x="1587140" y="5106649"/>
+            <a:off x="3111141" y="5106649"/>
             <a:ext cx="4382225" cy="2"/>
           </a:xfrm>
           <a:prstGeom prst="straightConnector1">
@@ -16848,7 +16802,7 @@
         </p:nvSpPr>
         <p:spPr>
           <a:xfrm>
-            <a:off x="1738956" y="5115196"/>
+            <a:off x="3262956" y="5115196"/>
             <a:ext cx="2851378" cy="400110"/>
           </a:xfrm>
           <a:prstGeom prst="rect">
@@ -16957,7 +16911,7 @@
           </a:lstStyle>
           <a:p>
             <a:r>
-              <a:rPr lang="en-US" sz="1000" dirty="0" smtClean="0"/>
+              <a:rPr lang="en-US" sz="1000" dirty="0"/>
               <a:t>Game client appends the hashed ticket payload for every game messages</a:t>
             </a:r>
             <a:endParaRPr lang="en-AU" sz="1000" dirty="0"/>
@@ -16972,7 +16926,7 @@
         </p:nvSpPr>
         <p:spPr>
           <a:xfrm>
-            <a:off x="5969365" y="5106649"/>
+            <a:off x="7493365" y="5106649"/>
             <a:ext cx="246048" cy="783980"/>
           </a:xfrm>
           <a:prstGeom prst="rightBracket">
@@ -17108,7 +17062,7 @@
         </p:nvSpPr>
         <p:spPr>
           <a:xfrm>
-            <a:off x="6238718" y="5161566"/>
+            <a:off x="7762718" y="5161566"/>
             <a:ext cx="1447960" cy="553998"/>
           </a:xfrm>
           <a:prstGeom prst="rect">
@@ -17217,7 +17171,7 @@
           </a:lstStyle>
           <a:p>
             <a:r>
-              <a:rPr lang="en-US" sz="1000" dirty="0" smtClean="0"/>
+              <a:rPr lang="en-US" sz="1000" dirty="0"/>
               <a:t>Compare the hashed ticket with the stored one in DB/memcached</a:t>
             </a:r>
             <a:endParaRPr lang="en-AU" sz="1000" dirty="0"/>
@@ -17232,7 +17186,7 @@
         </p:nvCxnSpPr>
         <p:spPr>
           <a:xfrm>
-            <a:off x="1587140" y="5890629"/>
+            <a:off x="3111141" y="5890629"/>
             <a:ext cx="4382225" cy="0"/>
           </a:xfrm>
           <a:prstGeom prst="straightConnector1">
@@ -17266,7 +17220,7 @@
         </p:nvSpPr>
         <p:spPr>
           <a:xfrm>
-            <a:off x="1734796" y="5890629"/>
+            <a:off x="3258796" y="5890629"/>
             <a:ext cx="2711522" cy="400110"/>
           </a:xfrm>
           <a:prstGeom prst="rect">
@@ -17375,7 +17329,7 @@
           </a:lstStyle>
           <a:p>
             <a:r>
-              <a:rPr lang="en-US" sz="1000" dirty="0" smtClean="0"/>
+              <a:rPr lang="en-US" sz="1000" dirty="0"/>
               <a:t>Only accept the game message packet if the hashed ticket data is matched.</a:t>
             </a:r>
             <a:endParaRPr lang="en-AU" sz="1000" dirty="0"/>
@@ -17390,7 +17344,7 @@
         </p:nvSpPr>
         <p:spPr>
           <a:xfrm>
-            <a:off x="6259709" y="3410419"/>
+            <a:off x="7783709" y="3410420"/>
             <a:ext cx="1236236" cy="246221"/>
           </a:xfrm>
           <a:prstGeom prst="rect">
@@ -17499,7 +17453,7 @@
           </a:lstStyle>
           <a:p>
             <a:r>
-              <a:rPr lang="en-US" sz="1000" dirty="0" smtClean="0"/>
+              <a:rPr lang="en-US" sz="1000" dirty="0"/>
               <a:t>MD5 hash the ticket</a:t>
             </a:r>
             <a:endParaRPr lang="en-AU" sz="1000" dirty="0"/>
@@ -17514,7 +17468,7 @@
         </p:nvCxnSpPr>
         <p:spPr>
           <a:xfrm rot="5400000">
-            <a:off x="6836567" y="3697657"/>
+            <a:off x="8360567" y="3697657"/>
             <a:ext cx="144016" cy="1588"/>
           </a:xfrm>
           <a:prstGeom prst="straightConnector1">
@@ -17548,7 +17502,7 @@
         </p:nvCxnSpPr>
         <p:spPr>
           <a:xfrm rot="5400000">
-            <a:off x="6836567" y="3337617"/>
+            <a:off x="8360567" y="3337617"/>
             <a:ext cx="144016" cy="1588"/>
           </a:xfrm>
           <a:prstGeom prst="straightConnector1">
@@ -17582,7 +17536,7 @@
         </p:nvSpPr>
         <p:spPr>
           <a:xfrm>
-            <a:off x="6259709" y="3736275"/>
+            <a:off x="7783710" y="3736276"/>
             <a:ext cx="2398413" cy="246221"/>
           </a:xfrm>
           <a:prstGeom prst="rect">
@@ -17691,7 +17645,7 @@
           </a:lstStyle>
           <a:p>
             <a:r>
-              <a:rPr lang="en-AU" sz="1000" dirty="0" smtClean="0"/>
+              <a:rPr lang="en-AU" sz="1000" dirty="0"/>
               <a:t>Store the hashed ticket to DB/memcached</a:t>
             </a:r>
             <a:endParaRPr lang="en-AU" sz="1000" dirty="0"/>
@@ -17706,7 +17660,7 @@
         </p:nvSpPr>
         <p:spPr>
           <a:xfrm>
-            <a:off x="874860" y="4801526"/>
+            <a:off x="2398860" y="4801527"/>
             <a:ext cx="648072" cy="417871"/>
           </a:xfrm>
           <a:prstGeom prst="roundRect">
@@ -17827,7 +17781,7 @@
           <a:p>
             <a:pPr algn="ctr"/>
             <a:r>
-              <a:rPr lang="en-AU" sz="800" dirty="0" smtClean="0"/>
+              <a:rPr lang="en-AU" sz="800" dirty="0"/>
               <a:t>Hashed session ticket</a:t>
             </a:r>
             <a:endParaRPr lang="en-AU" sz="800" dirty="0"/>
@@ -17842,7 +17796,7 @@
         </p:nvSpPr>
         <p:spPr>
           <a:xfrm>
-            <a:off x="874860" y="5274519"/>
+            <a:off x="2398860" y="5274520"/>
             <a:ext cx="648072" cy="240787"/>
           </a:xfrm>
           <a:prstGeom prst="roundRect">
@@ -17970,7 +17924,7 @@
           <a:p>
             <a:pPr algn="ctr"/>
             <a:r>
-              <a:rPr lang="en-AU" sz="800" dirty="0" smtClean="0"/>
+              <a:rPr lang="en-AU" sz="800" dirty="0"/>
               <a:t>game data</a:t>
             </a:r>
             <a:endParaRPr lang="en-AU" sz="800" dirty="0"/>
@@ -17985,7 +17939,7 @@
         </p:nvCxnSpPr>
         <p:spPr>
           <a:xfrm>
-            <a:off x="1587140" y="1698483"/>
+            <a:off x="3111140" y="1698483"/>
             <a:ext cx="2160240" cy="1444"/>
           </a:xfrm>
           <a:prstGeom prst="straightConnector1">
@@ -18019,7 +17973,7 @@
         </p:nvSpPr>
         <p:spPr>
           <a:xfrm>
-            <a:off x="1803164" y="1676074"/>
+            <a:off x="3327164" y="1676074"/>
             <a:ext cx="1935670" cy="400110"/>
           </a:xfrm>
           <a:prstGeom prst="rect">
@@ -18128,7 +18082,7 @@
           </a:lstStyle>
           <a:p>
             <a:r>
-              <a:rPr lang="en-US" sz="1000" dirty="0" smtClean="0"/>
+              <a:rPr lang="en-US" sz="1000" dirty="0"/>
               <a:t>Log into game online service by ID/Password</a:t>
             </a:r>
             <a:endParaRPr lang="en-AU" sz="1000" dirty="0"/>
@@ -18143,7 +18097,7 @@
         </p:nvCxnSpPr>
         <p:spPr>
           <a:xfrm>
-            <a:off x="1587140" y="2186283"/>
+            <a:off x="3111140" y="2186283"/>
             <a:ext cx="2160240" cy="1588"/>
           </a:xfrm>
           <a:prstGeom prst="straightConnector1">
@@ -18177,7 +18131,7 @@
         </p:nvSpPr>
         <p:spPr>
           <a:xfrm>
-            <a:off x="1803164" y="2156067"/>
+            <a:off x="3327164" y="2156067"/>
             <a:ext cx="1935670" cy="707886"/>
           </a:xfrm>
           <a:prstGeom prst="rect">
@@ -18286,7 +18240,7 @@
           </a:lstStyle>
           <a:p>
             <a:r>
-              <a:rPr lang="en-US" sz="1000" dirty="0" smtClean="0"/>
+              <a:rPr lang="en-US" sz="1000" dirty="0"/>
               <a:t>Authenticated and get UUID (unique user identifier) and session ticket to single sign-on to other online service.</a:t>
             </a:r>
             <a:endParaRPr lang="en-AU" sz="1000" dirty="0"/>
@@ -18301,7 +18255,7 @@
         </p:nvCxnSpPr>
         <p:spPr>
           <a:xfrm>
-            <a:off x="5958486" y="1475495"/>
+            <a:off x="7482486" y="1475495"/>
             <a:ext cx="0" cy="4815244"/>
           </a:xfrm>
           <a:prstGeom prst="line">
@@ -18331,7 +18285,7 @@
         </p:nvSpPr>
         <p:spPr>
           <a:xfrm>
-            <a:off x="3203219" y="1106163"/>
+            <a:off x="4727220" y="1106164"/>
             <a:ext cx="978153" cy="246221"/>
           </a:xfrm>
           <a:prstGeom prst="rect">
@@ -18440,7 +18394,7 @@
           </a:lstStyle>
           <a:p>
             <a:r>
-              <a:rPr lang="en-US" sz="1000" b="1" dirty="0" smtClean="0"/>
+              <a:rPr lang="en-US" sz="1000" b="1" dirty="0"/>
               <a:t>Account server</a:t>
             </a:r>
             <a:endParaRPr lang="en-AU" sz="1000" b="1" dirty="0"/>
@@ -18455,7 +18409,7 @@
         </p:nvCxnSpPr>
         <p:spPr>
           <a:xfrm>
-            <a:off x="3738834" y="3227097"/>
+            <a:off x="5262835" y="3227097"/>
             <a:ext cx="2232843" cy="0"/>
           </a:xfrm>
           <a:prstGeom prst="straightConnector1">
@@ -18492,7 +18446,7 @@
         </p:nvSpPr>
         <p:spPr>
           <a:xfrm>
-            <a:off x="874860" y="2840099"/>
+            <a:off x="2398860" y="2840100"/>
             <a:ext cx="648072" cy="171813"/>
           </a:xfrm>
           <a:prstGeom prst="roundRect">
@@ -18613,7 +18567,7 @@
           <a:p>
             <a:pPr algn="ctr"/>
             <a:r>
-              <a:rPr lang="en-AU" sz="800" dirty="0" smtClean="0"/>
+              <a:rPr lang="en-AU" sz="800" dirty="0"/>
               <a:t>UUID</a:t>
             </a:r>
             <a:endParaRPr lang="en-AU" sz="800" dirty="0"/>
@@ -18628,7 +18582,7 @@
         </p:nvSpPr>
         <p:spPr>
           <a:xfrm>
-            <a:off x="874860" y="4585502"/>
+            <a:off x="2398860" y="4585503"/>
             <a:ext cx="648072" cy="171813"/>
           </a:xfrm>
           <a:prstGeom prst="roundRect">
@@ -18749,7 +18703,7 @@
           <a:p>
             <a:pPr algn="ctr"/>
             <a:r>
-              <a:rPr lang="en-AU" sz="800" dirty="0" smtClean="0"/>
+              <a:rPr lang="en-AU" sz="800" dirty="0"/>
               <a:t>UUID</a:t>
             </a:r>
             <a:endParaRPr lang="en-AU" sz="800" dirty="0"/>
@@ -18801,7 +18755,7 @@
         </p:nvSpPr>
         <p:spPr>
           <a:xfrm>
-            <a:off x="4285675" y="1653375"/>
+            <a:off x="5809675" y="1653375"/>
             <a:ext cx="1440160" cy="1440160"/>
           </a:xfrm>
           <a:prstGeom prst="ellipse">
@@ -18941,7 +18895,7 @@
         </p:nvSpPr>
         <p:spPr>
           <a:xfrm>
-            <a:off x="4069651" y="1437351"/>
+            <a:off x="5593651" y="1437351"/>
             <a:ext cx="432048" cy="288032"/>
           </a:xfrm>
           <a:prstGeom prst="rightArrow">
@@ -19079,7 +19033,7 @@
         </p:nvSpPr>
         <p:spPr>
           <a:xfrm>
-            <a:off x="3565595" y="1437351"/>
+            <a:off x="5089595" y="1437351"/>
             <a:ext cx="432048" cy="288032"/>
           </a:xfrm>
           <a:prstGeom prst="rightArrow">
@@ -19217,7 +19171,7 @@
         </p:nvSpPr>
         <p:spPr>
           <a:xfrm>
-            <a:off x="2701499" y="1437351"/>
+            <a:off x="4225499" y="1437351"/>
             <a:ext cx="792088" cy="288032"/>
           </a:xfrm>
           <a:prstGeom prst="rightArrow">
@@ -19355,7 +19309,7 @@
         </p:nvSpPr>
         <p:spPr>
           <a:xfrm>
-            <a:off x="1981419" y="1221327"/>
+            <a:off x="3505419" y="1221327"/>
             <a:ext cx="1152128" cy="230832"/>
           </a:xfrm>
           <a:prstGeom prst="rect">
@@ -19464,7 +19418,7 @@
           </a:lstStyle>
           <a:p>
             <a:r>
-              <a:rPr lang="en-US" sz="900" b="1" dirty="0" smtClean="0"/>
+              <a:rPr lang="en-US" sz="900" b="1" dirty="0"/>
               <a:t>1) Inbound packet</a:t>
             </a:r>
             <a:endParaRPr lang="en-US" sz="900" b="1" dirty="0"/>
@@ -19479,7 +19433,7 @@
         </p:nvSpPr>
         <p:spPr>
           <a:xfrm>
-            <a:off x="4789731" y="1350535"/>
+            <a:off x="6313731" y="1350535"/>
             <a:ext cx="1440160" cy="230832"/>
           </a:xfrm>
           <a:prstGeom prst="rect">
@@ -19588,7 +19542,7 @@
           </a:lstStyle>
           <a:p>
             <a:r>
-              <a:rPr lang="en-US" sz="900" dirty="0" smtClean="0"/>
+              <a:rPr lang="en-US" sz="900" dirty="0"/>
               <a:t>2) IP and account filtering</a:t>
             </a:r>
             <a:endParaRPr lang="en-US" sz="900" dirty="0"/>
@@ -19603,7 +19557,7 @@
         </p:nvSpPr>
         <p:spPr>
           <a:xfrm>
-            <a:off x="5581819" y="1653375"/>
+            <a:off x="7105819" y="1653375"/>
             <a:ext cx="1008112" cy="369332"/>
           </a:xfrm>
           <a:prstGeom prst="rect">
@@ -19712,13 +19666,13 @@
           </a:lstStyle>
           <a:p>
             <a:r>
-              <a:rPr lang="en-US" sz="900" dirty="0" smtClean="0"/>
+              <a:rPr lang="en-US" sz="900" dirty="0"/>
               <a:t>3) Decryption</a:t>
             </a:r>
           </a:p>
           <a:p>
             <a:r>
-              <a:rPr lang="en-US" sz="900" dirty="0" smtClean="0"/>
+              <a:rPr lang="en-US" sz="900" dirty="0"/>
               <a:t>(AES 128-bit)</a:t>
             </a:r>
             <a:endParaRPr lang="en-US" sz="900" dirty="0"/>
@@ -19733,7 +19687,7 @@
         </p:nvSpPr>
         <p:spPr>
           <a:xfrm>
-            <a:off x="5797843" y="2445463"/>
+            <a:off x="7321843" y="2445463"/>
             <a:ext cx="1008112" cy="230832"/>
           </a:xfrm>
           <a:prstGeom prst="rect">
@@ -19842,7 +19796,7 @@
           </a:lstStyle>
           <a:p>
             <a:r>
-              <a:rPr lang="en-US" sz="900" dirty="0" smtClean="0"/>
+              <a:rPr lang="en-US" sz="900" dirty="0"/>
               <a:t>4) Replay blocker</a:t>
             </a:r>
             <a:endParaRPr lang="en-US" sz="900" dirty="0"/>
@@ -19857,7 +19811,7 @@
         </p:nvSpPr>
         <p:spPr>
           <a:xfrm>
-            <a:off x="3493587" y="2949519"/>
+            <a:off x="5017587" y="2949519"/>
             <a:ext cx="1152128" cy="230832"/>
           </a:xfrm>
           <a:prstGeom prst="rect">
@@ -19966,7 +19920,7 @@
           </a:lstStyle>
           <a:p>
             <a:r>
-              <a:rPr lang="en-US" sz="900" dirty="0" smtClean="0"/>
+              <a:rPr lang="en-US" sz="900" dirty="0"/>
               <a:t>6) Thumbprint check</a:t>
             </a:r>
             <a:endParaRPr lang="en-US" sz="900" dirty="0"/>
@@ -19981,7 +19935,7 @@
         </p:nvSpPr>
         <p:spPr>
           <a:xfrm>
-            <a:off x="3565595" y="4464581"/>
+            <a:off x="5089595" y="4464581"/>
             <a:ext cx="1152128" cy="369332"/>
           </a:xfrm>
           <a:prstGeom prst="rect">
@@ -20090,7 +20044,7 @@
           </a:lstStyle>
           <a:p>
             <a:r>
-              <a:rPr lang="en-US" sz="900" b="1" dirty="0" smtClean="0"/>
+              <a:rPr lang="en-US" sz="900" b="1" dirty="0"/>
               <a:t>7) Processed in DB procedures</a:t>
             </a:r>
             <a:endParaRPr lang="en-US" sz="900" b="1" dirty="0"/>
@@ -20105,7 +20059,7 @@
         </p:nvSpPr>
         <p:spPr>
           <a:xfrm>
-            <a:off x="4568801" y="2241625"/>
+            <a:off x="6092801" y="2241625"/>
             <a:ext cx="1229042" cy="261610"/>
           </a:xfrm>
           <a:prstGeom prst="rect">
@@ -20214,7 +20168,7 @@
           </a:lstStyle>
           <a:p>
             <a:r>
-              <a:rPr lang="en-US" sz="1100" b="1" dirty="0" smtClean="0"/>
+              <a:rPr lang="en-US" sz="1100" b="1" dirty="0"/>
               <a:t>Security filters</a:t>
             </a:r>
             <a:endParaRPr lang="en-US" sz="1100" b="1" dirty="0"/>
@@ -20229,7 +20183,7 @@
         </p:nvSpPr>
         <p:spPr>
           <a:xfrm flipH="1" flipV="1">
-            <a:off x="4158751" y="2517471"/>
+            <a:off x="5682752" y="2517471"/>
             <a:ext cx="792087" cy="1872208"/>
           </a:xfrm>
           <a:prstGeom prst="bentArrow">
@@ -20378,7 +20332,7 @@
         </p:nvSpPr>
         <p:spPr>
           <a:xfrm>
-            <a:off x="5581819" y="4461687"/>
+            <a:off x="7105819" y="4461688"/>
             <a:ext cx="1080120" cy="507831"/>
           </a:xfrm>
           <a:prstGeom prst="rect">
@@ -20487,7 +20441,7 @@
           </a:lstStyle>
           <a:p>
             <a:r>
-              <a:rPr lang="en-US" sz="900" b="1" dirty="0" smtClean="0"/>
+              <a:rPr lang="en-US" sz="900" b="1" dirty="0"/>
               <a:t>9)  Penalized and Recorded in the blacklist</a:t>
             </a:r>
             <a:endParaRPr lang="en-US" sz="900" b="1" dirty="0"/>
@@ -20502,7 +20456,7 @@
         </p:nvSpPr>
         <p:spPr>
           <a:xfrm>
-            <a:off x="4141659" y="3984053"/>
+            <a:off x="5665659" y="3984053"/>
             <a:ext cx="665164" cy="261610"/>
           </a:xfrm>
           <a:prstGeom prst="rect">
@@ -20611,7 +20565,7 @@
           </a:lstStyle>
           <a:p>
             <a:r>
-              <a:rPr lang="en-US" sz="1100" b="1" dirty="0" smtClean="0">
+              <a:rPr lang="en-US" sz="1100" b="1" dirty="0">
                 <a:solidFill>
                   <a:schemeClr val="accent3">
                     <a:lumMod val="50000"/>
@@ -20638,7 +20592,7 @@
         </p:nvSpPr>
         <p:spPr>
           <a:xfrm>
-            <a:off x="5179049" y="3012981"/>
+            <a:off x="6703049" y="3012981"/>
             <a:ext cx="1656184" cy="369332"/>
           </a:xfrm>
           <a:prstGeom prst="rect">
@@ -20747,7 +20701,7 @@
           </a:lstStyle>
           <a:p>
             <a:r>
-              <a:rPr lang="en-US" sz="900" dirty="0" smtClean="0"/>
+              <a:rPr lang="en-US" sz="900" dirty="0"/>
               <a:t>5) Platform-specific ticketing authentication</a:t>
             </a:r>
             <a:endParaRPr lang="en-US" sz="900" dirty="0"/>
@@ -20762,7 +20716,7 @@
         </p:nvSpPr>
         <p:spPr>
           <a:xfrm>
-            <a:off x="3122627" y="2013415"/>
+            <a:off x="4646627" y="2013416"/>
             <a:ext cx="1440160" cy="646331"/>
           </a:xfrm>
           <a:prstGeom prst="rect">
@@ -20871,13 +20825,13 @@
           </a:lstStyle>
           <a:p>
             <a:r>
-              <a:rPr lang="en-US" sz="900" dirty="0" smtClean="0"/>
+              <a:rPr lang="en-US" sz="900" dirty="0"/>
               <a:t>7) Binary sanitization</a:t>
             </a:r>
           </a:p>
           <a:p>
             <a:r>
-              <a:rPr lang="en-US" sz="900" dirty="0" smtClean="0"/>
+              <a:rPr lang="en-US" sz="900" dirty="0"/>
               <a:t> Verify that binary format is authentic to guarantee the DB integrity.</a:t>
             </a:r>
             <a:endParaRPr lang="en-US" sz="900" dirty="0"/>
@@ -20892,7 +20846,7 @@
         </p:nvSpPr>
         <p:spPr>
           <a:xfrm flipV="1">
-            <a:off x="4997209" y="2517471"/>
+            <a:off x="6521209" y="2517471"/>
             <a:ext cx="817726" cy="1872208"/>
           </a:xfrm>
           <a:prstGeom prst="bentArrow">
@@ -21039,7 +20993,7 @@
         </p:nvSpPr>
         <p:spPr>
           <a:xfrm flipH="1">
-            <a:off x="3611965" y="4173655"/>
+            <a:off x="5135965" y="4173655"/>
             <a:ext cx="504056" cy="288032"/>
           </a:xfrm>
           <a:prstGeom prst="rightArrow">
@@ -21179,7 +21133,7 @@
         </p:nvSpPr>
         <p:spPr>
           <a:xfrm flipH="1">
-            <a:off x="2773507" y="4173655"/>
+            <a:off x="4297507" y="4173655"/>
             <a:ext cx="792088" cy="288032"/>
           </a:xfrm>
           <a:prstGeom prst="rightArrow">
@@ -21319,7 +21273,7 @@
         </p:nvSpPr>
         <p:spPr>
           <a:xfrm>
-            <a:off x="2053427" y="4473873"/>
+            <a:off x="3577427" y="4473873"/>
             <a:ext cx="1152128" cy="230832"/>
           </a:xfrm>
           <a:prstGeom prst="rect">
@@ -21428,7 +21382,7 @@
           </a:lstStyle>
           <a:p>
             <a:r>
-              <a:rPr lang="en-US" sz="900" b="1" dirty="0" smtClean="0"/>
+              <a:rPr lang="en-US" sz="900" b="1" dirty="0"/>
               <a:t>8) Outbound packet</a:t>
             </a:r>
             <a:endParaRPr lang="en-US" sz="900" b="1" dirty="0"/>
@@ -21443,7 +21397,7 @@
         </p:nvSpPr>
         <p:spPr>
           <a:xfrm>
-            <a:off x="5869851" y="4173655"/>
+            <a:off x="7393851" y="4173655"/>
             <a:ext cx="432048" cy="288032"/>
           </a:xfrm>
           <a:prstGeom prst="rightArrow">
@@ -21581,7 +21535,7 @@
         </p:nvSpPr>
         <p:spPr>
           <a:xfrm>
-            <a:off x="6373907" y="4173655"/>
+            <a:off x="7897907" y="4173655"/>
             <a:ext cx="792088" cy="288032"/>
           </a:xfrm>
           <a:prstGeom prst="rightArrow">
@@ -21719,7 +21673,7 @@
         </p:nvSpPr>
         <p:spPr>
           <a:xfrm>
-            <a:off x="6517923" y="4461687"/>
+            <a:off x="8041923" y="4461688"/>
             <a:ext cx="1152128" cy="507831"/>
           </a:xfrm>
           <a:prstGeom prst="rect">
@@ -21828,7 +21782,7 @@
           </a:lstStyle>
           <a:p>
             <a:r>
-              <a:rPr lang="en-US" sz="900" b="1" dirty="0" smtClean="0"/>
+              <a:rPr lang="en-US" sz="900" b="1" dirty="0"/>
               <a:t>11) recorded in DB log or local system’s log file</a:t>
             </a:r>
             <a:endParaRPr lang="en-US" sz="900" b="1" dirty="0"/>
@@ -21843,7 +21797,7 @@
         </p:nvSpPr>
         <p:spPr>
           <a:xfrm flipH="1" flipV="1">
-            <a:off x="4190117" y="4071103"/>
+            <a:off x="5714117" y="4071103"/>
             <a:ext cx="866914" cy="1296144"/>
           </a:xfrm>
           <a:prstGeom prst="bentArrow">
@@ -21990,7 +21944,7 @@
         </p:nvSpPr>
         <p:spPr>
           <a:xfrm flipH="1">
-            <a:off x="2773507" y="5109759"/>
+            <a:off x="4297507" y="5109759"/>
             <a:ext cx="1368152" cy="288032"/>
           </a:xfrm>
           <a:prstGeom prst="rightArrow">
@@ -22128,7 +22082,7 @@
         </p:nvSpPr>
         <p:spPr>
           <a:xfrm>
-            <a:off x="2773507" y="5397791"/>
+            <a:off x="4297507" y="5397791"/>
             <a:ext cx="1584176" cy="784830"/>
           </a:xfrm>
           <a:prstGeom prst="rect">
@@ -22237,7 +22191,7 @@
           </a:lstStyle>
           <a:p>
             <a:r>
-              <a:rPr lang="en-US" sz="900" b="1" dirty="0" smtClean="0"/>
+              <a:rPr lang="en-US" sz="900" b="1" dirty="0"/>
               <a:t>10) Send back error code to client in some packets to redirect  users to customer help desk just in case it’s from authentic source</a:t>
             </a:r>
             <a:endParaRPr lang="en-US" sz="900" b="1" dirty="0"/>
@@ -22252,7 +22206,7 @@
         </p:nvSpPr>
         <p:spPr>
           <a:xfrm>
-            <a:off x="5221779" y="3957631"/>
+            <a:off x="6745779" y="3957631"/>
             <a:ext cx="576064" cy="261610"/>
           </a:xfrm>
           <a:prstGeom prst="rect">
@@ -22361,7 +22315,7 @@
           </a:lstStyle>
           <a:p>
             <a:r>
-              <a:rPr lang="en-US" sz="1100" b="1" dirty="0" smtClean="0">
+              <a:rPr lang="en-US" sz="1100" b="1" dirty="0">
                 <a:solidFill>
                   <a:srgbClr val="C00000"/>
                 </a:solidFill>
@@ -22384,7 +22338,7 @@
         </p:nvSpPr>
         <p:spPr>
           <a:xfrm>
-            <a:off x="1473949" y="675379"/>
+            <a:off x="2997949" y="675380"/>
             <a:ext cx="3391204" cy="307777"/>
           </a:xfrm>
           <a:prstGeom prst="rect">
@@ -22493,7 +22447,7 @@
           <a:p>
             <a:pPr fontAlgn="ctr"/>
             <a:r>
-              <a:rPr lang="en-AU" sz="1400" b="1" dirty="0" smtClean="0">
+              <a:rPr lang="en-AU" sz="1400" b="1" dirty="0">
                 <a:solidFill>
                   <a:srgbClr val="000000"/>
                 </a:solidFill>
@@ -22568,7 +22522,7 @@
         </p:blipFill>
         <p:spPr bwMode="auto">
           <a:xfrm>
-            <a:off x="827584" y="1448780"/>
+            <a:off x="2351584" y="1448780"/>
             <a:ext cx="6504984" cy="5256584"/>
           </a:xfrm>
           <a:prstGeom prst="rect">
@@ -22607,7 +22561,7 @@
         </p:nvSpPr>
         <p:spPr>
           <a:xfrm>
-            <a:off x="611560" y="152636"/>
+            <a:off x="2135560" y="152636"/>
             <a:ext cx="7920880" cy="1154162"/>
           </a:xfrm>
           <a:prstGeom prst="rect">
@@ -22716,7 +22670,7 @@
           <a:p>
             <a:pPr fontAlgn="ctr"/>
             <a:r>
-              <a:rPr lang="en-AU" sz="1400" b="1" dirty="0" smtClean="0">
+              <a:rPr lang="en-AU" sz="1400" b="1" dirty="0">
                 <a:solidFill>
                   <a:srgbClr val="000000"/>
                 </a:solidFill>
@@ -22750,7 +22704,7 @@
               <a:t>The referenced algorithm is ‘An Anti-Replay Window Protocol with Controlled Shift’. It’s not perfect defence against packet replay attack, but it was a reasonably efficient solution</a:t>
             </a:r>
             <a:r>
-              <a:rPr lang="en-AU" sz="1100" dirty="0" smtClean="0"/>
+              <a:rPr lang="en-AU" sz="1100" dirty="0"/>
               <a:t>.</a:t>
             </a:r>
             <a:endParaRPr lang="en-AU" sz="1400" b="1" dirty="0">
@@ -22806,7 +22760,7 @@
         </p:nvSpPr>
         <p:spPr>
           <a:xfrm>
-            <a:off x="2240556" y="2163813"/>
+            <a:off x="3764556" y="2163814"/>
             <a:ext cx="3071834" cy="3194937"/>
           </a:xfrm>
           <a:prstGeom prst="ellipse">
@@ -22939,7 +22893,7 @@
         </p:nvGrpSpPr>
         <p:grpSpPr>
           <a:xfrm>
-            <a:off x="3669315" y="3599276"/>
+            <a:off x="5193316" y="3599277"/>
             <a:ext cx="142875" cy="357191"/>
             <a:chOff x="428596" y="928670"/>
             <a:chExt cx="364810" cy="1071570"/>
@@ -23740,7 +23694,7 @@
         </p:nvGrpSpPr>
         <p:grpSpPr>
           <a:xfrm>
-            <a:off x="4669447" y="4235516"/>
+            <a:off x="6193448" y="4235517"/>
             <a:ext cx="142875" cy="357191"/>
             <a:chOff x="428596" y="928670"/>
             <a:chExt cx="364810" cy="1071570"/>
@@ -24541,7 +24495,7 @@
         </p:nvSpPr>
         <p:spPr>
           <a:xfrm>
-            <a:off x="4883762" y="5235647"/>
+            <a:off x="6407762" y="5235647"/>
             <a:ext cx="1643074" cy="714380"/>
           </a:xfrm>
           <a:prstGeom prst="wedgeRoundRectCallout">
@@ -24669,13 +24623,13 @@
               <a:buChar char="-"/>
             </a:pPr>
             <a:r>
-              <a:rPr lang="en-US" sz="800" b="1" dirty="0" smtClean="0"/>
+              <a:rPr lang="en-US" sz="800" b="1" dirty="0"/>
               <a:t> Escaping radius:</a:t>
             </a:r>
           </a:p>
           <a:p>
             <a:r>
-              <a:rPr lang="en-US" sz="800" b="1" dirty="0" smtClean="0"/>
+              <a:rPr lang="en-US" sz="800" b="1" dirty="0"/>
               <a:t>For certain time duration, player should keep distance from chasers to succeed the quest.</a:t>
             </a:r>
           </a:p>
@@ -24691,7 +24645,7 @@
         </p:nvCxnSpPr>
         <p:spPr>
           <a:xfrm>
-            <a:off x="3812192" y="3949763"/>
+            <a:off x="5336192" y="3949764"/>
             <a:ext cx="893006" cy="446305"/>
           </a:xfrm>
           <a:prstGeom prst="line">
@@ -24726,7 +24680,7 @@
         </p:nvSpPr>
         <p:spPr>
           <a:xfrm>
-            <a:off x="5741018" y="3735449"/>
+            <a:off x="7265018" y="3735449"/>
             <a:ext cx="1643074" cy="1143008"/>
           </a:xfrm>
           <a:prstGeom prst="wedgeRoundRectCallout">
@@ -24850,7 +24804,7 @@
           </a:lstStyle>
           <a:p>
             <a:r>
-              <a:rPr lang="en-US" sz="1200" b="1" dirty="0" smtClean="0"/>
+              <a:rPr lang="en-US" sz="1200" b="1" dirty="0"/>
               <a:t>3.</a:t>
             </a:r>
           </a:p>
@@ -24860,7 +24814,7 @@
               <a:buChar char="-"/>
             </a:pPr>
             <a:r>
-              <a:rPr lang="en-US" sz="800" b="1" dirty="0" smtClean="0"/>
+              <a:rPr lang="en-US" sz="800" b="1" dirty="0"/>
               <a:t> Within the escaping limit distance, NPC chase the target player with normal speed.</a:t>
             </a:r>
           </a:p>
@@ -24870,7 +24824,7 @@
               <a:buChar char="-"/>
             </a:pPr>
             <a:r>
-              <a:rPr lang="en-US" sz="800" b="1" dirty="0" smtClean="0"/>
+              <a:rPr lang="en-US" sz="800" b="1" dirty="0"/>
               <a:t> But if the HP gets lower than 30%, it runs faster than normal speed.(“Berserker speed”)</a:t>
             </a:r>
           </a:p>
@@ -24884,7 +24838,7 @@
         </p:nvSpPr>
         <p:spPr>
           <a:xfrm>
-            <a:off x="2597746" y="2878193"/>
+            <a:off x="4121746" y="2878193"/>
             <a:ext cx="1357322" cy="642942"/>
           </a:xfrm>
           <a:prstGeom prst="wedgeRoundRectCallout">
@@ -25012,7 +24966,7 @@
               <a:buChar char="-"/>
             </a:pPr>
             <a:r>
-              <a:rPr lang="en-US" sz="800" b="1" dirty="0" smtClean="0"/>
+              <a:rPr lang="en-US" sz="800" b="1" dirty="0"/>
               <a:t> If chasing NPC threaten the player, player can defend itself by attacking NPC. </a:t>
             </a:r>
           </a:p>
@@ -25026,7 +24980,7 @@
         </p:nvSpPr>
         <p:spPr>
           <a:xfrm>
-            <a:off x="7526968" y="234987"/>
+            <a:off x="9050968" y="234987"/>
             <a:ext cx="357190" cy="357190"/>
           </a:xfrm>
           <a:prstGeom prst="noSmoking">
@@ -25164,7 +25118,7 @@
         </p:nvCxnSpPr>
         <p:spPr>
           <a:xfrm rot="5400000" flipH="1" flipV="1">
-            <a:off x="4106215" y="153725"/>
+            <a:off x="5630216" y="153725"/>
             <a:ext cx="3160895" cy="3680610"/>
           </a:xfrm>
           <a:prstGeom prst="curvedConnector4">
@@ -25202,7 +25156,7 @@
         </p:nvGrpSpPr>
         <p:grpSpPr>
           <a:xfrm>
-            <a:off x="2740621" y="5378524"/>
+            <a:off x="4264622" y="5378525"/>
             <a:ext cx="142875" cy="357191"/>
             <a:chOff x="428596" y="928670"/>
             <a:chExt cx="364810" cy="1071570"/>
@@ -26003,7 +25957,7 @@
         </p:nvGrpSpPr>
         <p:grpSpPr>
           <a:xfrm>
-            <a:off x="2954935" y="5449962"/>
+            <a:off x="4478936" y="5449963"/>
             <a:ext cx="142875" cy="357191"/>
             <a:chOff x="428596" y="928670"/>
             <a:chExt cx="364810" cy="1071570"/>
@@ -26804,7 +26758,7 @@
         </p:nvSpPr>
         <p:spPr>
           <a:xfrm>
-            <a:off x="3169250" y="5378523"/>
+            <a:off x="4693250" y="5378523"/>
             <a:ext cx="1357322" cy="1285884"/>
           </a:xfrm>
           <a:prstGeom prst="wedgeRoundRectCallout">
@@ -26928,7 +26882,7 @@
           </a:lstStyle>
           <a:p>
             <a:r>
-              <a:rPr lang="en-US" sz="1200" b="1" dirty="0" smtClean="0"/>
+              <a:rPr lang="en-US" sz="1200" b="1" dirty="0"/>
               <a:t>2.</a:t>
             </a:r>
           </a:p>
@@ -26938,7 +26892,7 @@
               <a:buChar char="-"/>
             </a:pPr>
             <a:r>
-              <a:rPr lang="en-US" sz="800" b="1" dirty="0" smtClean="0"/>
+              <a:rPr lang="en-US" sz="800" b="1" dirty="0"/>
               <a:t> If NPCs are outside the escaping radius for certain time limit,  mission will succeed.</a:t>
             </a:r>
           </a:p>
@@ -26948,7 +26902,7 @@
               <a:buChar char="-"/>
             </a:pPr>
             <a:r>
-              <a:rPr lang="en-US" sz="800" b="1" dirty="0" smtClean="0"/>
+              <a:rPr lang="en-US" sz="800" b="1" dirty="0"/>
               <a:t> NPC use “boost-up” speed to catch up the player if it gets too far away from.</a:t>
             </a:r>
           </a:p>
@@ -26964,7 +26918,7 @@
         </p:nvCxnSpPr>
         <p:spPr>
           <a:xfrm rot="5400000">
-            <a:off x="2469786" y="4252079"/>
+            <a:off x="3993786" y="4252079"/>
             <a:ext cx="1573286" cy="825778"/>
           </a:xfrm>
           <a:prstGeom prst="line">
@@ -26999,7 +26953,7 @@
         </p:nvSpPr>
         <p:spPr>
           <a:xfrm>
-            <a:off x="3883630" y="4949895"/>
+            <a:off x="5407630" y="4949896"/>
             <a:ext cx="1553630" cy="246221"/>
           </a:xfrm>
           <a:prstGeom prst="rect">
@@ -27108,7 +27062,7 @@
           </a:lstStyle>
           <a:p>
             <a:r>
-              <a:rPr lang="en-US" sz="1000" b="1" u="sng" dirty="0" smtClean="0">
+              <a:rPr lang="en-US" sz="1000" b="1" u="sng" dirty="0">
                 <a:solidFill>
                   <a:schemeClr val="tx2"/>
                 </a:solidFill>
@@ -27131,7 +27085,7 @@
         </p:nvCxnSpPr>
         <p:spPr>
           <a:xfrm rot="5400000">
-            <a:off x="2645496" y="4402079"/>
+            <a:off x="4169496" y="4402079"/>
             <a:ext cx="1500198" cy="595566"/>
           </a:xfrm>
           <a:prstGeom prst="line">
@@ -27166,7 +27120,7 @@
         </p:nvSpPr>
         <p:spPr>
           <a:xfrm>
-            <a:off x="7384092" y="592177"/>
+            <a:off x="8908093" y="592177"/>
             <a:ext cx="790601" cy="215444"/>
           </a:xfrm>
           <a:prstGeom prst="rect">
@@ -27275,7 +27229,7 @@
           </a:lstStyle>
           <a:p>
             <a:r>
-              <a:rPr lang="en-US" sz="800" b="1" dirty="0" smtClean="0"/>
+              <a:rPr lang="en-US" sz="800" b="1" dirty="0"/>
               <a:t>Target point A</a:t>
             </a:r>
             <a:endParaRPr lang="en-SG" sz="800" b="1" dirty="0"/>
@@ -27290,7 +27244,7 @@
         </p:nvSpPr>
         <p:spPr>
           <a:xfrm>
-            <a:off x="6098208" y="877929"/>
+            <a:off x="7622208" y="877929"/>
             <a:ext cx="1357322" cy="1785104"/>
           </a:xfrm>
           <a:prstGeom prst="rect">
@@ -27399,44 +27353,44 @@
           </a:lstStyle>
           <a:p>
             <a:r>
-              <a:rPr lang="en-US" sz="1400" b="1" i="1" dirty="0" smtClean="0"/>
+              <a:rPr lang="en-US" sz="1400" b="1" i="1" dirty="0"/>
               <a:t>Pattern A</a:t>
             </a:r>
           </a:p>
           <a:p>
             <a:r>
-              <a:rPr lang="en-US" sz="800" b="1" dirty="0" smtClean="0"/>
+              <a:rPr lang="en-US" sz="800" b="1" dirty="0"/>
               <a:t>(Destination point</a:t>
             </a:r>
           </a:p>
           <a:p>
             <a:r>
-              <a:rPr lang="en-US" sz="800" b="1" dirty="0" smtClean="0"/>
+              <a:rPr lang="en-US" sz="800" b="1" dirty="0"/>
               <a:t>+ Time Limit)</a:t>
             </a:r>
-            <a:endParaRPr lang="en-US" sz="1400" b="1" i="1" dirty="0" smtClean="0"/>
-          </a:p>
-          <a:p>
-            <a:endParaRPr lang="en-US" sz="800" b="1" dirty="0" smtClean="0"/>
-          </a:p>
-          <a:p>
-            <a:r>
-              <a:rPr lang="en-US" sz="800" b="1" dirty="0" smtClean="0"/>
+            <a:endParaRPr lang="en-US" sz="1400" b="1" i="1" dirty="0"/>
+          </a:p>
+          <a:p>
+            <a:endParaRPr lang="en-US" sz="800" b="1" dirty="0"/>
+          </a:p>
+          <a:p>
+            <a:r>
+              <a:rPr lang="en-US" sz="800" b="1" dirty="0"/>
               <a:t> - Player should escape from chasing NPCs before reaching the target point A.</a:t>
             </a:r>
           </a:p>
           <a:p>
-            <a:endParaRPr lang="en-US" sz="800" b="1" dirty="0" smtClean="0"/>
-          </a:p>
-          <a:p>
-            <a:r>
-              <a:rPr lang="en-US" sz="800" b="1" dirty="0" smtClean="0"/>
+            <a:endParaRPr lang="en-US" sz="800" b="1" dirty="0"/>
+          </a:p>
+          <a:p>
+            <a:r>
+              <a:rPr lang="en-US" sz="800" b="1" dirty="0"/>
               <a:t>- Quest complete condition:</a:t>
             </a:r>
           </a:p>
           <a:p>
             <a:r>
-              <a:rPr lang="en-US" sz="800" b="1" dirty="0" smtClean="0"/>
+              <a:rPr lang="en-US" sz="800" b="1" dirty="0"/>
               <a:t> player should keep distance from NPCs before  he reaches the target point A.</a:t>
             </a:r>
             <a:endParaRPr lang="en-SG" sz="800" b="1" dirty="0"/>
@@ -27451,7 +27405,7 @@
         </p:nvSpPr>
         <p:spPr>
           <a:xfrm>
-            <a:off x="2101034" y="949367"/>
+            <a:off x="3625035" y="949367"/>
             <a:ext cx="2704089" cy="2610330"/>
           </a:xfrm>
           <a:custGeom>
@@ -27676,7 +27630,7 @@
         </p:nvSpPr>
         <p:spPr>
           <a:xfrm>
-            <a:off x="4026506" y="520739"/>
+            <a:off x="5550506" y="520740"/>
             <a:ext cx="1357322" cy="1661993"/>
           </a:xfrm>
           <a:prstGeom prst="rect">
@@ -27785,34 +27739,34 @@
           </a:lstStyle>
           <a:p>
             <a:r>
-              <a:rPr lang="en-US" sz="1400" b="1" i="1" dirty="0" smtClean="0"/>
+              <a:rPr lang="en-US" sz="1400" b="1" i="1" dirty="0"/>
               <a:t>Pattern B</a:t>
             </a:r>
-            <a:endParaRPr lang="en-US" sz="800" b="1" dirty="0" smtClean="0"/>
-          </a:p>
-          <a:p>
-            <a:r>
-              <a:rPr lang="en-US" sz="800" b="1" dirty="0" smtClean="0"/>
+            <a:endParaRPr lang="en-US" sz="800" b="1" dirty="0"/>
+          </a:p>
+          <a:p>
+            <a:r>
+              <a:rPr lang="en-US" sz="800" b="1" dirty="0"/>
               <a:t>(No destination point</a:t>
             </a:r>
           </a:p>
           <a:p>
             <a:r>
-              <a:rPr lang="en-US" sz="800" b="1" dirty="0" smtClean="0"/>
+              <a:rPr lang="en-US" sz="800" b="1" dirty="0"/>
               <a:t>+ Time Limit)</a:t>
             </a:r>
           </a:p>
           <a:p>
-            <a:endParaRPr lang="en-US" sz="800" b="1" dirty="0" smtClean="0"/>
-          </a:p>
-          <a:p>
-            <a:r>
-              <a:rPr lang="en-US" sz="800" b="1" dirty="0" smtClean="0"/>
+            <a:endParaRPr lang="en-US" sz="800" b="1" dirty="0"/>
+          </a:p>
+          <a:p>
+            <a:r>
+              <a:rPr lang="en-US" sz="800" b="1" dirty="0"/>
               <a:t> -  Player work or run randomly to flee away from spawned NPCs.</a:t>
             </a:r>
           </a:p>
           <a:p>
-            <a:endParaRPr lang="en-US" sz="800" b="1" dirty="0" smtClean="0"/>
+            <a:endParaRPr lang="en-US" sz="800" b="1" dirty="0"/>
           </a:p>
           <a:p>
             <a:pPr>
@@ -27820,13 +27774,13 @@
               <a:buChar char="-"/>
             </a:pPr>
             <a:r>
-              <a:rPr lang="en-US" sz="800" b="1" dirty="0" smtClean="0"/>
+              <a:rPr lang="en-US" sz="800" b="1" dirty="0"/>
               <a:t> Quest complete condition:</a:t>
             </a:r>
           </a:p>
           <a:p>
             <a:r>
-              <a:rPr lang="en-US" sz="800" b="1" dirty="0" smtClean="0"/>
+              <a:rPr lang="en-US" sz="800" b="1" dirty="0"/>
               <a:t> player should keep distance from NPCs for certain time limit.</a:t>
             </a:r>
             <a:endParaRPr lang="en-SG" sz="800" b="1" dirty="0"/>
@@ -27841,7 +27795,7 @@
         </p:nvSpPr>
         <p:spPr>
           <a:xfrm>
-            <a:off x="4740886" y="4378391"/>
+            <a:off x="6264886" y="4378391"/>
             <a:ext cx="686406" cy="338554"/>
           </a:xfrm>
           <a:prstGeom prst="rect">
@@ -27949,7 +27903,7 @@
           </a:lstStyle>
           <a:p>
             <a:r>
-              <a:rPr lang="en-GB" sz="800" b="1" dirty="0" smtClean="0">
+              <a:rPr lang="en-GB" sz="800" b="1" dirty="0">
                 <a:solidFill>
                   <a:srgbClr val="FF0000"/>
                 </a:solidFill>
@@ -27959,7 +27913,7 @@
           </a:p>
           <a:p>
             <a:r>
-              <a:rPr lang="en-GB" sz="800" b="1" dirty="0" smtClean="0">
+              <a:rPr lang="en-GB" sz="800" b="1" dirty="0">
                 <a:solidFill>
                   <a:srgbClr val="FF0000"/>
                 </a:solidFill>
@@ -27982,7 +27936,7 @@
         </p:nvSpPr>
         <p:spPr>
           <a:xfrm>
-            <a:off x="2151150" y="5592837"/>
+            <a:off x="3675151" y="5592837"/>
             <a:ext cx="681597" cy="215444"/>
           </a:xfrm>
           <a:prstGeom prst="rect">
@@ -28090,7 +28044,7 @@
           </a:lstStyle>
           <a:p>
             <a:r>
-              <a:rPr lang="en-SG" sz="800" dirty="0" smtClean="0">
+              <a:rPr lang="en-SG" sz="800" dirty="0">
                 <a:solidFill>
                   <a:srgbClr val="FF0000"/>
                 </a:solidFill>
@@ -28113,7 +28067,7 @@
         </p:nvSpPr>
         <p:spPr>
           <a:xfrm>
-            <a:off x="2294026" y="5734583"/>
+            <a:off x="3818027" y="5734583"/>
             <a:ext cx="681597" cy="215444"/>
           </a:xfrm>
           <a:prstGeom prst="rect">
@@ -28221,7 +28175,7 @@
           </a:lstStyle>
           <a:p>
             <a:r>
-              <a:rPr lang="en-SG" sz="800" dirty="0" smtClean="0">
+              <a:rPr lang="en-SG" sz="800" dirty="0">
                 <a:solidFill>
                   <a:srgbClr val="FF0000"/>
                 </a:solidFill>
@@ -28244,7 +28198,7 @@
         </p:nvSpPr>
         <p:spPr>
           <a:xfrm>
-            <a:off x="3740754" y="3735449"/>
+            <a:off x="5264755" y="3735449"/>
             <a:ext cx="846707" cy="215444"/>
           </a:xfrm>
           <a:prstGeom prst="rect">
@@ -28352,7 +28306,7 @@
           </a:lstStyle>
           <a:p>
             <a:r>
-              <a:rPr lang="en-US" sz="800" b="1" dirty="0" smtClean="0"/>
+              <a:rPr lang="en-US" sz="800" b="1" dirty="0"/>
               <a:t>Player(escaper)</a:t>
             </a:r>
             <a:endParaRPr lang="en-SG" sz="800" b="1" dirty="0"/>
@@ -28367,7 +28321,7 @@
         </p:nvGrpSpPr>
         <p:grpSpPr>
           <a:xfrm>
-            <a:off x="2883497" y="3806888"/>
+            <a:off x="4407498" y="3806889"/>
             <a:ext cx="142875" cy="357191"/>
             <a:chOff x="428596" y="928670"/>
             <a:chExt cx="364810" cy="1071570"/>
@@ -29168,7 +29122,7 @@
         </p:nvCxnSpPr>
         <p:spPr>
           <a:xfrm rot="5400000">
-            <a:off x="2776341" y="3824508"/>
+            <a:off x="4300341" y="3824508"/>
             <a:ext cx="357190" cy="285752"/>
           </a:xfrm>
           <a:prstGeom prst="line">
@@ -29198,7 +29152,7 @@
         </p:nvCxnSpPr>
         <p:spPr>
           <a:xfrm rot="16200000" flipH="1">
-            <a:off x="2771102" y="3847845"/>
+            <a:off x="4295102" y="3847845"/>
             <a:ext cx="333376" cy="251460"/>
           </a:xfrm>
           <a:prstGeom prst="line">
@@ -29228,7 +29182,7 @@
         </p:nvSpPr>
         <p:spPr>
           <a:xfrm>
-            <a:off x="1811928" y="3664011"/>
+            <a:off x="3335929" y="3664011"/>
             <a:ext cx="681597" cy="338554"/>
           </a:xfrm>
           <a:prstGeom prst="rect">
@@ -29336,7 +29290,7 @@
           </a:lstStyle>
           <a:p>
             <a:r>
-              <a:rPr lang="en-GB" sz="800" b="1" i="1" dirty="0" smtClean="0">
+              <a:rPr lang="en-GB" sz="800" b="1" i="1" dirty="0">
                 <a:solidFill>
                   <a:srgbClr val="FF0000"/>
                 </a:solidFill>
@@ -29346,7 +29300,7 @@
           </a:p>
           <a:p>
             <a:r>
-              <a:rPr lang="en-GB" sz="800" b="1" i="1" dirty="0" smtClean="0">
+              <a:rPr lang="en-GB" sz="800" b="1" i="1" dirty="0">
                 <a:solidFill>
                   <a:srgbClr val="FF0000"/>
                 </a:solidFill>
@@ -29364,7 +29318,7 @@
         </p:nvCxnSpPr>
         <p:spPr>
           <a:xfrm rot="10800000" flipV="1">
-            <a:off x="3026374" y="3735449"/>
+            <a:off x="4550374" y="3735449"/>
             <a:ext cx="571504" cy="214314"/>
           </a:xfrm>
           <a:prstGeom prst="straightConnector1">
@@ -29397,7 +29351,7 @@
         </p:nvSpPr>
         <p:spPr>
           <a:xfrm rot="20562863">
-            <a:off x="3121953" y="3645473"/>
+            <a:off x="4645953" y="3645473"/>
             <a:ext cx="450764" cy="215444"/>
           </a:xfrm>
           <a:prstGeom prst="rect">
@@ -29505,7 +29459,7 @@
           </a:lstStyle>
           <a:p>
             <a:r>
-              <a:rPr lang="en-US" sz="800" b="1" dirty="0" smtClean="0"/>
+              <a:rPr lang="en-US" sz="800" b="1" dirty="0"/>
               <a:t>attack</a:t>
             </a:r>
             <a:endParaRPr lang="en-SG" sz="800" b="1" dirty="0"/>
@@ -29520,7 +29474,7 @@
         </p:nvSpPr>
         <p:spPr>
           <a:xfrm>
-            <a:off x="1240424" y="4092639"/>
+            <a:off x="2764424" y="4092639"/>
             <a:ext cx="1357322" cy="1214446"/>
           </a:xfrm>
           <a:prstGeom prst="wedgeRoundRectCallout">
@@ -29644,7 +29598,7 @@
           </a:lstStyle>
           <a:p>
             <a:r>
-              <a:rPr lang="en-US" sz="1200" b="1" dirty="0" smtClean="0"/>
+              <a:rPr lang="en-US" sz="1200" b="1" dirty="0"/>
               <a:t>1. </a:t>
             </a:r>
           </a:p>
@@ -29654,7 +29608,7 @@
               <a:buChar char="-"/>
             </a:pPr>
             <a:r>
-              <a:rPr lang="en-US" sz="800" b="1" dirty="0" smtClean="0"/>
+              <a:rPr lang="en-US" sz="800" b="1" dirty="0"/>
               <a:t> NPC choose whether it fights the player back or run away based on configuration.</a:t>
             </a:r>
           </a:p>
@@ -29664,7 +29618,7 @@
               <a:buChar char="-"/>
             </a:pPr>
             <a:r>
-              <a:rPr lang="en-US" sz="800" b="1" dirty="0" smtClean="0"/>
+              <a:rPr lang="en-US" sz="800" b="1" dirty="0"/>
               <a:t> If NPC get killed, it’s regenerated after certain duration.</a:t>
             </a:r>
           </a:p>
@@ -29678,7 +29632,7 @@
         </p:nvSpPr>
         <p:spPr>
           <a:xfrm rot="20562863">
-            <a:off x="2612466" y="4164626"/>
+            <a:off x="4136467" y="4164626"/>
             <a:ext cx="607859" cy="338554"/>
           </a:xfrm>
           <a:prstGeom prst="rect">
@@ -29786,13 +29740,13 @@
           </a:lstStyle>
           <a:p>
             <a:r>
-              <a:rPr lang="en-US" sz="800" b="1" i="1" dirty="0" smtClean="0"/>
+              <a:rPr lang="en-US" sz="800" b="1" i="1" dirty="0"/>
               <a:t>Fight (or)</a:t>
             </a:r>
           </a:p>
           <a:p>
             <a:r>
-              <a:rPr lang="en-US" sz="800" b="1" i="1" dirty="0" smtClean="0"/>
+              <a:rPr lang="en-US" sz="800" b="1" i="1" dirty="0"/>
               <a:t>Run away</a:t>
             </a:r>
             <a:endParaRPr lang="en-SG" sz="800" b="1" i="1" dirty="0"/>
@@ -29807,7 +29761,7 @@
         </p:nvGrpSpPr>
         <p:grpSpPr>
           <a:xfrm>
-            <a:off x="4598003" y="4130739"/>
+            <a:off x="6122003" y="4130740"/>
             <a:ext cx="357188" cy="71437"/>
             <a:chOff x="3571869" y="4214819"/>
             <a:chExt cx="428627" cy="71437"/>
@@ -30094,7 +30048,7 @@
         </p:nvSpPr>
         <p:spPr>
           <a:xfrm rot="17660458">
-            <a:off x="3281910" y="4455267"/>
+            <a:off x="4805910" y="4455268"/>
             <a:ext cx="484428" cy="246221"/>
           </a:xfrm>
           <a:prstGeom prst="rect">
@@ -30202,7 +30156,7 @@
           </a:lstStyle>
           <a:p>
             <a:r>
-              <a:rPr lang="en-US" sz="1000" b="1" dirty="0" smtClean="0">
+              <a:rPr lang="en-US" sz="1000" b="1" dirty="0">
                 <a:solidFill>
                   <a:schemeClr val="tx2"/>
                 </a:solidFill>
@@ -30225,7 +30179,7 @@
         </p:nvSpPr>
         <p:spPr>
           <a:xfrm>
-            <a:off x="969306" y="193594"/>
+            <a:off x="2493306" y="193595"/>
             <a:ext cx="2914324" cy="307777"/>
           </a:xfrm>
           <a:prstGeom prst="rect">
@@ -30334,7 +30288,7 @@
           </a:lstStyle>
           <a:p>
             <a:r>
-              <a:rPr lang="en-US" sz="1400" b="1" dirty="0" smtClean="0"/>
+              <a:rPr lang="en-US" sz="1400" b="1" dirty="0"/>
               <a:t>Avoid Quest AI logic implementation</a:t>
             </a:r>
             <a:endParaRPr lang="en-SG" sz="1400" b="1" dirty="0"/>
@@ -30345,6 +30299,4542 @@
     <p:extLst>
       <p:ext uri="{BB962C8B-B14F-4D97-AF65-F5344CB8AC3E}">
         <p14:creationId xmlns:p14="http://schemas.microsoft.com/office/powerpoint/2010/main" val="2492900438"/>
+      </p:ext>
+    </p:extLst>
+  </p:cSld>
+  <p:clrMapOvr>
+    <a:masterClrMapping/>
+  </p:clrMapOvr>
+  <p:timing>
+    <p:tnLst>
+      <p:par>
+        <p:cTn id="1" dur="indefinite" restart="never" nodeType="tmRoot"/>
+      </p:par>
+    </p:tnLst>
+  </p:timing>
+</p:sld>
+</file>
+
+<file path=ppt/slides/slide8.xml><?xml version="1.0" encoding="utf-8"?>
+<p:sld xmlns:a="http://schemas.openxmlformats.org/drawingml/2006/main" xmlns:r="http://schemas.openxmlformats.org/officeDocument/2006/relationships" xmlns:p="http://schemas.openxmlformats.org/presentationml/2006/main">
+  <p:cSld>
+    <p:spTree>
+      <p:nvGrpSpPr>
+        <p:cNvPr id="1" name=""/>
+        <p:cNvGrpSpPr/>
+        <p:nvPr/>
+      </p:nvGrpSpPr>
+      <p:grpSpPr>
+        <a:xfrm>
+          <a:off x="0" y="0"/>
+          <a:ext cx="0" cy="0"/>
+          <a:chOff x="0" y="0"/>
+          <a:chExt cx="0" cy="0"/>
+        </a:xfrm>
+      </p:grpSpPr>
+      <p:pic>
+        <p:nvPicPr>
+          <p:cNvPr id="2" name="Picture 1"/>
+          <p:cNvPicPr>
+            <a:picLocks noChangeAspect="1"/>
+          </p:cNvPicPr>
+          <p:nvPr/>
+        </p:nvPicPr>
+        <p:blipFill>
+          <a:blip r:embed="rId2"/>
+          <a:stretch>
+            <a:fillRect/>
+          </a:stretch>
+        </p:blipFill>
+        <p:spPr>
+          <a:xfrm>
+            <a:off x="2066646" y="963218"/>
+            <a:ext cx="5211303" cy="670672"/>
+          </a:xfrm>
+          <a:prstGeom prst="rect">
+            <a:avLst/>
+          </a:prstGeom>
+        </p:spPr>
+      </p:pic>
+      <p:pic>
+        <p:nvPicPr>
+          <p:cNvPr id="3" name="Picture 2"/>
+          <p:cNvPicPr>
+            <a:picLocks noChangeAspect="1"/>
+          </p:cNvPicPr>
+          <p:nvPr/>
+        </p:nvPicPr>
+        <p:blipFill>
+          <a:blip r:embed="rId3"/>
+          <a:stretch>
+            <a:fillRect/>
+          </a:stretch>
+        </p:blipFill>
+        <p:spPr>
+          <a:xfrm>
+            <a:off x="3069853" y="1815145"/>
+            <a:ext cx="2434841" cy="222157"/>
+          </a:xfrm>
+          <a:prstGeom prst="rect">
+            <a:avLst/>
+          </a:prstGeom>
+        </p:spPr>
+      </p:pic>
+      <p:cxnSp>
+        <p:nvCxnSpPr>
+          <p:cNvPr id="4" name="Straight Connector 3"/>
+          <p:cNvCxnSpPr/>
+          <p:nvPr/>
+        </p:nvCxnSpPr>
+        <p:spPr>
+          <a:xfrm>
+            <a:off x="2252662" y="3483645"/>
+            <a:ext cx="3711388" cy="0"/>
+          </a:xfrm>
+          <a:prstGeom prst="line">
+            <a:avLst/>
+          </a:prstGeom>
+        </p:spPr>
+        <p:style>
+          <a:lnRef idx="1">
+            <a:schemeClr val="accent1"/>
+          </a:lnRef>
+          <a:fillRef idx="0">
+            <a:schemeClr val="accent1"/>
+          </a:fillRef>
+          <a:effectRef idx="0">
+            <a:schemeClr val="accent1"/>
+          </a:effectRef>
+          <a:fontRef idx="minor">
+            <a:schemeClr val="tx1"/>
+          </a:fontRef>
+        </p:style>
+      </p:cxnSp>
+      <p:sp>
+        <p:nvSpPr>
+          <p:cNvPr id="5" name="Rectangle 4"/>
+          <p:cNvSpPr/>
+          <p:nvPr/>
+        </p:nvSpPr>
+        <p:spPr>
+          <a:xfrm>
+            <a:off x="2252663" y="3411929"/>
+            <a:ext cx="185353" cy="170329"/>
+          </a:xfrm>
+          <a:prstGeom prst="rect">
+            <a:avLst/>
+          </a:prstGeom>
+        </p:spPr>
+        <p:style>
+          <a:lnRef idx="2">
+            <a:schemeClr val="accent1">
+              <a:shade val="50000"/>
+            </a:schemeClr>
+          </a:lnRef>
+          <a:fillRef idx="1">
+            <a:schemeClr val="accent1"/>
+          </a:fillRef>
+          <a:effectRef idx="0">
+            <a:schemeClr val="accent1"/>
+          </a:effectRef>
+          <a:fontRef idx="minor">
+            <a:schemeClr val="lt1"/>
+          </a:fontRef>
+        </p:style>
+        <p:txBody>
+          <a:bodyPr rtlCol="0" anchor="ctr"/>
+          <a:lstStyle/>
+          <a:p>
+            <a:pPr algn="ctr"/>
+            <a:r>
+              <a:rPr lang="en-US" sz="1100" dirty="0"/>
+              <a:t>S</a:t>
+            </a:r>
+            <a:endParaRPr lang="en-AU" sz="1100" dirty="0"/>
+          </a:p>
+        </p:txBody>
+      </p:sp>
+      <p:sp>
+        <p:nvSpPr>
+          <p:cNvPr id="6" name="Rectangle 5"/>
+          <p:cNvSpPr/>
+          <p:nvPr/>
+        </p:nvSpPr>
+        <p:spPr>
+          <a:xfrm>
+            <a:off x="5871374" y="3411929"/>
+            <a:ext cx="185353" cy="170329"/>
+          </a:xfrm>
+          <a:prstGeom prst="rect">
+            <a:avLst/>
+          </a:prstGeom>
+        </p:spPr>
+        <p:style>
+          <a:lnRef idx="2">
+            <a:schemeClr val="accent1">
+              <a:shade val="50000"/>
+            </a:schemeClr>
+          </a:lnRef>
+          <a:fillRef idx="1">
+            <a:schemeClr val="accent1"/>
+          </a:fillRef>
+          <a:effectRef idx="0">
+            <a:schemeClr val="accent1"/>
+          </a:effectRef>
+          <a:fontRef idx="minor">
+            <a:schemeClr val="lt1"/>
+          </a:fontRef>
+        </p:style>
+        <p:txBody>
+          <a:bodyPr rtlCol="0" anchor="ctr"/>
+          <a:lstStyle/>
+          <a:p>
+            <a:pPr algn="ctr"/>
+            <a:r>
+              <a:rPr lang="en-US" sz="1100" dirty="0"/>
+              <a:t>T</a:t>
+            </a:r>
+            <a:endParaRPr lang="en-AU" sz="1100" dirty="0"/>
+          </a:p>
+        </p:txBody>
+      </p:sp>
+      <p:cxnSp>
+        <p:nvCxnSpPr>
+          <p:cNvPr id="7" name="Straight Connector 6"/>
+          <p:cNvCxnSpPr/>
+          <p:nvPr/>
+        </p:nvCxnSpPr>
+        <p:spPr>
+          <a:xfrm>
+            <a:off x="3595271" y="3323644"/>
+            <a:ext cx="0" cy="320002"/>
+          </a:xfrm>
+          <a:prstGeom prst="line">
+            <a:avLst/>
+          </a:prstGeom>
+        </p:spPr>
+        <p:style>
+          <a:lnRef idx="1">
+            <a:schemeClr val="accent1"/>
+          </a:lnRef>
+          <a:fillRef idx="0">
+            <a:schemeClr val="accent1"/>
+          </a:fillRef>
+          <a:effectRef idx="0">
+            <a:schemeClr val="accent1"/>
+          </a:effectRef>
+          <a:fontRef idx="minor">
+            <a:schemeClr val="tx1"/>
+          </a:fontRef>
+        </p:style>
+      </p:cxnSp>
+      <p:cxnSp>
+        <p:nvCxnSpPr>
+          <p:cNvPr id="8" name="Straight Connector 7"/>
+          <p:cNvCxnSpPr/>
+          <p:nvPr/>
+        </p:nvCxnSpPr>
+        <p:spPr>
+          <a:xfrm>
+            <a:off x="4357271" y="3323644"/>
+            <a:ext cx="0" cy="320002"/>
+          </a:xfrm>
+          <a:prstGeom prst="line">
+            <a:avLst/>
+          </a:prstGeom>
+        </p:spPr>
+        <p:style>
+          <a:lnRef idx="1">
+            <a:schemeClr val="accent1"/>
+          </a:lnRef>
+          <a:fillRef idx="0">
+            <a:schemeClr val="accent1"/>
+          </a:fillRef>
+          <a:effectRef idx="0">
+            <a:schemeClr val="accent1"/>
+          </a:effectRef>
+          <a:fontRef idx="minor">
+            <a:schemeClr val="tx1"/>
+          </a:fontRef>
+        </p:style>
+      </p:cxnSp>
+      <p:sp>
+        <p:nvSpPr>
+          <p:cNvPr id="9" name="TextBox 8"/>
+          <p:cNvSpPr txBox="1"/>
+          <p:nvPr/>
+        </p:nvSpPr>
+        <p:spPr>
+          <a:xfrm>
+            <a:off x="3487709" y="3059523"/>
+            <a:ext cx="215123" cy="253916"/>
+          </a:xfrm>
+          <a:prstGeom prst="rect">
+            <a:avLst/>
+          </a:prstGeom>
+          <a:noFill/>
+        </p:spPr>
+        <p:txBody>
+          <a:bodyPr wrap="none" rtlCol="0">
+            <a:spAutoFit/>
+          </a:bodyPr>
+          <a:lstStyle/>
+          <a:p>
+            <a:r>
+              <a:rPr lang="en-US" sz="1050" dirty="0"/>
+              <a:t>i</a:t>
+            </a:r>
+            <a:endParaRPr lang="en-AU" sz="1050" dirty="0"/>
+          </a:p>
+        </p:txBody>
+      </p:sp>
+      <p:sp>
+        <p:nvSpPr>
+          <p:cNvPr id="10" name="TextBox 9"/>
+          <p:cNvSpPr txBox="1"/>
+          <p:nvPr/>
+        </p:nvSpPr>
+        <p:spPr>
+          <a:xfrm>
+            <a:off x="4230435" y="3059523"/>
+            <a:ext cx="351378" cy="253916"/>
+          </a:xfrm>
+          <a:prstGeom prst="rect">
+            <a:avLst/>
+          </a:prstGeom>
+          <a:noFill/>
+        </p:spPr>
+        <p:txBody>
+          <a:bodyPr wrap="none" rtlCol="0">
+            <a:spAutoFit/>
+          </a:bodyPr>
+          <a:lstStyle/>
+          <a:p>
+            <a:r>
+              <a:rPr lang="en-US" sz="1050" dirty="0"/>
+              <a:t>i+1</a:t>
+            </a:r>
+            <a:endParaRPr lang="en-AU" sz="1050" dirty="0"/>
+          </a:p>
+        </p:txBody>
+      </p:sp>
+      <p:sp>
+        <p:nvSpPr>
+          <p:cNvPr id="11" name="Right Bracket 10"/>
+          <p:cNvSpPr/>
+          <p:nvPr/>
+        </p:nvSpPr>
+        <p:spPr>
+          <a:xfrm rot="5400000">
+            <a:off x="3852049" y="4102125"/>
+            <a:ext cx="250141" cy="760303"/>
+          </a:xfrm>
+          <a:prstGeom prst="rightBracket">
+            <a:avLst/>
+          </a:prstGeom>
+        </p:spPr>
+        <p:style>
+          <a:lnRef idx="1">
+            <a:schemeClr val="accent1"/>
+          </a:lnRef>
+          <a:fillRef idx="0">
+            <a:schemeClr val="accent1"/>
+          </a:fillRef>
+          <a:effectRef idx="0">
+            <a:schemeClr val="accent1"/>
+          </a:effectRef>
+          <a:fontRef idx="minor">
+            <a:schemeClr val="tx1"/>
+          </a:fontRef>
+        </p:style>
+        <p:txBody>
+          <a:bodyPr rtlCol="0" anchor="ctr"/>
+          <a:lstStyle/>
+          <a:p>
+            <a:pPr algn="ctr"/>
+            <a:endParaRPr lang="en-AU"/>
+          </a:p>
+        </p:txBody>
+      </p:sp>
+      <p:sp>
+        <p:nvSpPr>
+          <p:cNvPr id="12" name="TextBox 11"/>
+          <p:cNvSpPr txBox="1"/>
+          <p:nvPr/>
+        </p:nvSpPr>
+        <p:spPr>
+          <a:xfrm>
+            <a:off x="3595270" y="4572851"/>
+            <a:ext cx="1043876" cy="253916"/>
+          </a:xfrm>
+          <a:prstGeom prst="rect">
+            <a:avLst/>
+          </a:prstGeom>
+          <a:noFill/>
+        </p:spPr>
+        <p:txBody>
+          <a:bodyPr wrap="none" rtlCol="0">
+            <a:spAutoFit/>
+          </a:bodyPr>
+          <a:lstStyle/>
+          <a:p>
+            <a:r>
+              <a:rPr lang="en-US" sz="1050" dirty="0"/>
+              <a:t>∆D = (Di+1 – Di)</a:t>
+            </a:r>
+            <a:endParaRPr lang="en-AU" sz="1050" dirty="0"/>
+          </a:p>
+        </p:txBody>
+      </p:sp>
+      <p:sp>
+        <p:nvSpPr>
+          <p:cNvPr id="13" name="Right Bracket 12"/>
+          <p:cNvSpPr/>
+          <p:nvPr/>
+        </p:nvSpPr>
+        <p:spPr>
+          <a:xfrm rot="5400000">
+            <a:off x="2855781" y="3261604"/>
+            <a:ext cx="200218" cy="1200983"/>
+          </a:xfrm>
+          <a:prstGeom prst="rightBracket">
+            <a:avLst/>
+          </a:prstGeom>
+        </p:spPr>
+        <p:style>
+          <a:lnRef idx="1">
+            <a:schemeClr val="accent1"/>
+          </a:lnRef>
+          <a:fillRef idx="0">
+            <a:schemeClr val="accent1"/>
+          </a:fillRef>
+          <a:effectRef idx="0">
+            <a:schemeClr val="accent1"/>
+          </a:effectRef>
+          <a:fontRef idx="minor">
+            <a:schemeClr val="tx1"/>
+          </a:fontRef>
+        </p:style>
+        <p:txBody>
+          <a:bodyPr rtlCol="0" anchor="ctr"/>
+          <a:lstStyle/>
+          <a:p>
+            <a:pPr algn="ctr"/>
+            <a:endParaRPr lang="en-AU"/>
+          </a:p>
+        </p:txBody>
+      </p:sp>
+      <p:sp>
+        <p:nvSpPr>
+          <p:cNvPr id="14" name="TextBox 13"/>
+          <p:cNvSpPr txBox="1"/>
+          <p:nvPr/>
+        </p:nvSpPr>
+        <p:spPr>
+          <a:xfrm>
+            <a:off x="2819807" y="3740366"/>
+            <a:ext cx="298480" cy="253916"/>
+          </a:xfrm>
+          <a:prstGeom prst="rect">
+            <a:avLst/>
+          </a:prstGeom>
+          <a:noFill/>
+        </p:spPr>
+        <p:txBody>
+          <a:bodyPr wrap="none" rtlCol="0">
+            <a:spAutoFit/>
+          </a:bodyPr>
+          <a:lstStyle/>
+          <a:p>
+            <a:r>
+              <a:rPr lang="en-US" sz="1050" dirty="0"/>
+              <a:t>Di</a:t>
+            </a:r>
+            <a:endParaRPr lang="en-AU" sz="1050" dirty="0"/>
+          </a:p>
+        </p:txBody>
+      </p:sp>
+      <p:cxnSp>
+        <p:nvCxnSpPr>
+          <p:cNvPr id="15" name="Straight Connector 14"/>
+          <p:cNvCxnSpPr/>
+          <p:nvPr/>
+        </p:nvCxnSpPr>
+        <p:spPr>
+          <a:xfrm>
+            <a:off x="5648189" y="3323644"/>
+            <a:ext cx="0" cy="320002"/>
+          </a:xfrm>
+          <a:prstGeom prst="line">
+            <a:avLst/>
+          </a:prstGeom>
+        </p:spPr>
+        <p:style>
+          <a:lnRef idx="1">
+            <a:schemeClr val="accent1"/>
+          </a:lnRef>
+          <a:fillRef idx="0">
+            <a:schemeClr val="accent1"/>
+          </a:fillRef>
+          <a:effectRef idx="0">
+            <a:schemeClr val="accent1"/>
+          </a:effectRef>
+          <a:fontRef idx="minor">
+            <a:schemeClr val="tx1"/>
+          </a:fontRef>
+        </p:style>
+      </p:cxnSp>
+      <p:sp>
+        <p:nvSpPr>
+          <p:cNvPr id="16" name="TextBox 15"/>
+          <p:cNvSpPr txBox="1"/>
+          <p:nvPr/>
+        </p:nvSpPr>
+        <p:spPr>
+          <a:xfrm>
+            <a:off x="5519995" y="3059523"/>
+            <a:ext cx="255198" cy="253916"/>
+          </a:xfrm>
+          <a:prstGeom prst="rect">
+            <a:avLst/>
+          </a:prstGeom>
+          <a:noFill/>
+        </p:spPr>
+        <p:txBody>
+          <a:bodyPr wrap="none" rtlCol="0">
+            <a:spAutoFit/>
+          </a:bodyPr>
+          <a:lstStyle/>
+          <a:p>
+            <a:r>
+              <a:rPr lang="en-US" sz="1050" dirty="0"/>
+              <a:t>n</a:t>
+            </a:r>
+            <a:endParaRPr lang="en-AU" sz="1050" dirty="0"/>
+          </a:p>
+        </p:txBody>
+      </p:sp>
+      <p:sp>
+        <p:nvSpPr>
+          <p:cNvPr id="17" name="TextBox 16"/>
+          <p:cNvSpPr txBox="1"/>
+          <p:nvPr/>
+        </p:nvSpPr>
+        <p:spPr>
+          <a:xfrm>
+            <a:off x="4844701" y="3059523"/>
+            <a:ext cx="285656" cy="253916"/>
+          </a:xfrm>
+          <a:prstGeom prst="rect">
+            <a:avLst/>
+          </a:prstGeom>
+          <a:noFill/>
+        </p:spPr>
+        <p:txBody>
+          <a:bodyPr wrap="none" rtlCol="0">
+            <a:spAutoFit/>
+          </a:bodyPr>
+          <a:lstStyle/>
+          <a:p>
+            <a:r>
+              <a:rPr lang="en-US" sz="1050" dirty="0"/>
+              <a:t>...</a:t>
+            </a:r>
+            <a:endParaRPr lang="en-AU" sz="1050" dirty="0"/>
+          </a:p>
+        </p:txBody>
+      </p:sp>
+      <p:sp>
+        <p:nvSpPr>
+          <p:cNvPr id="18" name="Rectangle 17"/>
+          <p:cNvSpPr/>
+          <p:nvPr/>
+        </p:nvSpPr>
+        <p:spPr>
+          <a:xfrm>
+            <a:off x="3460798" y="5548449"/>
+            <a:ext cx="268942" cy="393881"/>
+          </a:xfrm>
+          <a:prstGeom prst="rect">
+            <a:avLst/>
+          </a:prstGeom>
+        </p:spPr>
+        <p:style>
+          <a:lnRef idx="0">
+            <a:schemeClr val="accent1"/>
+          </a:lnRef>
+          <a:fillRef idx="3">
+            <a:schemeClr val="accent1"/>
+          </a:fillRef>
+          <a:effectRef idx="3">
+            <a:schemeClr val="accent1"/>
+          </a:effectRef>
+          <a:fontRef idx="minor">
+            <a:schemeClr val="lt1"/>
+          </a:fontRef>
+        </p:style>
+        <p:txBody>
+          <a:bodyPr rtlCol="0" anchor="ctr"/>
+          <a:lstStyle/>
+          <a:p>
+            <a:pPr algn="ctr"/>
+            <a:endParaRPr lang="en-AU"/>
+          </a:p>
+        </p:txBody>
+      </p:sp>
+      <p:sp>
+        <p:nvSpPr>
+          <p:cNvPr id="19" name="Rectangle 18"/>
+          <p:cNvSpPr/>
+          <p:nvPr/>
+        </p:nvSpPr>
+        <p:spPr>
+          <a:xfrm>
+            <a:off x="3460799" y="5332595"/>
+            <a:ext cx="268942" cy="209679"/>
+          </a:xfrm>
+          <a:prstGeom prst="rect">
+            <a:avLst/>
+          </a:prstGeom>
+          <a:solidFill>
+            <a:schemeClr val="bg1">
+              <a:lumMod val="95000"/>
+            </a:schemeClr>
+          </a:solidFill>
+          <a:ln/>
+        </p:spPr>
+        <p:style>
+          <a:lnRef idx="0">
+            <a:schemeClr val="accent3"/>
+          </a:lnRef>
+          <a:fillRef idx="3">
+            <a:schemeClr val="accent3"/>
+          </a:fillRef>
+          <a:effectRef idx="3">
+            <a:schemeClr val="accent3"/>
+          </a:effectRef>
+          <a:fontRef idx="minor">
+            <a:schemeClr val="lt1"/>
+          </a:fontRef>
+        </p:style>
+        <p:txBody>
+          <a:bodyPr rtlCol="0" anchor="ctr"/>
+          <a:lstStyle/>
+          <a:p>
+            <a:pPr algn="ctr"/>
+            <a:endParaRPr lang="en-AU"/>
+          </a:p>
+        </p:txBody>
+      </p:sp>
+      <p:sp>
+        <p:nvSpPr>
+          <p:cNvPr id="20" name="Right Bracket 19"/>
+          <p:cNvSpPr/>
+          <p:nvPr/>
+        </p:nvSpPr>
+        <p:spPr>
+          <a:xfrm rot="10800000">
+            <a:off x="3305371" y="5365235"/>
+            <a:ext cx="146602" cy="577093"/>
+          </a:xfrm>
+          <a:prstGeom prst="rightBracket">
+            <a:avLst/>
+          </a:prstGeom>
+        </p:spPr>
+        <p:style>
+          <a:lnRef idx="1">
+            <a:schemeClr val="accent1"/>
+          </a:lnRef>
+          <a:fillRef idx="0">
+            <a:schemeClr val="accent1"/>
+          </a:fillRef>
+          <a:effectRef idx="0">
+            <a:schemeClr val="accent1"/>
+          </a:effectRef>
+          <a:fontRef idx="minor">
+            <a:schemeClr val="tx1"/>
+          </a:fontRef>
+        </p:style>
+        <p:txBody>
+          <a:bodyPr rtlCol="0" anchor="ctr"/>
+          <a:lstStyle/>
+          <a:p>
+            <a:pPr algn="ctr"/>
+            <a:endParaRPr lang="en-AU"/>
+          </a:p>
+        </p:txBody>
+      </p:sp>
+      <p:sp>
+        <p:nvSpPr>
+          <p:cNvPr id="21" name="TextBox 20"/>
+          <p:cNvSpPr txBox="1"/>
+          <p:nvPr/>
+        </p:nvSpPr>
+        <p:spPr>
+          <a:xfrm>
+            <a:off x="2881941" y="5473983"/>
+            <a:ext cx="415498" cy="369332"/>
+          </a:xfrm>
+          <a:prstGeom prst="rect">
+            <a:avLst/>
+          </a:prstGeom>
+          <a:noFill/>
+        </p:spPr>
+        <p:txBody>
+          <a:bodyPr wrap="none" rtlCol="0">
+            <a:spAutoFit/>
+          </a:bodyPr>
+          <a:lstStyle/>
+          <a:p>
+            <a:r>
+              <a:rPr lang="en-US" sz="900" dirty="0"/>
+              <a:t>X km</a:t>
+            </a:r>
+          </a:p>
+          <a:p>
+            <a:r>
+              <a:rPr lang="en-US" sz="900" dirty="0"/>
+              <a:t>gas</a:t>
+            </a:r>
+            <a:endParaRPr lang="en-AU" sz="900" dirty="0"/>
+          </a:p>
+        </p:txBody>
+      </p:sp>
+      <p:sp>
+        <p:nvSpPr>
+          <p:cNvPr id="22" name="TextBox 21"/>
+          <p:cNvSpPr txBox="1"/>
+          <p:nvPr/>
+        </p:nvSpPr>
+        <p:spPr>
+          <a:xfrm>
+            <a:off x="3922915" y="5567127"/>
+            <a:ext cx="840295" cy="369332"/>
+          </a:xfrm>
+          <a:prstGeom prst="rect">
+            <a:avLst/>
+          </a:prstGeom>
+          <a:noFill/>
+        </p:spPr>
+        <p:txBody>
+          <a:bodyPr wrap="none" rtlCol="0">
+            <a:spAutoFit/>
+          </a:bodyPr>
+          <a:lstStyle/>
+          <a:p>
+            <a:r>
+              <a:rPr lang="en-US" sz="900" dirty="0"/>
+              <a:t>j</a:t>
+            </a:r>
+            <a:r>
+              <a:rPr lang="en-US" sz="900" dirty="0"/>
+              <a:t> km</a:t>
+            </a:r>
+          </a:p>
+          <a:p>
+            <a:r>
+              <a:rPr lang="en-US" sz="900" dirty="0"/>
+              <a:t>gas remaining</a:t>
+            </a:r>
+            <a:endParaRPr lang="en-AU" sz="900" dirty="0"/>
+          </a:p>
+        </p:txBody>
+      </p:sp>
+      <p:sp>
+        <p:nvSpPr>
+          <p:cNvPr id="23" name="Right Bracket 22"/>
+          <p:cNvSpPr/>
+          <p:nvPr/>
+        </p:nvSpPr>
+        <p:spPr>
+          <a:xfrm rot="10800000" flipH="1">
+            <a:off x="3787392" y="5542274"/>
+            <a:ext cx="134471" cy="391219"/>
+          </a:xfrm>
+          <a:prstGeom prst="rightBracket">
+            <a:avLst/>
+          </a:prstGeom>
+        </p:spPr>
+        <p:style>
+          <a:lnRef idx="1">
+            <a:schemeClr val="accent1"/>
+          </a:lnRef>
+          <a:fillRef idx="0">
+            <a:schemeClr val="accent1"/>
+          </a:fillRef>
+          <a:effectRef idx="0">
+            <a:schemeClr val="accent1"/>
+          </a:effectRef>
+          <a:fontRef idx="minor">
+            <a:schemeClr val="tx1"/>
+          </a:fontRef>
+        </p:style>
+        <p:txBody>
+          <a:bodyPr rtlCol="0" anchor="ctr"/>
+          <a:lstStyle/>
+          <a:p>
+            <a:pPr algn="ctr"/>
+            <a:endParaRPr lang="en-AU"/>
+          </a:p>
+        </p:txBody>
+      </p:sp>
+      <p:sp>
+        <p:nvSpPr>
+          <p:cNvPr id="24" name="Rectangle 1"/>
+          <p:cNvSpPr>
+            <a:spLocks noChangeArrowheads="1"/>
+          </p:cNvSpPr>
+          <p:nvPr/>
+        </p:nvSpPr>
+        <p:spPr bwMode="auto">
+          <a:xfrm>
+            <a:off x="3305371" y="6000680"/>
+            <a:ext cx="3187851" cy="630942"/>
+          </a:xfrm>
+          <a:prstGeom prst="rect">
+            <a:avLst/>
+          </a:prstGeom>
+          <a:noFill/>
+          <a:ln>
+            <a:noFill/>
+          </a:ln>
+          <a:effectLst/>
+          <a:extLst>
+            <a:ext uri="{909E8E84-426E-40DD-AFC4-6F175D3DCCD1}">
+              <a14:hiddenFill xmlns:a14="http://schemas.microsoft.com/office/drawing/2010/main">
+                <a:solidFill>
+                  <a:schemeClr val="accent1"/>
+                </a:solidFill>
+              </a14:hiddenFill>
+            </a:ext>
+            <a:ext uri="{91240B29-F687-4F45-9708-019B960494DF}">
+              <a14:hiddenLine xmlns:a14="http://schemas.microsoft.com/office/drawing/2010/main" w="9525">
+                <a:solidFill>
+                  <a:schemeClr val="tx1"/>
+                </a:solidFill>
+                <a:miter lim="800000"/>
+                <a:headEnd/>
+                <a:tailEnd/>
+              </a14:hiddenLine>
+            </a:ext>
+            <a:ext uri="{AF507438-7753-43E0-B8FC-AC1667EBCBE1}">
+              <a14:hiddenEffects xmlns:a14="http://schemas.microsoft.com/office/drawing/2010/main">
+                <a:effectLst>
+                  <a:outerShdw dist="35921" dir="2700000" algn="ctr" rotWithShape="0">
+                    <a:schemeClr val="bg2"/>
+                  </a:outerShdw>
+                </a:effectLst>
+              </a14:hiddenEffects>
+            </a:ext>
+          </a:extLst>
+        </p:spPr>
+        <p:txBody>
+          <a:bodyPr vert="horz" wrap="square" lIns="91440" tIns="45720" rIns="91440" bIns="45720" numCol="1" anchor="ctr" anchorCtr="0" compatLnSpc="1">
+            <a:prstTxWarp prst="textNoShape">
+              <a:avLst/>
+            </a:prstTxWarp>
+            <a:spAutoFit/>
+          </a:bodyPr>
+          <a:lstStyle>
+            <a:lvl1pPr eaLnBrk="0" fontAlgn="base" hangingPunct="0">
+              <a:spcBef>
+                <a:spcPct val="0"/>
+              </a:spcBef>
+              <a:spcAft>
+                <a:spcPct val="0"/>
+              </a:spcAft>
+              <a:defRPr>
+                <a:solidFill>
+                  <a:schemeClr val="tx1"/>
+                </a:solidFill>
+                <a:latin typeface="Arial" panose="020B0604020202020204" pitchFamily="34" charset="0"/>
+              </a:defRPr>
+            </a:lvl1pPr>
+            <a:lvl2pPr eaLnBrk="0" fontAlgn="base" hangingPunct="0">
+              <a:spcBef>
+                <a:spcPct val="0"/>
+              </a:spcBef>
+              <a:spcAft>
+                <a:spcPct val="0"/>
+              </a:spcAft>
+              <a:defRPr>
+                <a:solidFill>
+                  <a:schemeClr val="tx1"/>
+                </a:solidFill>
+                <a:latin typeface="Arial" panose="020B0604020202020204" pitchFamily="34" charset="0"/>
+              </a:defRPr>
+            </a:lvl2pPr>
+            <a:lvl3pPr eaLnBrk="0" fontAlgn="base" hangingPunct="0">
+              <a:spcBef>
+                <a:spcPct val="0"/>
+              </a:spcBef>
+              <a:spcAft>
+                <a:spcPct val="0"/>
+              </a:spcAft>
+              <a:defRPr>
+                <a:solidFill>
+                  <a:schemeClr val="tx1"/>
+                </a:solidFill>
+                <a:latin typeface="Arial" panose="020B0604020202020204" pitchFamily="34" charset="0"/>
+              </a:defRPr>
+            </a:lvl3pPr>
+            <a:lvl4pPr eaLnBrk="0" fontAlgn="base" hangingPunct="0">
+              <a:spcBef>
+                <a:spcPct val="0"/>
+              </a:spcBef>
+              <a:spcAft>
+                <a:spcPct val="0"/>
+              </a:spcAft>
+              <a:defRPr>
+                <a:solidFill>
+                  <a:schemeClr val="tx1"/>
+                </a:solidFill>
+                <a:latin typeface="Arial" panose="020B0604020202020204" pitchFamily="34" charset="0"/>
+              </a:defRPr>
+            </a:lvl4pPr>
+            <a:lvl5pPr eaLnBrk="0" fontAlgn="base" hangingPunct="0">
+              <a:spcBef>
+                <a:spcPct val="0"/>
+              </a:spcBef>
+              <a:spcAft>
+                <a:spcPct val="0"/>
+              </a:spcAft>
+              <a:defRPr>
+                <a:solidFill>
+                  <a:schemeClr val="tx1"/>
+                </a:solidFill>
+                <a:latin typeface="Arial" panose="020B0604020202020204" pitchFamily="34" charset="0"/>
+              </a:defRPr>
+            </a:lvl5pPr>
+            <a:lvl6pPr eaLnBrk="0" fontAlgn="base" hangingPunct="0">
+              <a:spcBef>
+                <a:spcPct val="0"/>
+              </a:spcBef>
+              <a:spcAft>
+                <a:spcPct val="0"/>
+              </a:spcAft>
+              <a:defRPr>
+                <a:solidFill>
+                  <a:schemeClr val="tx1"/>
+                </a:solidFill>
+                <a:latin typeface="Arial" panose="020B0604020202020204" pitchFamily="34" charset="0"/>
+              </a:defRPr>
+            </a:lvl6pPr>
+            <a:lvl7pPr eaLnBrk="0" fontAlgn="base" hangingPunct="0">
+              <a:spcBef>
+                <a:spcPct val="0"/>
+              </a:spcBef>
+              <a:spcAft>
+                <a:spcPct val="0"/>
+              </a:spcAft>
+              <a:defRPr>
+                <a:solidFill>
+                  <a:schemeClr val="tx1"/>
+                </a:solidFill>
+                <a:latin typeface="Arial" panose="020B0604020202020204" pitchFamily="34" charset="0"/>
+              </a:defRPr>
+            </a:lvl7pPr>
+            <a:lvl8pPr eaLnBrk="0" fontAlgn="base" hangingPunct="0">
+              <a:spcBef>
+                <a:spcPct val="0"/>
+              </a:spcBef>
+              <a:spcAft>
+                <a:spcPct val="0"/>
+              </a:spcAft>
+              <a:defRPr>
+                <a:solidFill>
+                  <a:schemeClr val="tx1"/>
+                </a:solidFill>
+                <a:latin typeface="Arial" panose="020B0604020202020204" pitchFamily="34" charset="0"/>
+              </a:defRPr>
+            </a:lvl8pPr>
+            <a:lvl9pPr eaLnBrk="0" fontAlgn="base" hangingPunct="0">
+              <a:spcBef>
+                <a:spcPct val="0"/>
+              </a:spcBef>
+              <a:spcAft>
+                <a:spcPct val="0"/>
+              </a:spcAft>
+              <a:defRPr>
+                <a:solidFill>
+                  <a:schemeClr val="tx1"/>
+                </a:solidFill>
+                <a:latin typeface="Arial" panose="020B0604020202020204" pitchFamily="34" charset="0"/>
+              </a:defRPr>
+            </a:lvl9pPr>
+          </a:lstStyle>
+          <a:p>
+            <a:r>
+              <a:rPr lang="en-US" altLang="en-US" sz="1050" dirty="0">
+                <a:solidFill>
+                  <a:srgbClr val="111111"/>
+                </a:solidFill>
+                <a:latin typeface="Fira Mono" panose="020B0609050000020004" pitchFamily="49" charset="0"/>
+                <a:ea typeface="Fira Mono" panose="020B0609050000020004" pitchFamily="49" charset="0"/>
+              </a:rPr>
+              <a:t>f(</a:t>
+            </a:r>
+            <a:r>
+              <a:rPr lang="en-US" altLang="en-US" sz="1050" dirty="0" err="1">
+                <a:solidFill>
+                  <a:srgbClr val="111111"/>
+                </a:solidFill>
+                <a:latin typeface="Fira Mono" panose="020B0609050000020004" pitchFamily="49" charset="0"/>
+                <a:ea typeface="Fira Mono" panose="020B0609050000020004" pitchFamily="49" charset="0"/>
+              </a:rPr>
+              <a:t>i,j</a:t>
+            </a:r>
+            <a:r>
+              <a:rPr lang="en-US" altLang="en-US" sz="1050" dirty="0">
+                <a:solidFill>
+                  <a:srgbClr val="111111"/>
+                </a:solidFill>
+                <a:latin typeface="Fira Mono" panose="020B0609050000020004" pitchFamily="49" charset="0"/>
+                <a:ea typeface="Fira Mono" panose="020B0609050000020004" pitchFamily="49" charset="0"/>
+              </a:rPr>
+              <a:t>)</a:t>
+            </a:r>
+            <a:r>
+              <a:rPr lang="en-US" altLang="en-US" sz="1100" dirty="0">
+                <a:solidFill>
+                  <a:srgbClr val="111111"/>
+                </a:solidFill>
+                <a:latin typeface="+mn-lt"/>
+              </a:rPr>
+              <a:t> with</a:t>
+            </a:r>
+            <a:r>
+              <a:rPr lang="en-US" altLang="en-US" sz="1050" dirty="0">
+                <a:solidFill>
+                  <a:srgbClr val="111111"/>
+                </a:solidFill>
+                <a:latin typeface="Fira Mono" panose="020B0609050000020004" pitchFamily="49" charset="0"/>
+                <a:ea typeface="Fira Mono" panose="020B0609050000020004" pitchFamily="49" charset="0"/>
+              </a:rPr>
+              <a:t> </a:t>
+            </a:r>
+            <a:r>
+              <a:rPr lang="en-US" altLang="en-US" sz="1100" dirty="0" err="1">
+                <a:solidFill>
+                  <a:srgbClr val="111111"/>
+                </a:solidFill>
+                <a:latin typeface="Fira Mono" panose="020B0609050000020004" pitchFamily="49" charset="0"/>
+                <a:ea typeface="Fira Mono" panose="020B0609050000020004" pitchFamily="49" charset="0"/>
+              </a:rPr>
+              <a:t>i,j∈N</a:t>
+            </a:r>
+            <a:r>
+              <a:rPr lang="en-US" altLang="en-US" sz="1100" dirty="0">
+                <a:solidFill>
+                  <a:srgbClr val="111111"/>
+                </a:solidFill>
+                <a:latin typeface="+mn-lt"/>
+              </a:rPr>
+              <a:t> means the minimum number of stops when we are in station </a:t>
+            </a:r>
+            <a:r>
+              <a:rPr lang="en-US" altLang="en-US" sz="1200" dirty="0">
+                <a:solidFill>
+                  <a:srgbClr val="111111"/>
+                </a:solidFill>
+                <a:latin typeface="+mn-lt"/>
+                <a:ea typeface="MathJax_Math-italic"/>
+              </a:rPr>
+              <a:t>i</a:t>
+            </a:r>
+            <a:r>
+              <a:rPr lang="en-US" altLang="en-US" sz="1100" dirty="0">
+                <a:solidFill>
+                  <a:srgbClr val="111111"/>
+                </a:solidFill>
+                <a:latin typeface="+mn-lt"/>
+              </a:rPr>
+              <a:t> and we have </a:t>
+            </a:r>
+            <a:r>
+              <a:rPr lang="en-US" altLang="en-US" sz="1100" dirty="0">
+                <a:solidFill>
+                  <a:srgbClr val="111111"/>
+                </a:solidFill>
+                <a:latin typeface="Fira Mono" panose="020B0609050000020004" pitchFamily="49" charset="0"/>
+                <a:ea typeface="Fira Mono" panose="020B0609050000020004" pitchFamily="49" charset="0"/>
+              </a:rPr>
+              <a:t>j</a:t>
+            </a:r>
+            <a:r>
+              <a:rPr lang="en-US" altLang="en-US" sz="1100" dirty="0">
+                <a:solidFill>
+                  <a:srgbClr val="111111"/>
+                </a:solidFill>
+                <a:latin typeface="+mn-lt"/>
+              </a:rPr>
+              <a:t> kilometres available in our tank</a:t>
+            </a:r>
+            <a:r>
+              <a:rPr lang="en-US" altLang="en-US" sz="900" dirty="0">
+                <a:latin typeface="+mn-lt"/>
+              </a:rPr>
+              <a:t> </a:t>
+            </a:r>
+            <a:endParaRPr lang="en-US" altLang="en-US" dirty="0">
+              <a:latin typeface="+mn-lt"/>
+            </a:endParaRPr>
+          </a:p>
+        </p:txBody>
+      </p:sp>
+      <p:pic>
+        <p:nvPicPr>
+          <p:cNvPr id="25" name="Picture 24"/>
+          <p:cNvPicPr>
+            <a:picLocks noChangeAspect="1"/>
+          </p:cNvPicPr>
+          <p:nvPr/>
+        </p:nvPicPr>
+        <p:blipFill>
+          <a:blip r:embed="rId4"/>
+          <a:stretch>
+            <a:fillRect/>
+          </a:stretch>
+        </p:blipFill>
+        <p:spPr>
+          <a:xfrm>
+            <a:off x="2121157" y="5052962"/>
+            <a:ext cx="504825" cy="276225"/>
+          </a:xfrm>
+          <a:prstGeom prst="rect">
+            <a:avLst/>
+          </a:prstGeom>
+        </p:spPr>
+      </p:pic>
+      <p:pic>
+        <p:nvPicPr>
+          <p:cNvPr id="26" name="Picture 25"/>
+          <p:cNvPicPr>
+            <a:picLocks noChangeAspect="1"/>
+          </p:cNvPicPr>
+          <p:nvPr/>
+        </p:nvPicPr>
+        <p:blipFill>
+          <a:blip r:embed="rId5"/>
+          <a:stretch>
+            <a:fillRect/>
+          </a:stretch>
+        </p:blipFill>
+        <p:spPr>
+          <a:xfrm>
+            <a:off x="3487708" y="3319792"/>
+            <a:ext cx="261696" cy="331482"/>
+          </a:xfrm>
+          <a:prstGeom prst="rect">
+            <a:avLst/>
+          </a:prstGeom>
+        </p:spPr>
+      </p:pic>
+      <p:pic>
+        <p:nvPicPr>
+          <p:cNvPr id="27" name="Picture 26"/>
+          <p:cNvPicPr>
+            <a:picLocks noChangeAspect="1"/>
+          </p:cNvPicPr>
+          <p:nvPr/>
+        </p:nvPicPr>
+        <p:blipFill>
+          <a:blip r:embed="rId5"/>
+          <a:stretch>
+            <a:fillRect/>
+          </a:stretch>
+        </p:blipFill>
+        <p:spPr>
+          <a:xfrm>
+            <a:off x="4230435" y="3319792"/>
+            <a:ext cx="261696" cy="331482"/>
+          </a:xfrm>
+          <a:prstGeom prst="rect">
+            <a:avLst/>
+          </a:prstGeom>
+        </p:spPr>
+      </p:pic>
+      <p:cxnSp>
+        <p:nvCxnSpPr>
+          <p:cNvPr id="28" name="Straight Connector 27"/>
+          <p:cNvCxnSpPr/>
+          <p:nvPr/>
+        </p:nvCxnSpPr>
+        <p:spPr>
+          <a:xfrm>
+            <a:off x="3582696" y="3651275"/>
+            <a:ext cx="0" cy="1554513"/>
+          </a:xfrm>
+          <a:prstGeom prst="line">
+            <a:avLst/>
+          </a:prstGeom>
+          <a:ln>
+            <a:solidFill>
+              <a:schemeClr val="tx1"/>
+            </a:solidFill>
+            <a:prstDash val="sysDot"/>
+          </a:ln>
+        </p:spPr>
+        <p:style>
+          <a:lnRef idx="1">
+            <a:schemeClr val="accent1"/>
+          </a:lnRef>
+          <a:fillRef idx="0">
+            <a:schemeClr val="accent1"/>
+          </a:fillRef>
+          <a:effectRef idx="0">
+            <a:schemeClr val="accent1"/>
+          </a:effectRef>
+          <a:fontRef idx="minor">
+            <a:schemeClr val="tx1"/>
+          </a:fontRef>
+        </p:style>
+      </p:cxnSp>
+      <p:sp>
+        <p:nvSpPr>
+          <p:cNvPr id="29" name="Right Bracket 28"/>
+          <p:cNvSpPr/>
+          <p:nvPr/>
+        </p:nvSpPr>
+        <p:spPr>
+          <a:xfrm rot="5400000">
+            <a:off x="3240876" y="3174075"/>
+            <a:ext cx="230914" cy="2001871"/>
+          </a:xfrm>
+          <a:prstGeom prst="rightBracket">
+            <a:avLst/>
+          </a:prstGeom>
+        </p:spPr>
+        <p:style>
+          <a:lnRef idx="1">
+            <a:schemeClr val="accent1"/>
+          </a:lnRef>
+          <a:fillRef idx="0">
+            <a:schemeClr val="accent1"/>
+          </a:fillRef>
+          <a:effectRef idx="0">
+            <a:schemeClr val="accent1"/>
+          </a:effectRef>
+          <a:fontRef idx="minor">
+            <a:schemeClr val="tx1"/>
+          </a:fontRef>
+        </p:style>
+        <p:txBody>
+          <a:bodyPr rtlCol="0" anchor="ctr"/>
+          <a:lstStyle/>
+          <a:p>
+            <a:pPr algn="ctr"/>
+            <a:endParaRPr lang="en-AU"/>
+          </a:p>
+        </p:txBody>
+      </p:sp>
+      <p:sp>
+        <p:nvSpPr>
+          <p:cNvPr id="30" name="TextBox 29"/>
+          <p:cNvSpPr txBox="1"/>
+          <p:nvPr/>
+        </p:nvSpPr>
+        <p:spPr>
+          <a:xfrm>
+            <a:off x="3132187" y="4059552"/>
+            <a:ext cx="434734" cy="253916"/>
+          </a:xfrm>
+          <a:prstGeom prst="rect">
+            <a:avLst/>
+          </a:prstGeom>
+          <a:noFill/>
+        </p:spPr>
+        <p:txBody>
+          <a:bodyPr wrap="none" rtlCol="0">
+            <a:spAutoFit/>
+          </a:bodyPr>
+          <a:lstStyle/>
+          <a:p>
+            <a:r>
+              <a:rPr lang="en-US" sz="1050" dirty="0"/>
+              <a:t>Di+1</a:t>
+            </a:r>
+            <a:endParaRPr lang="en-AU" sz="1050" dirty="0"/>
+          </a:p>
+        </p:txBody>
+      </p:sp>
+      <p:sp>
+        <p:nvSpPr>
+          <p:cNvPr id="31" name="Oval 30"/>
+          <p:cNvSpPr/>
+          <p:nvPr/>
+        </p:nvSpPr>
+        <p:spPr>
+          <a:xfrm rot="19800000">
+            <a:off x="3501299" y="5612375"/>
+            <a:ext cx="285472" cy="285472"/>
+          </a:xfrm>
+          <a:prstGeom prst="ellipse">
+            <a:avLst/>
+          </a:prstGeom>
+          <a:noFill/>
+          <a:ln w="19050">
+            <a:solidFill>
+              <a:srgbClr val="C00000"/>
+            </a:solidFill>
+            <a:prstDash val="sysDot"/>
+          </a:ln>
+        </p:spPr>
+        <p:style>
+          <a:lnRef idx="2">
+            <a:schemeClr val="accent2"/>
+          </a:lnRef>
+          <a:fillRef idx="1">
+            <a:schemeClr val="lt1"/>
+          </a:fillRef>
+          <a:effectRef idx="0">
+            <a:schemeClr val="accent2"/>
+          </a:effectRef>
+          <a:fontRef idx="minor">
+            <a:schemeClr val="dk1"/>
+          </a:fontRef>
+        </p:style>
+        <p:txBody>
+          <a:bodyPr rtlCol="0" anchor="ctr"/>
+          <a:lstStyle/>
+          <a:p>
+            <a:pPr algn="ctr"/>
+            <a:endParaRPr lang="en-AU"/>
+          </a:p>
+        </p:txBody>
+      </p:sp>
+      <p:sp>
+        <p:nvSpPr>
+          <p:cNvPr id="32" name="Oval 31"/>
+          <p:cNvSpPr/>
+          <p:nvPr/>
+        </p:nvSpPr>
+        <p:spPr>
+          <a:xfrm rot="19800000">
+            <a:off x="3630433" y="4596342"/>
+            <a:ext cx="285472" cy="285472"/>
+          </a:xfrm>
+          <a:prstGeom prst="ellipse">
+            <a:avLst/>
+          </a:prstGeom>
+          <a:noFill/>
+          <a:ln w="19050">
+            <a:solidFill>
+              <a:srgbClr val="C00000"/>
+            </a:solidFill>
+            <a:prstDash val="sysDot"/>
+          </a:ln>
+        </p:spPr>
+        <p:style>
+          <a:lnRef idx="2">
+            <a:schemeClr val="accent2"/>
+          </a:lnRef>
+          <a:fillRef idx="1">
+            <a:schemeClr val="lt1"/>
+          </a:fillRef>
+          <a:effectRef idx="0">
+            <a:schemeClr val="accent2"/>
+          </a:effectRef>
+          <a:fontRef idx="minor">
+            <a:schemeClr val="dk1"/>
+          </a:fontRef>
+        </p:style>
+        <p:txBody>
+          <a:bodyPr rtlCol="0" anchor="ctr"/>
+          <a:lstStyle/>
+          <a:p>
+            <a:pPr algn="ctr"/>
+            <a:endParaRPr lang="en-AU"/>
+          </a:p>
+        </p:txBody>
+      </p:sp>
+      <p:cxnSp>
+        <p:nvCxnSpPr>
+          <p:cNvPr id="33" name="Curved Connector 32"/>
+          <p:cNvCxnSpPr>
+            <a:stCxn id="31" idx="6"/>
+            <a:endCxn id="32" idx="3"/>
+          </p:cNvCxnSpPr>
+          <p:nvPr/>
+        </p:nvCxnSpPr>
+        <p:spPr>
+          <a:xfrm flipH="1" flipV="1">
+            <a:off x="3736226" y="4876951"/>
+            <a:ext cx="31422" cy="806792"/>
+          </a:xfrm>
+          <a:prstGeom prst="curvedConnector4">
+            <a:avLst>
+              <a:gd name="adj1" fmla="val -727516"/>
+              <a:gd name="adj2" fmla="val 54122"/>
+            </a:avLst>
+          </a:prstGeom>
+          <a:ln>
+            <a:solidFill>
+              <a:srgbClr val="C00000"/>
+            </a:solidFill>
+            <a:tailEnd type="triangle"/>
+          </a:ln>
+        </p:spPr>
+        <p:style>
+          <a:lnRef idx="1">
+            <a:schemeClr val="accent1"/>
+          </a:lnRef>
+          <a:fillRef idx="0">
+            <a:schemeClr val="accent1"/>
+          </a:fillRef>
+          <a:effectRef idx="0">
+            <a:schemeClr val="accent1"/>
+          </a:effectRef>
+          <a:fontRef idx="minor">
+            <a:schemeClr val="tx1"/>
+          </a:fontRef>
+        </p:style>
+      </p:cxnSp>
+      <p:pic>
+        <p:nvPicPr>
+          <p:cNvPr id="34" name="Picture 33"/>
+          <p:cNvPicPr>
+            <a:picLocks noChangeAspect="1"/>
+          </p:cNvPicPr>
+          <p:nvPr/>
+        </p:nvPicPr>
+        <p:blipFill>
+          <a:blip r:embed="rId4"/>
+          <a:stretch>
+            <a:fillRect/>
+          </a:stretch>
+        </p:blipFill>
+        <p:spPr>
+          <a:xfrm>
+            <a:off x="3245990" y="5078180"/>
+            <a:ext cx="504825" cy="276225"/>
+          </a:xfrm>
+          <a:prstGeom prst="rect">
+            <a:avLst/>
+          </a:prstGeom>
+        </p:spPr>
+      </p:pic>
+      <p:cxnSp>
+        <p:nvCxnSpPr>
+          <p:cNvPr id="35" name="Straight Connector 34"/>
+          <p:cNvCxnSpPr/>
+          <p:nvPr/>
+        </p:nvCxnSpPr>
+        <p:spPr>
+          <a:xfrm>
+            <a:off x="2316403" y="3651275"/>
+            <a:ext cx="0" cy="1353345"/>
+          </a:xfrm>
+          <a:prstGeom prst="line">
+            <a:avLst/>
+          </a:prstGeom>
+          <a:ln>
+            <a:solidFill>
+              <a:schemeClr val="tx1"/>
+            </a:solidFill>
+            <a:prstDash val="sysDot"/>
+          </a:ln>
+        </p:spPr>
+        <p:style>
+          <a:lnRef idx="1">
+            <a:schemeClr val="accent1"/>
+          </a:lnRef>
+          <a:fillRef idx="0">
+            <a:schemeClr val="accent1"/>
+          </a:fillRef>
+          <a:effectRef idx="0">
+            <a:schemeClr val="accent1"/>
+          </a:effectRef>
+          <a:fontRef idx="minor">
+            <a:schemeClr val="tx1"/>
+          </a:fontRef>
+        </p:style>
+      </p:cxnSp>
+      <p:sp>
+        <p:nvSpPr>
+          <p:cNvPr id="36" name="Rectangle 35"/>
+          <p:cNvSpPr/>
+          <p:nvPr/>
+        </p:nvSpPr>
+        <p:spPr>
+          <a:xfrm>
+            <a:off x="2210867" y="5354405"/>
+            <a:ext cx="268942" cy="587925"/>
+          </a:xfrm>
+          <a:prstGeom prst="rect">
+            <a:avLst/>
+          </a:prstGeom>
+        </p:spPr>
+        <p:style>
+          <a:lnRef idx="0">
+            <a:schemeClr val="accent1"/>
+          </a:lnRef>
+          <a:fillRef idx="3">
+            <a:schemeClr val="accent1"/>
+          </a:fillRef>
+          <a:effectRef idx="3">
+            <a:schemeClr val="accent1"/>
+          </a:effectRef>
+          <a:fontRef idx="minor">
+            <a:schemeClr val="lt1"/>
+          </a:fontRef>
+        </p:style>
+        <p:txBody>
+          <a:bodyPr rtlCol="0" anchor="ctr"/>
+          <a:lstStyle/>
+          <a:p>
+            <a:pPr algn="ctr"/>
+            <a:endParaRPr lang="en-AU"/>
+          </a:p>
+        </p:txBody>
+      </p:sp>
+      <p:sp>
+        <p:nvSpPr>
+          <p:cNvPr id="37" name="Right Bracket 36"/>
+          <p:cNvSpPr/>
+          <p:nvPr/>
+        </p:nvSpPr>
+        <p:spPr>
+          <a:xfrm rot="10800000">
+            <a:off x="2044523" y="5365235"/>
+            <a:ext cx="146602" cy="577093"/>
+          </a:xfrm>
+          <a:prstGeom prst="rightBracket">
+            <a:avLst/>
+          </a:prstGeom>
+        </p:spPr>
+        <p:style>
+          <a:lnRef idx="1">
+            <a:schemeClr val="accent1"/>
+          </a:lnRef>
+          <a:fillRef idx="0">
+            <a:schemeClr val="accent1"/>
+          </a:fillRef>
+          <a:effectRef idx="0">
+            <a:schemeClr val="accent1"/>
+          </a:effectRef>
+          <a:fontRef idx="minor">
+            <a:schemeClr val="tx1"/>
+          </a:fontRef>
+        </p:style>
+        <p:txBody>
+          <a:bodyPr rtlCol="0" anchor="ctr"/>
+          <a:lstStyle/>
+          <a:p>
+            <a:pPr algn="ctr"/>
+            <a:endParaRPr lang="en-AU"/>
+          </a:p>
+        </p:txBody>
+      </p:sp>
+      <p:sp>
+        <p:nvSpPr>
+          <p:cNvPr id="38" name="TextBox 37"/>
+          <p:cNvSpPr txBox="1"/>
+          <p:nvPr/>
+        </p:nvSpPr>
+        <p:spPr>
+          <a:xfrm>
+            <a:off x="1647620" y="5473983"/>
+            <a:ext cx="415498" cy="369332"/>
+          </a:xfrm>
+          <a:prstGeom prst="rect">
+            <a:avLst/>
+          </a:prstGeom>
+          <a:noFill/>
+        </p:spPr>
+        <p:txBody>
+          <a:bodyPr wrap="none" rtlCol="0">
+            <a:spAutoFit/>
+          </a:bodyPr>
+          <a:lstStyle/>
+          <a:p>
+            <a:r>
+              <a:rPr lang="en-US" sz="900" dirty="0"/>
+              <a:t>X km</a:t>
+            </a:r>
+          </a:p>
+          <a:p>
+            <a:r>
+              <a:rPr lang="en-US" sz="900" dirty="0"/>
+              <a:t>gas</a:t>
+            </a:r>
+            <a:endParaRPr lang="en-AU" sz="900" dirty="0"/>
+          </a:p>
+        </p:txBody>
+      </p:sp>
+      <p:sp>
+        <p:nvSpPr>
+          <p:cNvPr id="39" name="Right Bracket 38"/>
+          <p:cNvSpPr/>
+          <p:nvPr/>
+        </p:nvSpPr>
+        <p:spPr>
+          <a:xfrm rot="5400000" flipH="1">
+            <a:off x="3843303" y="2581208"/>
+            <a:ext cx="231226" cy="760303"/>
+          </a:xfrm>
+          <a:prstGeom prst="rightBracket">
+            <a:avLst/>
+          </a:prstGeom>
+        </p:spPr>
+        <p:style>
+          <a:lnRef idx="1">
+            <a:schemeClr val="accent1"/>
+          </a:lnRef>
+          <a:fillRef idx="0">
+            <a:schemeClr val="accent1"/>
+          </a:fillRef>
+          <a:effectRef idx="0">
+            <a:schemeClr val="accent1"/>
+          </a:effectRef>
+          <a:fontRef idx="minor">
+            <a:schemeClr val="tx1"/>
+          </a:fontRef>
+        </p:style>
+        <p:txBody>
+          <a:bodyPr rtlCol="0" anchor="ctr"/>
+          <a:lstStyle/>
+          <a:p>
+            <a:pPr algn="ctr"/>
+            <a:endParaRPr lang="en-AU"/>
+          </a:p>
+        </p:txBody>
+      </p:sp>
+      <p:sp>
+        <p:nvSpPr>
+          <p:cNvPr id="40" name="Rectangle 39"/>
+          <p:cNvSpPr/>
+          <p:nvPr/>
+        </p:nvSpPr>
+        <p:spPr>
+          <a:xfrm>
+            <a:off x="7431840" y="3689129"/>
+            <a:ext cx="268942" cy="393881"/>
+          </a:xfrm>
+          <a:prstGeom prst="rect">
+            <a:avLst/>
+          </a:prstGeom>
+        </p:spPr>
+        <p:style>
+          <a:lnRef idx="1">
+            <a:schemeClr val="accent6"/>
+          </a:lnRef>
+          <a:fillRef idx="2">
+            <a:schemeClr val="accent6"/>
+          </a:fillRef>
+          <a:effectRef idx="1">
+            <a:schemeClr val="accent6"/>
+          </a:effectRef>
+          <a:fontRef idx="minor">
+            <a:schemeClr val="dk1"/>
+          </a:fontRef>
+        </p:style>
+        <p:txBody>
+          <a:bodyPr rtlCol="0" anchor="ctr"/>
+          <a:lstStyle/>
+          <a:p>
+            <a:pPr algn="ctr"/>
+            <a:endParaRPr lang="en-AU"/>
+          </a:p>
+        </p:txBody>
+      </p:sp>
+      <p:sp>
+        <p:nvSpPr>
+          <p:cNvPr id="41" name="Rectangle 40"/>
+          <p:cNvSpPr/>
+          <p:nvPr/>
+        </p:nvSpPr>
+        <p:spPr>
+          <a:xfrm>
+            <a:off x="7431841" y="3405755"/>
+            <a:ext cx="268942" cy="277199"/>
+          </a:xfrm>
+          <a:prstGeom prst="rect">
+            <a:avLst/>
+          </a:prstGeom>
+          <a:solidFill>
+            <a:schemeClr val="bg1">
+              <a:lumMod val="75000"/>
+            </a:schemeClr>
+          </a:solidFill>
+          <a:ln>
+            <a:noFill/>
+          </a:ln>
+        </p:spPr>
+        <p:style>
+          <a:lnRef idx="0">
+            <a:schemeClr val="accent3"/>
+          </a:lnRef>
+          <a:fillRef idx="3">
+            <a:schemeClr val="accent3"/>
+          </a:fillRef>
+          <a:effectRef idx="3">
+            <a:schemeClr val="accent3"/>
+          </a:effectRef>
+          <a:fontRef idx="minor">
+            <a:schemeClr val="lt1"/>
+          </a:fontRef>
+        </p:style>
+        <p:txBody>
+          <a:bodyPr rtlCol="0" anchor="ctr"/>
+          <a:lstStyle/>
+          <a:p>
+            <a:pPr algn="ctr"/>
+            <a:endParaRPr lang="en-AU"/>
+          </a:p>
+        </p:txBody>
+      </p:sp>
+      <p:sp>
+        <p:nvSpPr>
+          <p:cNvPr id="42" name="Right Bracket 41"/>
+          <p:cNvSpPr/>
+          <p:nvPr/>
+        </p:nvSpPr>
+        <p:spPr>
+          <a:xfrm rot="10800000">
+            <a:off x="7068531" y="3505135"/>
+            <a:ext cx="155345" cy="577093"/>
+          </a:xfrm>
+          <a:prstGeom prst="rightBracket">
+            <a:avLst/>
+          </a:prstGeom>
+        </p:spPr>
+        <p:style>
+          <a:lnRef idx="1">
+            <a:schemeClr val="accent1"/>
+          </a:lnRef>
+          <a:fillRef idx="0">
+            <a:schemeClr val="accent1"/>
+          </a:fillRef>
+          <a:effectRef idx="0">
+            <a:schemeClr val="accent1"/>
+          </a:effectRef>
+          <a:fontRef idx="minor">
+            <a:schemeClr val="tx1"/>
+          </a:fontRef>
+        </p:style>
+        <p:txBody>
+          <a:bodyPr rtlCol="0" anchor="ctr"/>
+          <a:lstStyle/>
+          <a:p>
+            <a:pPr algn="ctr"/>
+            <a:endParaRPr lang="en-AU"/>
+          </a:p>
+        </p:txBody>
+      </p:sp>
+      <p:sp>
+        <p:nvSpPr>
+          <p:cNvPr id="43" name="TextBox 42"/>
+          <p:cNvSpPr txBox="1"/>
+          <p:nvPr/>
+        </p:nvSpPr>
+        <p:spPr>
+          <a:xfrm>
+            <a:off x="6704610" y="3643646"/>
+            <a:ext cx="415498" cy="369332"/>
+          </a:xfrm>
+          <a:prstGeom prst="rect">
+            <a:avLst/>
+          </a:prstGeom>
+          <a:noFill/>
+        </p:spPr>
+        <p:txBody>
+          <a:bodyPr wrap="none" rtlCol="0">
+            <a:spAutoFit/>
+          </a:bodyPr>
+          <a:lstStyle/>
+          <a:p>
+            <a:r>
+              <a:rPr lang="en-US" sz="900" dirty="0"/>
+              <a:t>X km</a:t>
+            </a:r>
+          </a:p>
+          <a:p>
+            <a:r>
+              <a:rPr lang="en-US" sz="900" dirty="0"/>
+              <a:t>gas</a:t>
+            </a:r>
+            <a:endParaRPr lang="en-AU" sz="900" dirty="0"/>
+          </a:p>
+        </p:txBody>
+      </p:sp>
+      <p:sp>
+        <p:nvSpPr>
+          <p:cNvPr id="44" name="TextBox 43"/>
+          <p:cNvSpPr txBox="1"/>
+          <p:nvPr/>
+        </p:nvSpPr>
+        <p:spPr>
+          <a:xfrm>
+            <a:off x="7068532" y="3817959"/>
+            <a:ext cx="660758" cy="507831"/>
+          </a:xfrm>
+          <a:prstGeom prst="rect">
+            <a:avLst/>
+          </a:prstGeom>
+          <a:noFill/>
+        </p:spPr>
+        <p:txBody>
+          <a:bodyPr wrap="none" rtlCol="0">
+            <a:spAutoFit/>
+          </a:bodyPr>
+          <a:lstStyle/>
+          <a:p>
+            <a:r>
+              <a:rPr lang="en-US" sz="900" dirty="0"/>
+              <a:t>j</a:t>
+            </a:r>
+            <a:r>
+              <a:rPr lang="en-US" sz="900" dirty="0"/>
+              <a:t> km</a:t>
+            </a:r>
+          </a:p>
+          <a:p>
+            <a:r>
+              <a:rPr lang="en-US" sz="900" dirty="0"/>
+              <a:t>gas </a:t>
+            </a:r>
+          </a:p>
+          <a:p>
+            <a:r>
+              <a:rPr lang="en-US" sz="900" dirty="0"/>
+              <a:t>remaining</a:t>
+            </a:r>
+            <a:endParaRPr lang="en-AU" sz="900" dirty="0"/>
+          </a:p>
+        </p:txBody>
+      </p:sp>
+      <p:sp>
+        <p:nvSpPr>
+          <p:cNvPr id="45" name="Right Bracket 44"/>
+          <p:cNvSpPr/>
+          <p:nvPr/>
+        </p:nvSpPr>
+        <p:spPr>
+          <a:xfrm rot="10800000">
+            <a:off x="7268481" y="3682952"/>
+            <a:ext cx="130431" cy="391219"/>
+          </a:xfrm>
+          <a:prstGeom prst="rightBracket">
+            <a:avLst/>
+          </a:prstGeom>
+        </p:spPr>
+        <p:style>
+          <a:lnRef idx="1">
+            <a:schemeClr val="accent1"/>
+          </a:lnRef>
+          <a:fillRef idx="0">
+            <a:schemeClr val="accent1"/>
+          </a:fillRef>
+          <a:effectRef idx="0">
+            <a:schemeClr val="accent1"/>
+          </a:effectRef>
+          <a:fontRef idx="minor">
+            <a:schemeClr val="tx1"/>
+          </a:fontRef>
+        </p:style>
+        <p:txBody>
+          <a:bodyPr rtlCol="0" anchor="ctr"/>
+          <a:lstStyle/>
+          <a:p>
+            <a:pPr algn="ctr"/>
+            <a:endParaRPr lang="en-AU"/>
+          </a:p>
+        </p:txBody>
+      </p:sp>
+      <p:sp>
+        <p:nvSpPr>
+          <p:cNvPr id="46" name="Rectangle 45"/>
+          <p:cNvSpPr/>
+          <p:nvPr/>
+        </p:nvSpPr>
+        <p:spPr>
+          <a:xfrm>
+            <a:off x="7761627" y="3817959"/>
+            <a:ext cx="268942" cy="265051"/>
+          </a:xfrm>
+          <a:prstGeom prst="rect">
+            <a:avLst/>
+          </a:prstGeom>
+        </p:spPr>
+        <p:style>
+          <a:lnRef idx="1">
+            <a:schemeClr val="accent4"/>
+          </a:lnRef>
+          <a:fillRef idx="2">
+            <a:schemeClr val="accent4"/>
+          </a:fillRef>
+          <a:effectRef idx="1">
+            <a:schemeClr val="accent4"/>
+          </a:effectRef>
+          <a:fontRef idx="minor">
+            <a:schemeClr val="dk1"/>
+          </a:fontRef>
+        </p:style>
+        <p:txBody>
+          <a:bodyPr rtlCol="0" anchor="ctr"/>
+          <a:lstStyle/>
+          <a:p>
+            <a:pPr algn="ctr"/>
+            <a:endParaRPr lang="en-AU"/>
+          </a:p>
+        </p:txBody>
+      </p:sp>
+      <p:sp>
+        <p:nvSpPr>
+          <p:cNvPr id="47" name="TextBox 46"/>
+          <p:cNvSpPr txBox="1"/>
+          <p:nvPr/>
+        </p:nvSpPr>
+        <p:spPr>
+          <a:xfrm>
+            <a:off x="8004645" y="3845390"/>
+            <a:ext cx="492443" cy="230832"/>
+          </a:xfrm>
+          <a:prstGeom prst="rect">
+            <a:avLst/>
+          </a:prstGeom>
+          <a:noFill/>
+        </p:spPr>
+        <p:txBody>
+          <a:bodyPr wrap="none" rtlCol="0">
+            <a:spAutoFit/>
+          </a:bodyPr>
+          <a:lstStyle/>
+          <a:p>
+            <a:r>
+              <a:rPr lang="en-US" sz="900" dirty="0"/>
+              <a:t>∆D </a:t>
+            </a:r>
+            <a:r>
+              <a:rPr lang="en-US" sz="900" dirty="0"/>
+              <a:t>km</a:t>
+            </a:r>
+          </a:p>
+        </p:txBody>
+      </p:sp>
+      <p:sp>
+        <p:nvSpPr>
+          <p:cNvPr id="48" name="Right Bracket 47"/>
+          <p:cNvSpPr/>
+          <p:nvPr/>
+        </p:nvSpPr>
+        <p:spPr>
+          <a:xfrm rot="10800000">
+            <a:off x="6008700" y="3878559"/>
+            <a:ext cx="719060" cy="1805183"/>
+          </a:xfrm>
+          <a:prstGeom prst="rightBracket">
+            <a:avLst/>
+          </a:prstGeom>
+        </p:spPr>
+        <p:style>
+          <a:lnRef idx="1">
+            <a:schemeClr val="accent1"/>
+          </a:lnRef>
+          <a:fillRef idx="0">
+            <a:schemeClr val="accent1"/>
+          </a:fillRef>
+          <a:effectRef idx="0">
+            <a:schemeClr val="accent1"/>
+          </a:effectRef>
+          <a:fontRef idx="minor">
+            <a:schemeClr val="tx1"/>
+          </a:fontRef>
+        </p:style>
+        <p:txBody>
+          <a:bodyPr rtlCol="0" anchor="ctr"/>
+          <a:lstStyle/>
+          <a:p>
+            <a:pPr algn="ctr"/>
+            <a:endParaRPr lang="en-AU"/>
+          </a:p>
+        </p:txBody>
+      </p:sp>
+      <p:sp>
+        <p:nvSpPr>
+          <p:cNvPr id="49" name="TextBox 48"/>
+          <p:cNvSpPr txBox="1"/>
+          <p:nvPr/>
+        </p:nvSpPr>
+        <p:spPr>
+          <a:xfrm>
+            <a:off x="6156089" y="5444713"/>
+            <a:ext cx="468398" cy="230832"/>
+          </a:xfrm>
+          <a:prstGeom prst="rect">
+            <a:avLst/>
+          </a:prstGeom>
+          <a:noFill/>
+        </p:spPr>
+        <p:txBody>
+          <a:bodyPr wrap="none" rtlCol="0">
+            <a:spAutoFit/>
+          </a:bodyPr>
+          <a:lstStyle/>
+          <a:p>
+            <a:r>
+              <a:rPr lang="en-US" sz="900" b="1" dirty="0">
+                <a:solidFill>
+                  <a:srgbClr val="C00000"/>
+                </a:solidFill>
+              </a:rPr>
+              <a:t>fill-up</a:t>
+            </a:r>
+            <a:endParaRPr lang="en-AU" sz="900" b="1" dirty="0">
+              <a:solidFill>
+                <a:srgbClr val="C00000"/>
+              </a:solidFill>
+            </a:endParaRPr>
+          </a:p>
+        </p:txBody>
+      </p:sp>
+      <p:sp>
+        <p:nvSpPr>
+          <p:cNvPr id="50" name="TextBox 49"/>
+          <p:cNvSpPr txBox="1"/>
+          <p:nvPr/>
+        </p:nvSpPr>
+        <p:spPr>
+          <a:xfrm>
+            <a:off x="5885445" y="3659563"/>
+            <a:ext cx="915635" cy="230832"/>
+          </a:xfrm>
+          <a:prstGeom prst="rect">
+            <a:avLst/>
+          </a:prstGeom>
+          <a:noFill/>
+        </p:spPr>
+        <p:txBody>
+          <a:bodyPr wrap="none" rtlCol="0">
+            <a:spAutoFit/>
+          </a:bodyPr>
+          <a:lstStyle/>
+          <a:p>
+            <a:r>
+              <a:rPr lang="en-US" sz="900" b="1" dirty="0">
+                <a:solidFill>
+                  <a:schemeClr val="accent6">
+                    <a:lumMod val="50000"/>
+                  </a:schemeClr>
+                </a:solidFill>
+              </a:rPr>
+              <a:t>Optional fill-up</a:t>
+            </a:r>
+            <a:endParaRPr lang="en-AU" sz="900" b="1" dirty="0">
+              <a:solidFill>
+                <a:schemeClr val="accent6">
+                  <a:lumMod val="50000"/>
+                </a:schemeClr>
+              </a:solidFill>
+            </a:endParaRPr>
+          </a:p>
+        </p:txBody>
+      </p:sp>
+      <p:sp>
+        <p:nvSpPr>
+          <p:cNvPr id="51" name="Rectangle 50"/>
+          <p:cNvSpPr/>
+          <p:nvPr/>
+        </p:nvSpPr>
+        <p:spPr>
+          <a:xfrm>
+            <a:off x="7431840" y="5535908"/>
+            <a:ext cx="268942" cy="393881"/>
+          </a:xfrm>
+          <a:prstGeom prst="rect">
+            <a:avLst/>
+          </a:prstGeom>
+        </p:spPr>
+        <p:style>
+          <a:lnRef idx="1">
+            <a:schemeClr val="accent2"/>
+          </a:lnRef>
+          <a:fillRef idx="2">
+            <a:schemeClr val="accent2"/>
+          </a:fillRef>
+          <a:effectRef idx="1">
+            <a:schemeClr val="accent2"/>
+          </a:effectRef>
+          <a:fontRef idx="minor">
+            <a:schemeClr val="dk1"/>
+          </a:fontRef>
+        </p:style>
+        <p:txBody>
+          <a:bodyPr rtlCol="0" anchor="ctr"/>
+          <a:lstStyle/>
+          <a:p>
+            <a:pPr algn="ctr"/>
+            <a:endParaRPr lang="en-AU"/>
+          </a:p>
+        </p:txBody>
+      </p:sp>
+      <p:sp>
+        <p:nvSpPr>
+          <p:cNvPr id="52" name="Rectangle 51"/>
+          <p:cNvSpPr/>
+          <p:nvPr/>
+        </p:nvSpPr>
+        <p:spPr>
+          <a:xfrm>
+            <a:off x="7431841" y="5320054"/>
+            <a:ext cx="268942" cy="209679"/>
+          </a:xfrm>
+          <a:prstGeom prst="rect">
+            <a:avLst/>
+          </a:prstGeom>
+          <a:solidFill>
+            <a:schemeClr val="bg1">
+              <a:lumMod val="75000"/>
+            </a:schemeClr>
+          </a:solidFill>
+          <a:ln/>
+        </p:spPr>
+        <p:style>
+          <a:lnRef idx="0">
+            <a:schemeClr val="accent3"/>
+          </a:lnRef>
+          <a:fillRef idx="3">
+            <a:schemeClr val="accent3"/>
+          </a:fillRef>
+          <a:effectRef idx="3">
+            <a:schemeClr val="accent3"/>
+          </a:effectRef>
+          <a:fontRef idx="minor">
+            <a:schemeClr val="lt1"/>
+          </a:fontRef>
+        </p:style>
+        <p:txBody>
+          <a:bodyPr rtlCol="0" anchor="ctr"/>
+          <a:lstStyle/>
+          <a:p>
+            <a:pPr algn="ctr"/>
+            <a:endParaRPr lang="en-AU"/>
+          </a:p>
+        </p:txBody>
+      </p:sp>
+      <p:sp>
+        <p:nvSpPr>
+          <p:cNvPr id="53" name="Right Bracket 52"/>
+          <p:cNvSpPr/>
+          <p:nvPr/>
+        </p:nvSpPr>
+        <p:spPr>
+          <a:xfrm rot="10800000">
+            <a:off x="7068531" y="5351914"/>
+            <a:ext cx="155345" cy="577093"/>
+          </a:xfrm>
+          <a:prstGeom prst="rightBracket">
+            <a:avLst/>
+          </a:prstGeom>
+        </p:spPr>
+        <p:style>
+          <a:lnRef idx="1">
+            <a:schemeClr val="accent1"/>
+          </a:lnRef>
+          <a:fillRef idx="0">
+            <a:schemeClr val="accent1"/>
+          </a:fillRef>
+          <a:effectRef idx="0">
+            <a:schemeClr val="accent1"/>
+          </a:effectRef>
+          <a:fontRef idx="minor">
+            <a:schemeClr val="tx1"/>
+          </a:fontRef>
+        </p:style>
+        <p:txBody>
+          <a:bodyPr rtlCol="0" anchor="ctr"/>
+          <a:lstStyle/>
+          <a:p>
+            <a:pPr algn="ctr"/>
+            <a:endParaRPr lang="en-AU"/>
+          </a:p>
+        </p:txBody>
+      </p:sp>
+      <p:sp>
+        <p:nvSpPr>
+          <p:cNvPr id="54" name="TextBox 53"/>
+          <p:cNvSpPr txBox="1"/>
+          <p:nvPr/>
+        </p:nvSpPr>
+        <p:spPr>
+          <a:xfrm>
+            <a:off x="6704610" y="5490425"/>
+            <a:ext cx="415498" cy="369332"/>
+          </a:xfrm>
+          <a:prstGeom prst="rect">
+            <a:avLst/>
+          </a:prstGeom>
+          <a:noFill/>
+        </p:spPr>
+        <p:txBody>
+          <a:bodyPr wrap="none" rtlCol="0">
+            <a:spAutoFit/>
+          </a:bodyPr>
+          <a:lstStyle/>
+          <a:p>
+            <a:r>
+              <a:rPr lang="en-US" sz="900" dirty="0"/>
+              <a:t>X km</a:t>
+            </a:r>
+          </a:p>
+          <a:p>
+            <a:r>
+              <a:rPr lang="en-US" sz="900" dirty="0"/>
+              <a:t>gas</a:t>
+            </a:r>
+            <a:endParaRPr lang="en-AU" sz="900" dirty="0"/>
+          </a:p>
+        </p:txBody>
+      </p:sp>
+      <p:sp>
+        <p:nvSpPr>
+          <p:cNvPr id="55" name="TextBox 54"/>
+          <p:cNvSpPr txBox="1"/>
+          <p:nvPr/>
+        </p:nvSpPr>
+        <p:spPr>
+          <a:xfrm>
+            <a:off x="7068532" y="5664738"/>
+            <a:ext cx="660758" cy="507831"/>
+          </a:xfrm>
+          <a:prstGeom prst="rect">
+            <a:avLst/>
+          </a:prstGeom>
+          <a:noFill/>
+        </p:spPr>
+        <p:txBody>
+          <a:bodyPr wrap="none" rtlCol="0">
+            <a:spAutoFit/>
+          </a:bodyPr>
+          <a:lstStyle/>
+          <a:p>
+            <a:r>
+              <a:rPr lang="en-US" sz="900" dirty="0"/>
+              <a:t>j</a:t>
+            </a:r>
+            <a:r>
+              <a:rPr lang="en-US" sz="900" dirty="0"/>
+              <a:t> km</a:t>
+            </a:r>
+          </a:p>
+          <a:p>
+            <a:r>
+              <a:rPr lang="en-US" sz="900" dirty="0"/>
+              <a:t>gas </a:t>
+            </a:r>
+          </a:p>
+          <a:p>
+            <a:r>
+              <a:rPr lang="en-US" sz="900" dirty="0"/>
+              <a:t>remaining</a:t>
+            </a:r>
+            <a:endParaRPr lang="en-AU" sz="900" dirty="0"/>
+          </a:p>
+        </p:txBody>
+      </p:sp>
+      <p:sp>
+        <p:nvSpPr>
+          <p:cNvPr id="56" name="Right Bracket 55"/>
+          <p:cNvSpPr/>
+          <p:nvPr/>
+        </p:nvSpPr>
+        <p:spPr>
+          <a:xfrm rot="10800000">
+            <a:off x="7268481" y="5529731"/>
+            <a:ext cx="130431" cy="391219"/>
+          </a:xfrm>
+          <a:prstGeom prst="rightBracket">
+            <a:avLst/>
+          </a:prstGeom>
+        </p:spPr>
+        <p:style>
+          <a:lnRef idx="1">
+            <a:schemeClr val="accent1"/>
+          </a:lnRef>
+          <a:fillRef idx="0">
+            <a:schemeClr val="accent1"/>
+          </a:fillRef>
+          <a:effectRef idx="0">
+            <a:schemeClr val="accent1"/>
+          </a:effectRef>
+          <a:fontRef idx="minor">
+            <a:schemeClr val="tx1"/>
+          </a:fontRef>
+        </p:style>
+        <p:txBody>
+          <a:bodyPr rtlCol="0" anchor="ctr"/>
+          <a:lstStyle/>
+          <a:p>
+            <a:pPr algn="ctr"/>
+            <a:endParaRPr lang="en-AU"/>
+          </a:p>
+        </p:txBody>
+      </p:sp>
+      <p:sp>
+        <p:nvSpPr>
+          <p:cNvPr id="57" name="Rectangle 56"/>
+          <p:cNvSpPr/>
+          <p:nvPr/>
+        </p:nvSpPr>
+        <p:spPr>
+          <a:xfrm>
+            <a:off x="7761627" y="5406956"/>
+            <a:ext cx="268942" cy="522833"/>
+          </a:xfrm>
+          <a:prstGeom prst="rect">
+            <a:avLst/>
+          </a:prstGeom>
+        </p:spPr>
+        <p:style>
+          <a:lnRef idx="1">
+            <a:schemeClr val="accent4"/>
+          </a:lnRef>
+          <a:fillRef idx="2">
+            <a:schemeClr val="accent4"/>
+          </a:fillRef>
+          <a:effectRef idx="1">
+            <a:schemeClr val="accent4"/>
+          </a:effectRef>
+          <a:fontRef idx="minor">
+            <a:schemeClr val="dk1"/>
+          </a:fontRef>
+        </p:style>
+        <p:txBody>
+          <a:bodyPr rtlCol="0" anchor="ctr"/>
+          <a:lstStyle/>
+          <a:p>
+            <a:pPr algn="ctr"/>
+            <a:endParaRPr lang="en-AU"/>
+          </a:p>
+        </p:txBody>
+      </p:sp>
+      <p:sp>
+        <p:nvSpPr>
+          <p:cNvPr id="58" name="TextBox 57"/>
+          <p:cNvSpPr txBox="1"/>
+          <p:nvPr/>
+        </p:nvSpPr>
+        <p:spPr>
+          <a:xfrm>
+            <a:off x="8004645" y="5589399"/>
+            <a:ext cx="492443" cy="230832"/>
+          </a:xfrm>
+          <a:prstGeom prst="rect">
+            <a:avLst/>
+          </a:prstGeom>
+          <a:noFill/>
+        </p:spPr>
+        <p:txBody>
+          <a:bodyPr wrap="none" rtlCol="0">
+            <a:spAutoFit/>
+          </a:bodyPr>
+          <a:lstStyle/>
+          <a:p>
+            <a:r>
+              <a:rPr lang="en-US" sz="900" dirty="0"/>
+              <a:t>∆D </a:t>
+            </a:r>
+            <a:r>
+              <a:rPr lang="en-US" sz="900" dirty="0"/>
+              <a:t>km</a:t>
+            </a:r>
+          </a:p>
+        </p:txBody>
+      </p:sp>
+      <p:cxnSp>
+        <p:nvCxnSpPr>
+          <p:cNvPr id="59" name="Straight Arrow Connector 58"/>
+          <p:cNvCxnSpPr>
+            <a:endCxn id="48" idx="2"/>
+          </p:cNvCxnSpPr>
+          <p:nvPr/>
+        </p:nvCxnSpPr>
+        <p:spPr>
+          <a:xfrm>
+            <a:off x="5109954" y="4781149"/>
+            <a:ext cx="898746" cy="0"/>
+          </a:xfrm>
+          <a:prstGeom prst="straightConnector1">
+            <a:avLst/>
+          </a:prstGeom>
+          <a:ln>
+            <a:tailEnd type="triangle"/>
+          </a:ln>
+        </p:spPr>
+        <p:style>
+          <a:lnRef idx="1">
+            <a:schemeClr val="accent1"/>
+          </a:lnRef>
+          <a:fillRef idx="0">
+            <a:schemeClr val="accent1"/>
+          </a:fillRef>
+          <a:effectRef idx="0">
+            <a:schemeClr val="accent1"/>
+          </a:effectRef>
+          <a:fontRef idx="minor">
+            <a:schemeClr val="tx1"/>
+          </a:fontRef>
+        </p:style>
+      </p:cxnSp>
+      <p:sp>
+        <p:nvSpPr>
+          <p:cNvPr id="60" name="TextBox 59"/>
+          <p:cNvSpPr txBox="1"/>
+          <p:nvPr/>
+        </p:nvSpPr>
+        <p:spPr>
+          <a:xfrm>
+            <a:off x="5104966" y="4525024"/>
+            <a:ext cx="856325" cy="230832"/>
+          </a:xfrm>
+          <a:prstGeom prst="rect">
+            <a:avLst/>
+          </a:prstGeom>
+          <a:noFill/>
+        </p:spPr>
+        <p:txBody>
+          <a:bodyPr wrap="none" rtlCol="0">
+            <a:spAutoFit/>
+          </a:bodyPr>
+          <a:lstStyle/>
+          <a:p>
+            <a:r>
+              <a:rPr lang="en-US" sz="900" dirty="0"/>
+              <a:t>Binary choices</a:t>
+            </a:r>
+            <a:endParaRPr lang="en-AU" sz="900" dirty="0"/>
+          </a:p>
+        </p:txBody>
+      </p:sp>
+      <p:sp>
+        <p:nvSpPr>
+          <p:cNvPr id="61" name="TextBox 60"/>
+          <p:cNvSpPr txBox="1"/>
+          <p:nvPr/>
+        </p:nvSpPr>
+        <p:spPr>
+          <a:xfrm>
+            <a:off x="8468588" y="5589399"/>
+            <a:ext cx="1405842" cy="215444"/>
+          </a:xfrm>
+          <a:prstGeom prst="rect">
+            <a:avLst/>
+          </a:prstGeom>
+          <a:noFill/>
+        </p:spPr>
+        <p:txBody>
+          <a:bodyPr wrap="square" rtlCol="0">
+            <a:spAutoFit/>
+          </a:bodyPr>
+          <a:lstStyle/>
+          <a:p>
+            <a:r>
+              <a:rPr lang="en-US" sz="800" dirty="0">
+                <a:latin typeface="Fira Mono" panose="020B0609050000020004" pitchFamily="49" charset="0"/>
+                <a:ea typeface="Fira Mono" panose="020B0609050000020004" pitchFamily="49" charset="0"/>
+              </a:rPr>
+              <a:t>1 + f(i+1), X </a:t>
+            </a:r>
+            <a:r>
+              <a:rPr lang="en-US" sz="800" dirty="0">
+                <a:latin typeface="Fira Mono" panose="020B0609050000020004" pitchFamily="49" charset="0"/>
+                <a:ea typeface="Fira Mono" panose="020B0609050000020004" pitchFamily="49" charset="0"/>
+              </a:rPr>
+              <a:t>- ∆</a:t>
+            </a:r>
+            <a:r>
+              <a:rPr lang="en-US" sz="800" dirty="0">
+                <a:latin typeface="Fira Mono" panose="020B0609050000020004" pitchFamily="49" charset="0"/>
+                <a:ea typeface="Fira Mono" panose="020B0609050000020004" pitchFamily="49" charset="0"/>
+              </a:rPr>
+              <a:t>Di)</a:t>
+            </a:r>
+            <a:endParaRPr lang="en-AU" sz="800" dirty="0">
+              <a:latin typeface="Fira Mono" panose="020B0609050000020004" pitchFamily="49" charset="0"/>
+              <a:ea typeface="Fira Mono" panose="020B0609050000020004" pitchFamily="49" charset="0"/>
+            </a:endParaRPr>
+          </a:p>
+        </p:txBody>
+      </p:sp>
+      <p:sp>
+        <p:nvSpPr>
+          <p:cNvPr id="62" name="Rectangle 61"/>
+          <p:cNvSpPr/>
+          <p:nvPr/>
+        </p:nvSpPr>
+        <p:spPr>
+          <a:xfrm>
+            <a:off x="7427496" y="3397437"/>
+            <a:ext cx="273287" cy="420521"/>
+          </a:xfrm>
+          <a:prstGeom prst="rect">
+            <a:avLst/>
+          </a:prstGeom>
+          <a:noFill/>
+          <a:ln w="19050">
+            <a:solidFill>
+              <a:schemeClr val="accent1">
+                <a:lumMod val="50000"/>
+              </a:schemeClr>
+            </a:solidFill>
+          </a:ln>
+        </p:spPr>
+        <p:style>
+          <a:lnRef idx="2">
+            <a:schemeClr val="accent2"/>
+          </a:lnRef>
+          <a:fillRef idx="1">
+            <a:schemeClr val="lt1"/>
+          </a:fillRef>
+          <a:effectRef idx="0">
+            <a:schemeClr val="accent2"/>
+          </a:effectRef>
+          <a:fontRef idx="minor">
+            <a:schemeClr val="dk1"/>
+          </a:fontRef>
+        </p:style>
+        <p:txBody>
+          <a:bodyPr rtlCol="0" anchor="ctr"/>
+          <a:lstStyle/>
+          <a:p>
+            <a:pPr algn="ctr"/>
+            <a:endParaRPr lang="en-AU"/>
+          </a:p>
+        </p:txBody>
+      </p:sp>
+      <p:sp>
+        <p:nvSpPr>
+          <p:cNvPr id="63" name="Rectangle 62"/>
+          <p:cNvSpPr/>
+          <p:nvPr/>
+        </p:nvSpPr>
+        <p:spPr>
+          <a:xfrm>
+            <a:off x="9266065" y="5574011"/>
+            <a:ext cx="488711" cy="198704"/>
+          </a:xfrm>
+          <a:prstGeom prst="rect">
+            <a:avLst/>
+          </a:prstGeom>
+          <a:noFill/>
+          <a:ln>
+            <a:solidFill>
+              <a:srgbClr val="C00000"/>
+            </a:solidFill>
+          </a:ln>
+        </p:spPr>
+        <p:style>
+          <a:lnRef idx="2">
+            <a:schemeClr val="accent2"/>
+          </a:lnRef>
+          <a:fillRef idx="1">
+            <a:schemeClr val="lt1"/>
+          </a:fillRef>
+          <a:effectRef idx="0">
+            <a:schemeClr val="accent2"/>
+          </a:effectRef>
+          <a:fontRef idx="minor">
+            <a:schemeClr val="dk1"/>
+          </a:fontRef>
+        </p:style>
+        <p:txBody>
+          <a:bodyPr rtlCol="0" anchor="ctr"/>
+          <a:lstStyle/>
+          <a:p>
+            <a:pPr algn="ctr"/>
+            <a:endParaRPr lang="en-AU"/>
+          </a:p>
+        </p:txBody>
+      </p:sp>
+      <p:sp>
+        <p:nvSpPr>
+          <p:cNvPr id="64" name="Rectangle 63"/>
+          <p:cNvSpPr/>
+          <p:nvPr/>
+        </p:nvSpPr>
+        <p:spPr>
+          <a:xfrm>
+            <a:off x="7419052" y="5304658"/>
+            <a:ext cx="290513" cy="90487"/>
+          </a:xfrm>
+          <a:prstGeom prst="rect">
+            <a:avLst/>
+          </a:prstGeom>
+          <a:noFill/>
+          <a:ln w="19050">
+            <a:solidFill>
+              <a:srgbClr val="C00000"/>
+            </a:solidFill>
+          </a:ln>
+        </p:spPr>
+        <p:style>
+          <a:lnRef idx="2">
+            <a:schemeClr val="accent2"/>
+          </a:lnRef>
+          <a:fillRef idx="1">
+            <a:schemeClr val="lt1"/>
+          </a:fillRef>
+          <a:effectRef idx="0">
+            <a:schemeClr val="accent2"/>
+          </a:effectRef>
+          <a:fontRef idx="minor">
+            <a:schemeClr val="dk1"/>
+          </a:fontRef>
+        </p:style>
+        <p:txBody>
+          <a:bodyPr rtlCol="0" anchor="ctr"/>
+          <a:lstStyle/>
+          <a:p>
+            <a:pPr algn="ctr"/>
+            <a:endParaRPr lang="en-AU"/>
+          </a:p>
+        </p:txBody>
+      </p:sp>
+      <p:cxnSp>
+        <p:nvCxnSpPr>
+          <p:cNvPr id="65" name="Curved Connector 64"/>
+          <p:cNvCxnSpPr>
+            <a:stCxn id="64" idx="3"/>
+            <a:endCxn id="63" idx="1"/>
+          </p:cNvCxnSpPr>
+          <p:nvPr/>
+        </p:nvCxnSpPr>
+        <p:spPr>
+          <a:xfrm>
+            <a:off x="7709564" y="5349901"/>
+            <a:ext cx="1556500" cy="323462"/>
+          </a:xfrm>
+          <a:prstGeom prst="curvedConnector3">
+            <a:avLst>
+              <a:gd name="adj1" fmla="val 80828"/>
+            </a:avLst>
+          </a:prstGeom>
+          <a:ln>
+            <a:solidFill>
+              <a:srgbClr val="C00000"/>
+            </a:solidFill>
+            <a:tailEnd type="triangle"/>
+          </a:ln>
+        </p:spPr>
+        <p:style>
+          <a:lnRef idx="1">
+            <a:schemeClr val="accent1"/>
+          </a:lnRef>
+          <a:fillRef idx="0">
+            <a:schemeClr val="accent1"/>
+          </a:fillRef>
+          <a:effectRef idx="0">
+            <a:schemeClr val="accent1"/>
+          </a:effectRef>
+          <a:fontRef idx="minor">
+            <a:schemeClr val="tx1"/>
+          </a:fontRef>
+        </p:style>
+      </p:cxnSp>
+      <p:sp>
+        <p:nvSpPr>
+          <p:cNvPr id="66" name="Rectangle 65"/>
+          <p:cNvSpPr/>
+          <p:nvPr/>
+        </p:nvSpPr>
+        <p:spPr>
+          <a:xfrm>
+            <a:off x="7448528" y="3708424"/>
+            <a:ext cx="261037" cy="86403"/>
+          </a:xfrm>
+          <a:prstGeom prst="rect">
+            <a:avLst/>
+          </a:prstGeom>
+          <a:noFill/>
+          <a:ln w="19050">
+            <a:solidFill>
+              <a:srgbClr val="C00000"/>
+            </a:solidFill>
+            <a:prstDash val="sysDash"/>
+          </a:ln>
+        </p:spPr>
+        <p:style>
+          <a:lnRef idx="2">
+            <a:schemeClr val="accent2"/>
+          </a:lnRef>
+          <a:fillRef idx="1">
+            <a:schemeClr val="lt1"/>
+          </a:fillRef>
+          <a:effectRef idx="0">
+            <a:schemeClr val="accent2"/>
+          </a:effectRef>
+          <a:fontRef idx="minor">
+            <a:schemeClr val="dk1"/>
+          </a:fontRef>
+        </p:style>
+        <p:txBody>
+          <a:bodyPr rtlCol="0" anchor="ctr"/>
+          <a:lstStyle/>
+          <a:p>
+            <a:pPr algn="ctr"/>
+            <a:endParaRPr lang="en-AU"/>
+          </a:p>
+        </p:txBody>
+      </p:sp>
+      <p:sp>
+        <p:nvSpPr>
+          <p:cNvPr id="67" name="Rectangle 66"/>
+          <p:cNvSpPr/>
+          <p:nvPr/>
+        </p:nvSpPr>
+        <p:spPr>
+          <a:xfrm>
+            <a:off x="9429361" y="3639848"/>
+            <a:ext cx="474573" cy="212627"/>
+          </a:xfrm>
+          <a:prstGeom prst="rect">
+            <a:avLst/>
+          </a:prstGeom>
+          <a:noFill/>
+          <a:ln>
+            <a:solidFill>
+              <a:schemeClr val="accent1">
+                <a:lumMod val="50000"/>
+              </a:schemeClr>
+            </a:solidFill>
+          </a:ln>
+        </p:spPr>
+        <p:style>
+          <a:lnRef idx="2">
+            <a:schemeClr val="accent2"/>
+          </a:lnRef>
+          <a:fillRef idx="1">
+            <a:schemeClr val="lt1"/>
+          </a:fillRef>
+          <a:effectRef idx="0">
+            <a:schemeClr val="accent2"/>
+          </a:effectRef>
+          <a:fontRef idx="minor">
+            <a:schemeClr val="dk1"/>
+          </a:fontRef>
+        </p:style>
+        <p:txBody>
+          <a:bodyPr rtlCol="0" anchor="ctr"/>
+          <a:lstStyle/>
+          <a:p>
+            <a:pPr algn="ctr"/>
+            <a:endParaRPr lang="en-AU"/>
+          </a:p>
+        </p:txBody>
+      </p:sp>
+      <p:cxnSp>
+        <p:nvCxnSpPr>
+          <p:cNvPr id="68" name="Curved Connector 67"/>
+          <p:cNvCxnSpPr>
+            <a:stCxn id="62" idx="3"/>
+            <a:endCxn id="67" idx="2"/>
+          </p:cNvCxnSpPr>
+          <p:nvPr/>
+        </p:nvCxnSpPr>
+        <p:spPr>
+          <a:xfrm>
+            <a:off x="7700783" y="3607698"/>
+            <a:ext cx="1965865" cy="244777"/>
+          </a:xfrm>
+          <a:prstGeom prst="curvedConnector4">
+            <a:avLst>
+              <a:gd name="adj1" fmla="val 43965"/>
+              <a:gd name="adj2" fmla="val 193391"/>
+            </a:avLst>
+          </a:prstGeom>
+          <a:ln>
+            <a:solidFill>
+              <a:schemeClr val="accent1">
+                <a:lumMod val="50000"/>
+              </a:schemeClr>
+            </a:solidFill>
+            <a:tailEnd type="triangle"/>
+          </a:ln>
+        </p:spPr>
+        <p:style>
+          <a:lnRef idx="1">
+            <a:schemeClr val="accent1"/>
+          </a:lnRef>
+          <a:fillRef idx="0">
+            <a:schemeClr val="accent1"/>
+          </a:fillRef>
+          <a:effectRef idx="0">
+            <a:schemeClr val="accent1"/>
+          </a:effectRef>
+          <a:fontRef idx="minor">
+            <a:schemeClr val="tx1"/>
+          </a:fontRef>
+        </p:style>
+      </p:cxnSp>
+      <p:cxnSp>
+        <p:nvCxnSpPr>
+          <p:cNvPr id="69" name="Curved Connector 68"/>
+          <p:cNvCxnSpPr>
+            <a:stCxn id="66" idx="3"/>
+            <a:endCxn id="71" idx="0"/>
+          </p:cNvCxnSpPr>
+          <p:nvPr/>
+        </p:nvCxnSpPr>
+        <p:spPr>
+          <a:xfrm flipV="1">
+            <a:off x="7709565" y="3640217"/>
+            <a:ext cx="2991621" cy="111409"/>
+          </a:xfrm>
+          <a:prstGeom prst="curvedConnector4">
+            <a:avLst>
+              <a:gd name="adj1" fmla="val 45750"/>
+              <a:gd name="adj2" fmla="val 305190"/>
+            </a:avLst>
+          </a:prstGeom>
+          <a:ln>
+            <a:solidFill>
+              <a:srgbClr val="C00000"/>
+            </a:solidFill>
+            <a:prstDash val="sysDash"/>
+            <a:tailEnd type="triangle"/>
+          </a:ln>
+        </p:spPr>
+        <p:style>
+          <a:lnRef idx="1">
+            <a:schemeClr val="accent1"/>
+          </a:lnRef>
+          <a:fillRef idx="0">
+            <a:schemeClr val="accent1"/>
+          </a:fillRef>
+          <a:effectRef idx="0">
+            <a:schemeClr val="accent1"/>
+          </a:effectRef>
+          <a:fontRef idx="minor">
+            <a:schemeClr val="tx1"/>
+          </a:fontRef>
+        </p:style>
+      </p:cxnSp>
+      <p:sp>
+        <p:nvSpPr>
+          <p:cNvPr id="70" name="TextBox 69"/>
+          <p:cNvSpPr txBox="1"/>
+          <p:nvPr/>
+        </p:nvSpPr>
+        <p:spPr>
+          <a:xfrm>
+            <a:off x="8468589" y="3655026"/>
+            <a:ext cx="2852665" cy="215444"/>
+          </a:xfrm>
+          <a:prstGeom prst="rect">
+            <a:avLst/>
+          </a:prstGeom>
+          <a:noFill/>
+        </p:spPr>
+        <p:txBody>
+          <a:bodyPr wrap="square" rtlCol="0">
+            <a:spAutoFit/>
+          </a:bodyPr>
+          <a:lstStyle/>
+          <a:p>
+            <a:r>
+              <a:rPr lang="en-US" sz="800" dirty="0">
+                <a:latin typeface="Fira Mono" panose="020B0609050000020004" pitchFamily="49" charset="0"/>
+                <a:ea typeface="Fira Mono" panose="020B0609050000020004" pitchFamily="49" charset="0"/>
+              </a:rPr>
+              <a:t>min{1 + f(i+1, X </a:t>
+            </a:r>
+            <a:r>
+              <a:rPr lang="en-US" sz="800" dirty="0">
+                <a:latin typeface="Fira Mono" panose="020B0609050000020004" pitchFamily="49" charset="0"/>
+                <a:ea typeface="Fira Mono" panose="020B0609050000020004" pitchFamily="49" charset="0"/>
+              </a:rPr>
+              <a:t>- ∆</a:t>
+            </a:r>
+            <a:r>
+              <a:rPr lang="en-US" sz="800" dirty="0">
+                <a:latin typeface="Fira Mono" panose="020B0609050000020004" pitchFamily="49" charset="0"/>
+                <a:ea typeface="Fira Mono" panose="020B0609050000020004" pitchFamily="49" charset="0"/>
+              </a:rPr>
+              <a:t>Di), f(i+1, j - ∆Di ) }</a:t>
+            </a:r>
+            <a:endParaRPr lang="en-AU" sz="800" dirty="0">
+              <a:latin typeface="Fira Mono" panose="020B0609050000020004" pitchFamily="49" charset="0"/>
+              <a:ea typeface="Fira Mono" panose="020B0609050000020004" pitchFamily="49" charset="0"/>
+            </a:endParaRPr>
+          </a:p>
+        </p:txBody>
+      </p:sp>
+      <p:sp>
+        <p:nvSpPr>
+          <p:cNvPr id="71" name="Rectangle 70"/>
+          <p:cNvSpPr/>
+          <p:nvPr/>
+        </p:nvSpPr>
+        <p:spPr>
+          <a:xfrm>
+            <a:off x="10446877" y="3640216"/>
+            <a:ext cx="508616" cy="212258"/>
+          </a:xfrm>
+          <a:prstGeom prst="rect">
+            <a:avLst/>
+          </a:prstGeom>
+          <a:noFill/>
+          <a:ln>
+            <a:solidFill>
+              <a:srgbClr val="C00000"/>
+            </a:solidFill>
+          </a:ln>
+        </p:spPr>
+        <p:style>
+          <a:lnRef idx="2">
+            <a:schemeClr val="accent2"/>
+          </a:lnRef>
+          <a:fillRef idx="1">
+            <a:schemeClr val="lt1"/>
+          </a:fillRef>
+          <a:effectRef idx="0">
+            <a:schemeClr val="accent2"/>
+          </a:effectRef>
+          <a:fontRef idx="minor">
+            <a:schemeClr val="dk1"/>
+          </a:fontRef>
+        </p:style>
+        <p:txBody>
+          <a:bodyPr rtlCol="0" anchor="ctr"/>
+          <a:lstStyle/>
+          <a:p>
+            <a:pPr algn="ctr"/>
+            <a:endParaRPr lang="en-AU"/>
+          </a:p>
+        </p:txBody>
+      </p:sp>
+      <p:sp>
+        <p:nvSpPr>
+          <p:cNvPr id="72" name="TextBox 71"/>
+          <p:cNvSpPr txBox="1"/>
+          <p:nvPr/>
+        </p:nvSpPr>
+        <p:spPr>
+          <a:xfrm>
+            <a:off x="8635745" y="4071874"/>
+            <a:ext cx="1344871" cy="577081"/>
+          </a:xfrm>
+          <a:prstGeom prst="rect">
+            <a:avLst/>
+          </a:prstGeom>
+          <a:noFill/>
+        </p:spPr>
+        <p:txBody>
+          <a:bodyPr wrap="square" rtlCol="0">
+            <a:spAutoFit/>
+          </a:bodyPr>
+          <a:lstStyle/>
+          <a:p>
+            <a:r>
+              <a:rPr lang="en-US" sz="1050" dirty="0">
+                <a:solidFill>
+                  <a:srgbClr val="002060"/>
+                </a:solidFill>
+              </a:rPr>
+              <a:t>fill-up </a:t>
+            </a:r>
+          </a:p>
+          <a:p>
+            <a:r>
+              <a:rPr lang="en-US" sz="1050" dirty="0">
+                <a:solidFill>
+                  <a:srgbClr val="002060"/>
+                </a:solidFill>
+              </a:rPr>
+              <a:t>( left-over remaining at i + 1 station)</a:t>
+            </a:r>
+          </a:p>
+        </p:txBody>
+      </p:sp>
+      <p:sp>
+        <p:nvSpPr>
+          <p:cNvPr id="73" name="TextBox 72"/>
+          <p:cNvSpPr txBox="1"/>
+          <p:nvPr/>
+        </p:nvSpPr>
+        <p:spPr>
+          <a:xfrm>
+            <a:off x="9200880" y="3186481"/>
+            <a:ext cx="688009" cy="253916"/>
+          </a:xfrm>
+          <a:prstGeom prst="rect">
+            <a:avLst/>
+          </a:prstGeom>
+          <a:noFill/>
+        </p:spPr>
+        <p:txBody>
+          <a:bodyPr wrap="none" rtlCol="0">
+            <a:spAutoFit/>
+          </a:bodyPr>
+          <a:lstStyle/>
+          <a:p>
+            <a:r>
+              <a:rPr lang="en-US" sz="1050" dirty="0">
+                <a:solidFill>
+                  <a:srgbClr val="C00000"/>
+                </a:solidFill>
+              </a:rPr>
+              <a:t>No fill-up</a:t>
+            </a:r>
+          </a:p>
+        </p:txBody>
+      </p:sp>
+      <p:sp>
+        <p:nvSpPr>
+          <p:cNvPr id="74" name="Rectangle 73"/>
+          <p:cNvSpPr/>
+          <p:nvPr/>
+        </p:nvSpPr>
+        <p:spPr>
+          <a:xfrm>
+            <a:off x="4649333" y="1804097"/>
+            <a:ext cx="855360" cy="222045"/>
+          </a:xfrm>
+          <a:prstGeom prst="rect">
+            <a:avLst/>
+          </a:prstGeom>
+          <a:noFill/>
+          <a:ln w="12700">
+            <a:solidFill>
+              <a:schemeClr val="accent1">
+                <a:lumMod val="50000"/>
+              </a:schemeClr>
+            </a:solidFill>
+          </a:ln>
+        </p:spPr>
+        <p:style>
+          <a:lnRef idx="2">
+            <a:schemeClr val="accent2"/>
+          </a:lnRef>
+          <a:fillRef idx="1">
+            <a:schemeClr val="lt1"/>
+          </a:fillRef>
+          <a:effectRef idx="0">
+            <a:schemeClr val="accent2"/>
+          </a:effectRef>
+          <a:fontRef idx="minor">
+            <a:schemeClr val="dk1"/>
+          </a:fontRef>
+        </p:style>
+        <p:txBody>
+          <a:bodyPr rtlCol="0" anchor="ctr"/>
+          <a:lstStyle/>
+          <a:p>
+            <a:pPr algn="ctr"/>
+            <a:endParaRPr lang="en-AU"/>
+          </a:p>
+        </p:txBody>
+      </p:sp>
+      <p:sp>
+        <p:nvSpPr>
+          <p:cNvPr id="75" name="TextBox 74"/>
+          <p:cNvSpPr txBox="1"/>
+          <p:nvPr/>
+        </p:nvSpPr>
+        <p:spPr>
+          <a:xfrm>
+            <a:off x="4591339" y="2023189"/>
+            <a:ext cx="1175322" cy="253916"/>
+          </a:xfrm>
+          <a:prstGeom prst="rect">
+            <a:avLst/>
+          </a:prstGeom>
+          <a:noFill/>
+        </p:spPr>
+        <p:txBody>
+          <a:bodyPr wrap="none" rtlCol="0">
+            <a:spAutoFit/>
+          </a:bodyPr>
+          <a:lstStyle/>
+          <a:p>
+            <a:r>
+              <a:rPr lang="en-US" sz="1050" dirty="0">
+                <a:solidFill>
+                  <a:schemeClr val="accent6">
+                    <a:lumMod val="50000"/>
+                  </a:schemeClr>
+                </a:solidFill>
+              </a:rPr>
+              <a:t>test in all stations</a:t>
+            </a:r>
+            <a:endParaRPr lang="en-AU" sz="1050" dirty="0">
+              <a:solidFill>
+                <a:schemeClr val="accent6">
+                  <a:lumMod val="50000"/>
+                </a:schemeClr>
+              </a:solidFill>
+            </a:endParaRPr>
+          </a:p>
+        </p:txBody>
+      </p:sp>
+      <p:sp>
+        <p:nvSpPr>
+          <p:cNvPr id="76" name="Rectangle 75"/>
+          <p:cNvSpPr/>
+          <p:nvPr/>
+        </p:nvSpPr>
+        <p:spPr>
+          <a:xfrm>
+            <a:off x="1888051" y="166699"/>
+            <a:ext cx="4729628" cy="369332"/>
+          </a:xfrm>
+          <a:prstGeom prst="rect">
+            <a:avLst/>
+          </a:prstGeom>
+        </p:spPr>
+        <p:txBody>
+          <a:bodyPr wrap="none">
+            <a:spAutoFit/>
+          </a:bodyPr>
+          <a:lstStyle/>
+          <a:p>
+            <a:r>
+              <a:rPr lang="en-AU" b="1" dirty="0">
+                <a:solidFill>
+                  <a:srgbClr val="000000"/>
+                </a:solidFill>
+              </a:rPr>
+              <a:t>Dynamic Programming Trip Planning </a:t>
+            </a:r>
+            <a:r>
+              <a:rPr lang="en-AU" b="1" dirty="0">
+                <a:solidFill>
+                  <a:srgbClr val="000000"/>
+                </a:solidFill>
+              </a:rPr>
+              <a:t>algorithms</a:t>
+            </a:r>
+            <a:endParaRPr lang="en-AU" b="1" dirty="0">
+              <a:solidFill>
+                <a:srgbClr val="000000"/>
+              </a:solidFill>
+            </a:endParaRPr>
+          </a:p>
+        </p:txBody>
+      </p:sp>
+    </p:spTree>
+    <p:extLst>
+      <p:ext uri="{BB962C8B-B14F-4D97-AF65-F5344CB8AC3E}">
+        <p14:creationId xmlns:p14="http://schemas.microsoft.com/office/powerpoint/2010/main" val="3228523661"/>
+      </p:ext>
+    </p:extLst>
+  </p:cSld>
+  <p:clrMapOvr>
+    <a:masterClrMapping/>
+  </p:clrMapOvr>
+  <p:timing>
+    <p:tnLst>
+      <p:par>
+        <p:cTn id="1" dur="indefinite" restart="never" nodeType="tmRoot"/>
+      </p:par>
+    </p:tnLst>
+  </p:timing>
+</p:sld>
+</file>
+
+<file path=ppt/slides/slide9.xml><?xml version="1.0" encoding="utf-8"?>
+<p:sld xmlns:a="http://schemas.openxmlformats.org/drawingml/2006/main" xmlns:r="http://schemas.openxmlformats.org/officeDocument/2006/relationships" xmlns:p="http://schemas.openxmlformats.org/presentationml/2006/main">
+  <p:cSld>
+    <p:spTree>
+      <p:nvGrpSpPr>
+        <p:cNvPr id="1" name=""/>
+        <p:cNvGrpSpPr/>
+        <p:nvPr/>
+      </p:nvGrpSpPr>
+      <p:grpSpPr>
+        <a:xfrm>
+          <a:off x="0" y="0"/>
+          <a:ext cx="0" cy="0"/>
+          <a:chOff x="0" y="0"/>
+          <a:chExt cx="0" cy="0"/>
+        </a:xfrm>
+      </p:grpSpPr>
+      <p:sp>
+        <p:nvSpPr>
+          <p:cNvPr id="2" name="Rectangle 1"/>
+          <p:cNvSpPr/>
+          <p:nvPr/>
+        </p:nvSpPr>
+        <p:spPr>
+          <a:xfrm>
+            <a:off x="298474" y="368971"/>
+            <a:ext cx="3381325" cy="584775"/>
+          </a:xfrm>
+          <a:prstGeom prst="rect">
+            <a:avLst/>
+          </a:prstGeom>
+        </p:spPr>
+        <p:txBody>
+          <a:bodyPr wrap="square">
+            <a:spAutoFit/>
+          </a:bodyPr>
+          <a:lstStyle/>
+          <a:p>
+            <a:r>
+              <a:rPr lang="en-AU" sz="1600" b="1" i="0" dirty="0" smtClean="0">
+                <a:effectLst/>
+              </a:rPr>
+              <a:t>Solution for minimum coin change </a:t>
+            </a:r>
+            <a:r>
+              <a:rPr lang="en-AU" sz="1600" b="1" i="0" dirty="0" smtClean="0">
+                <a:effectLst/>
+              </a:rPr>
+              <a:t>problem</a:t>
+            </a:r>
+            <a:endParaRPr lang="en-AU" sz="1600" dirty="0"/>
+          </a:p>
+        </p:txBody>
+      </p:sp>
+      <p:sp>
+        <p:nvSpPr>
+          <p:cNvPr id="3" name="Rectangle 2"/>
+          <p:cNvSpPr/>
+          <p:nvPr/>
+        </p:nvSpPr>
+        <p:spPr>
+          <a:xfrm>
+            <a:off x="4116809" y="303507"/>
+            <a:ext cx="2799127" cy="600164"/>
+          </a:xfrm>
+          <a:prstGeom prst="rect">
+            <a:avLst/>
+          </a:prstGeom>
+        </p:spPr>
+        <p:txBody>
+          <a:bodyPr wrap="square">
+            <a:spAutoFit/>
+          </a:bodyPr>
+          <a:lstStyle/>
+          <a:p>
+            <a:r>
+              <a:rPr lang="en-AU" sz="1100" b="0" i="0" dirty="0" smtClean="0">
+                <a:solidFill>
+                  <a:srgbClr val="444444"/>
+                </a:solidFill>
+                <a:effectLst/>
+              </a:rPr>
+              <a:t>Given a set of denominations and an amount, how do we minimize the number of coins to make up the given amount?</a:t>
+            </a:r>
+            <a:endParaRPr lang="en-AU" sz="1100" dirty="0"/>
+          </a:p>
+        </p:txBody>
+      </p:sp>
+      <p:sp>
+        <p:nvSpPr>
+          <p:cNvPr id="4" name="Rectangle 3"/>
+          <p:cNvSpPr/>
+          <p:nvPr/>
+        </p:nvSpPr>
+        <p:spPr>
+          <a:xfrm>
+            <a:off x="4116809" y="888282"/>
+            <a:ext cx="4091032" cy="2908489"/>
+          </a:xfrm>
+          <a:prstGeom prst="rect">
+            <a:avLst/>
+          </a:prstGeom>
+        </p:spPr>
+        <p:txBody>
+          <a:bodyPr wrap="square">
+            <a:spAutoFit/>
+          </a:bodyPr>
+          <a:lstStyle/>
+          <a:p>
+            <a:r>
+              <a:rPr lang="en-US" sz="1100" dirty="0" smtClean="0"/>
+              <a:t>amount j</a:t>
+            </a:r>
+          </a:p>
+          <a:p>
+            <a:r>
+              <a:rPr lang="en-US" sz="1100" dirty="0" smtClean="0"/>
+              <a:t>denominations </a:t>
+            </a:r>
+            <a:r>
+              <a:rPr lang="en-AU" sz="1100" dirty="0" smtClean="0"/>
+              <a:t>{v</a:t>
+            </a:r>
+            <a:r>
+              <a:rPr lang="en-AU" sz="1100" baseline="-25000" dirty="0" smtClean="0"/>
+              <a:t>1</a:t>
+            </a:r>
+            <a:r>
+              <a:rPr lang="en-AU" sz="1100" dirty="0" smtClean="0"/>
+              <a:t>,v</a:t>
+            </a:r>
+            <a:r>
+              <a:rPr lang="en-AU" sz="1100" baseline="-25000" dirty="0" smtClean="0"/>
+              <a:t>2</a:t>
+            </a:r>
+            <a:r>
+              <a:rPr lang="en-AU" sz="1100" dirty="0" smtClean="0"/>
+              <a:t>,...</a:t>
+            </a:r>
+            <a:r>
+              <a:rPr lang="en-AU" sz="1100" dirty="0" err="1" smtClean="0"/>
+              <a:t>v</a:t>
+            </a:r>
+            <a:r>
+              <a:rPr lang="en-AU" sz="1100" baseline="-25000" dirty="0" err="1" smtClean="0"/>
+              <a:t>n</a:t>
+            </a:r>
+            <a:r>
+              <a:rPr lang="en-AU" sz="1100" dirty="0" smtClean="0"/>
+              <a:t>}</a:t>
+            </a:r>
+          </a:p>
+          <a:p>
+            <a:endParaRPr lang="en-AU" sz="1100" b="1" dirty="0" smtClean="0"/>
+          </a:p>
+          <a:p>
+            <a:r>
+              <a:rPr lang="en-AU" sz="1200" b="1" dirty="0" smtClean="0"/>
+              <a:t>Base cases</a:t>
+            </a:r>
+          </a:p>
+          <a:p>
+            <a:r>
+              <a:rPr lang="en-US" sz="1000" dirty="0" smtClean="0">
+                <a:latin typeface="Fira Mono" panose="020B0609050000020004" pitchFamily="49" charset="0"/>
+                <a:ea typeface="Fira Mono" panose="020B0609050000020004" pitchFamily="49" charset="0"/>
+              </a:rPr>
+              <a:t>M[j] = 0</a:t>
+            </a:r>
+          </a:p>
+          <a:p>
+            <a:endParaRPr lang="en-AU" sz="1200" b="1" dirty="0" smtClean="0"/>
+          </a:p>
+          <a:p>
+            <a:r>
+              <a:rPr lang="en-AU" sz="1200" b="1" dirty="0"/>
+              <a:t>F</a:t>
+            </a:r>
+            <a:r>
+              <a:rPr lang="en-AU" sz="1200" b="1" dirty="0" smtClean="0"/>
+              <a:t>ormulate sub-problems</a:t>
+            </a:r>
+          </a:p>
+          <a:p>
+            <a:r>
+              <a:rPr lang="en-US" sz="1050" dirty="0" smtClean="0">
+                <a:latin typeface="Fira Mono" panose="020B0609050000020004" pitchFamily="49" charset="0"/>
+                <a:ea typeface="Fira Mono" panose="020B0609050000020004" pitchFamily="49" charset="0"/>
+              </a:rPr>
+              <a:t>M[j] = min { M[j-v</a:t>
+            </a:r>
+            <a:r>
+              <a:rPr lang="en-US" sz="800" dirty="0" smtClean="0">
+                <a:latin typeface="Fira Mono" panose="020B0609050000020004" pitchFamily="49" charset="0"/>
+                <a:ea typeface="Fira Mono" panose="020B0609050000020004" pitchFamily="49" charset="0"/>
+              </a:rPr>
+              <a:t>1</a:t>
+            </a:r>
+            <a:r>
+              <a:rPr lang="en-US" sz="1050" dirty="0" smtClean="0">
+                <a:latin typeface="Fira Mono" panose="020B0609050000020004" pitchFamily="49" charset="0"/>
+                <a:ea typeface="Fira Mono" panose="020B0609050000020004" pitchFamily="49" charset="0"/>
+              </a:rPr>
+              <a:t>], M[j-v</a:t>
+            </a:r>
+            <a:r>
+              <a:rPr lang="en-US" sz="800" dirty="0" smtClean="0">
+                <a:latin typeface="Fira Mono" panose="020B0609050000020004" pitchFamily="49" charset="0"/>
+                <a:ea typeface="Fira Mono" panose="020B0609050000020004" pitchFamily="49" charset="0"/>
+              </a:rPr>
+              <a:t>2</a:t>
+            </a:r>
+            <a:r>
+              <a:rPr lang="en-US" sz="1050" dirty="0" smtClean="0">
+                <a:latin typeface="Fira Mono" panose="020B0609050000020004" pitchFamily="49" charset="0"/>
+                <a:ea typeface="Fira Mono" panose="020B0609050000020004" pitchFamily="49" charset="0"/>
+              </a:rPr>
+              <a:t>], ..., M[j-</a:t>
+            </a:r>
+            <a:r>
+              <a:rPr lang="en-US" sz="1050" dirty="0" err="1" smtClean="0">
+                <a:latin typeface="Fira Mono" panose="020B0609050000020004" pitchFamily="49" charset="0"/>
+                <a:ea typeface="Fira Mono" panose="020B0609050000020004" pitchFamily="49" charset="0"/>
+              </a:rPr>
+              <a:t>v</a:t>
+            </a:r>
+            <a:r>
+              <a:rPr lang="en-US" sz="800" dirty="0" err="1" smtClean="0">
+                <a:latin typeface="Fira Mono" panose="020B0609050000020004" pitchFamily="49" charset="0"/>
+                <a:ea typeface="Fira Mono" panose="020B0609050000020004" pitchFamily="49" charset="0"/>
+              </a:rPr>
+              <a:t>n</a:t>
+            </a:r>
+            <a:r>
+              <a:rPr lang="en-US" sz="1050" dirty="0" smtClean="0">
+                <a:latin typeface="Fira Mono" panose="020B0609050000020004" pitchFamily="49" charset="0"/>
+                <a:ea typeface="Fira Mono" panose="020B0609050000020004" pitchFamily="49" charset="0"/>
+              </a:rPr>
+              <a:t>] } + 1</a:t>
+            </a:r>
+          </a:p>
+          <a:p>
+            <a:r>
+              <a:rPr lang="en-US" sz="1050" dirty="0">
+                <a:latin typeface="Fira Mono" panose="020B0609050000020004" pitchFamily="49" charset="0"/>
+                <a:ea typeface="Fira Mono" panose="020B0609050000020004" pitchFamily="49" charset="0"/>
+              </a:rPr>
+              <a:t> </a:t>
+            </a:r>
+            <a:r>
+              <a:rPr lang="en-US" sz="1050" dirty="0" smtClean="0">
+                <a:latin typeface="Fira Mono" panose="020B0609050000020004" pitchFamily="49" charset="0"/>
+                <a:ea typeface="Fira Mono" panose="020B0609050000020004" pitchFamily="49" charset="0"/>
+              </a:rPr>
+              <a:t>= min </a:t>
+            </a:r>
+            <a:r>
+              <a:rPr lang="en-US" sz="800" dirty="0" smtClean="0">
+                <a:latin typeface="Fira Mono" panose="020B0609050000020004" pitchFamily="49" charset="0"/>
+                <a:ea typeface="Fira Mono" panose="020B0609050000020004" pitchFamily="49" charset="0"/>
+              </a:rPr>
+              <a:t>1&lt;=i&lt;=j</a:t>
+            </a:r>
+            <a:r>
+              <a:rPr lang="en-US" sz="1050" dirty="0" smtClean="0">
+                <a:latin typeface="Fira Mono" panose="020B0609050000020004" pitchFamily="49" charset="0"/>
+                <a:ea typeface="Fira Mono" panose="020B0609050000020004" pitchFamily="49" charset="0"/>
+              </a:rPr>
+              <a:t> { M[j-vi] } + 1</a:t>
+            </a:r>
+          </a:p>
+          <a:p>
+            <a:endParaRPr lang="en-US" sz="1050" dirty="0" smtClean="0">
+              <a:latin typeface="Fira Mono" panose="020B0609050000020004" pitchFamily="49" charset="0"/>
+              <a:ea typeface="Fira Mono" panose="020B0609050000020004" pitchFamily="49" charset="0"/>
+            </a:endParaRPr>
+          </a:p>
+          <a:p>
+            <a:r>
+              <a:rPr lang="en-AU" sz="1050" dirty="0" smtClean="0"/>
+              <a:t>C[p]: the minimum number of coins needed to make change for p cents</a:t>
+            </a:r>
+          </a:p>
+          <a:p>
+            <a:r>
+              <a:rPr lang="en-AU" sz="1050" dirty="0" smtClean="0"/>
+              <a:t>x: the value of the first coin used in the optimal solution</a:t>
+            </a:r>
+            <a:endParaRPr lang="en-US" sz="1050" dirty="0">
+              <a:ea typeface="Fira Mono" panose="020B0609050000020004" pitchFamily="49" charset="0"/>
+            </a:endParaRPr>
+          </a:p>
+          <a:p>
+            <a:r>
+              <a:rPr lang="en-AU" sz="1050" dirty="0" smtClean="0"/>
+              <a:t>C[p] = 1 + C[p − x]</a:t>
+            </a:r>
+          </a:p>
+          <a:p>
+            <a:endParaRPr lang="en-US" sz="1050" dirty="0"/>
+          </a:p>
+          <a:p>
+            <a:r>
+              <a:rPr lang="en-AU" sz="1050" dirty="0" smtClean="0"/>
+              <a:t>We don’t know x. try all possible x and take the minimum</a:t>
+            </a:r>
+          </a:p>
+          <a:p>
+            <a:r>
+              <a:rPr lang="en-AU" sz="1050" b="1" dirty="0" smtClean="0">
+                <a:solidFill>
+                  <a:srgbClr val="C00000"/>
+                </a:solidFill>
+              </a:rPr>
+              <a:t>C[p] </a:t>
+            </a:r>
+            <a:r>
+              <a:rPr lang="it-IT" sz="1050" b="1" dirty="0" smtClean="0">
+                <a:solidFill>
+                  <a:srgbClr val="C00000"/>
+                </a:solidFill>
+              </a:rPr>
+              <a:t>= min(i:di≤p){ C[p − di ] + 1}</a:t>
+            </a:r>
+            <a:r>
+              <a:rPr lang="it-IT" sz="1050" dirty="0" smtClean="0"/>
+              <a:t>	if p &gt; 0 </a:t>
+            </a:r>
+          </a:p>
+          <a:p>
+            <a:r>
+              <a:rPr lang="it-IT" sz="1050" dirty="0" smtClean="0">
+                <a:ea typeface="Fira Mono" panose="020B0609050000020004" pitchFamily="49" charset="0"/>
+              </a:rPr>
+              <a:t>0		if p = 0</a:t>
+            </a:r>
+            <a:endParaRPr lang="en-AU" sz="1050" dirty="0">
+              <a:ea typeface="Fira Mono" panose="020B0609050000020004" pitchFamily="49" charset="0"/>
+            </a:endParaRPr>
+          </a:p>
+        </p:txBody>
+      </p:sp>
+      <p:graphicFrame>
+        <p:nvGraphicFramePr>
+          <p:cNvPr id="5" name="Table 4"/>
+          <p:cNvGraphicFramePr>
+            <a:graphicFrameLocks noGrp="1"/>
+          </p:cNvGraphicFramePr>
+          <p:nvPr>
+            <p:extLst>
+              <p:ext uri="{D42A27DB-BD31-4B8C-83A1-F6EECF244321}">
+                <p14:modId xmlns:p14="http://schemas.microsoft.com/office/powerpoint/2010/main" val="1393710715"/>
+              </p:ext>
+            </p:extLst>
+          </p:nvPr>
+        </p:nvGraphicFramePr>
+        <p:xfrm>
+          <a:off x="713065" y="3347208"/>
+          <a:ext cx="2843868" cy="3122482"/>
+        </p:xfrm>
+        <a:graphic>
+          <a:graphicData uri="http://schemas.openxmlformats.org/drawingml/2006/table">
+            <a:tbl>
+              <a:tblPr firstRow="1" bandRow="1">
+                <a:tableStyleId>{5C22544A-7EE6-4342-B048-85BDC9FD1C3A}</a:tableStyleId>
+              </a:tblPr>
+              <a:tblGrid>
+                <a:gridCol w="511728"/>
+                <a:gridCol w="2332140"/>
+              </a:tblGrid>
+              <a:tr h="299532">
+                <a:tc>
+                  <a:txBody>
+                    <a:bodyPr/>
+                    <a:lstStyle/>
+                    <a:p>
+                      <a:pPr algn="ctr"/>
+                      <a:r>
+                        <a:rPr lang="en-US" sz="800" b="1" dirty="0" smtClean="0">
+                          <a:solidFill>
+                            <a:schemeClr val="tx1"/>
+                          </a:solidFill>
+                          <a:latin typeface="Fira Mono" panose="020B0609050000020004" pitchFamily="49" charset="0"/>
+                          <a:ea typeface="Fira Mono" panose="020B0609050000020004" pitchFamily="49" charset="0"/>
+                        </a:rPr>
+                        <a:t>M[j]</a:t>
+                      </a:r>
+                      <a:endParaRPr lang="en-AU" sz="800" b="1" dirty="0">
+                        <a:solidFill>
+                          <a:schemeClr val="tx1"/>
+                        </a:solidFill>
+                        <a:latin typeface="Fira Mono" panose="020B0609050000020004" pitchFamily="49" charset="0"/>
+                        <a:ea typeface="Fira Mono" panose="020B0609050000020004" pitchFamily="49" charset="0"/>
+                      </a:endParaRPr>
+                    </a:p>
+                  </a:txBody>
+                  <a:tcPr anchor="ctr">
+                    <a:solidFill>
+                      <a:schemeClr val="accent3">
+                        <a:lumMod val="20000"/>
+                        <a:lumOff val="80000"/>
+                      </a:schemeClr>
+                    </a:solidFill>
+                  </a:tcPr>
+                </a:tc>
+                <a:tc>
+                  <a:txBody>
+                    <a:bodyPr/>
+                    <a:lstStyle/>
+                    <a:p>
+                      <a:endParaRPr lang="en-AU" sz="800" dirty="0">
+                        <a:solidFill>
+                          <a:schemeClr val="tx1"/>
+                        </a:solidFill>
+                        <a:latin typeface="Fira Mono" panose="020B0609050000020004" pitchFamily="49" charset="0"/>
+                        <a:ea typeface="Fira Mono" panose="020B0609050000020004" pitchFamily="49" charset="0"/>
+                      </a:endParaRPr>
+                    </a:p>
+                  </a:txBody>
+                  <a:tcPr>
+                    <a:solidFill>
+                      <a:schemeClr val="accent3">
+                        <a:lumMod val="20000"/>
+                        <a:lumOff val="80000"/>
+                      </a:schemeClr>
+                    </a:solidFill>
+                  </a:tcPr>
+                </a:tc>
+              </a:tr>
+              <a:tr h="415030">
+                <a:tc>
+                  <a:txBody>
+                    <a:bodyPr/>
+                    <a:lstStyle/>
+                    <a:p>
+                      <a:r>
+                        <a:rPr lang="en-AU" sz="800" b="1" dirty="0" smtClean="0">
+                          <a:latin typeface="Fira Mono" panose="020B0609050000020004" pitchFamily="49" charset="0"/>
+                          <a:ea typeface="Fira Mono" panose="020B0609050000020004" pitchFamily="49" charset="0"/>
+                        </a:rPr>
+                        <a:t>0</a:t>
+                      </a:r>
+                      <a:endParaRPr lang="en-AU" sz="800" b="1" dirty="0">
+                        <a:latin typeface="Fira Mono" panose="020B0609050000020004" pitchFamily="49" charset="0"/>
+                        <a:ea typeface="Fira Mono" panose="020B0609050000020004" pitchFamily="49" charset="0"/>
+                      </a:endParaRPr>
+                    </a:p>
+                  </a:txBody>
+                  <a:tcPr>
+                    <a:solidFill>
+                      <a:schemeClr val="accent3">
+                        <a:lumMod val="20000"/>
+                        <a:lumOff val="80000"/>
+                      </a:schemeClr>
+                    </a:solidFill>
+                  </a:tcPr>
+                </a:tc>
+                <a:tc>
+                  <a:txBody>
+                    <a:bodyPr/>
+                    <a:lstStyle/>
+                    <a:p>
+                      <a:r>
+                        <a:rPr lang="en-US" sz="800" dirty="0" smtClean="0">
+                          <a:latin typeface="Fira Mono" panose="020B0609050000020004" pitchFamily="49" charset="0"/>
+                          <a:ea typeface="Fira Mono" panose="020B0609050000020004" pitchFamily="49" charset="0"/>
+                        </a:rPr>
+                        <a:t>= 0</a:t>
+                      </a:r>
+                      <a:endParaRPr lang="en-AU" sz="800" dirty="0">
+                        <a:latin typeface="Fira Mono" panose="020B0609050000020004" pitchFamily="49" charset="0"/>
+                        <a:ea typeface="Fira Mono" panose="020B0609050000020004" pitchFamily="49" charset="0"/>
+                      </a:endParaRPr>
+                    </a:p>
+                  </a:txBody>
+                  <a:tcPr/>
+                </a:tc>
+              </a:tr>
+              <a:tr h="299532">
+                <a:tc>
+                  <a:txBody>
+                    <a:bodyPr/>
+                    <a:lstStyle/>
+                    <a:p>
+                      <a:r>
+                        <a:rPr lang="en-AU" sz="800" b="1" dirty="0" smtClean="0">
+                          <a:latin typeface="Fira Mono" panose="020B0609050000020004" pitchFamily="49" charset="0"/>
+                          <a:ea typeface="Fira Mono" panose="020B0609050000020004" pitchFamily="49" charset="0"/>
+                        </a:rPr>
+                        <a:t>1</a:t>
+                      </a:r>
+                      <a:endParaRPr lang="en-AU" sz="800" b="1" dirty="0">
+                        <a:latin typeface="Fira Mono" panose="020B0609050000020004" pitchFamily="49" charset="0"/>
+                        <a:ea typeface="Fira Mono" panose="020B0609050000020004" pitchFamily="49" charset="0"/>
+                      </a:endParaRPr>
+                    </a:p>
+                  </a:txBody>
+                  <a:tcPr>
+                    <a:solidFill>
+                      <a:schemeClr val="accent3">
+                        <a:lumMod val="20000"/>
+                        <a:lumOff val="80000"/>
+                      </a:schemeClr>
+                    </a:solidFill>
+                  </a:tcPr>
+                </a:tc>
+                <a:tc>
+                  <a:txBody>
+                    <a:bodyPr/>
+                    <a:lstStyle/>
+                    <a:p>
+                      <a:r>
+                        <a:rPr lang="en-US" sz="800" dirty="0" smtClean="0">
+                          <a:latin typeface="Fira Mono" panose="020B0609050000020004" pitchFamily="49" charset="0"/>
+                          <a:ea typeface="Fira Mono" panose="020B0609050000020004" pitchFamily="49" charset="0"/>
+                        </a:rPr>
+                        <a:t>min{M[1-v1]} + 1</a:t>
+                      </a:r>
+                    </a:p>
+                    <a:p>
+                      <a:r>
+                        <a:rPr lang="en-US" sz="800" dirty="0" smtClean="0">
+                          <a:latin typeface="Fira Mono" panose="020B0609050000020004" pitchFamily="49" charset="0"/>
+                          <a:ea typeface="Fira Mono" panose="020B0609050000020004" pitchFamily="49" charset="0"/>
+                        </a:rPr>
+                        <a:t>= min{M[0]} + 1</a:t>
+                      </a:r>
+                    </a:p>
+                    <a:p>
+                      <a:r>
+                        <a:rPr lang="en-US" sz="800" dirty="0" smtClean="0">
+                          <a:latin typeface="Fira Mono" panose="020B0609050000020004" pitchFamily="49" charset="0"/>
+                          <a:ea typeface="Fira Mono" panose="020B0609050000020004" pitchFamily="49" charset="0"/>
+                        </a:rPr>
+                        <a:t>= 1</a:t>
+                      </a:r>
+                      <a:endParaRPr lang="en-AU" sz="800" dirty="0">
+                        <a:latin typeface="Fira Mono" panose="020B0609050000020004" pitchFamily="49" charset="0"/>
+                        <a:ea typeface="Fira Mono" panose="020B0609050000020004" pitchFamily="49" charset="0"/>
+                      </a:endParaRPr>
+                    </a:p>
+                  </a:txBody>
+                  <a:tcPr/>
+                </a:tc>
+              </a:tr>
+              <a:tr h="299532">
+                <a:tc>
+                  <a:txBody>
+                    <a:bodyPr/>
+                    <a:lstStyle/>
+                    <a:p>
+                      <a:r>
+                        <a:rPr lang="en-AU" sz="800" b="1" dirty="0" smtClean="0">
+                          <a:latin typeface="Fira Mono" panose="020B0609050000020004" pitchFamily="49" charset="0"/>
+                          <a:ea typeface="Fira Mono" panose="020B0609050000020004" pitchFamily="49" charset="0"/>
+                        </a:rPr>
+                        <a:t>2</a:t>
+                      </a:r>
+                      <a:endParaRPr lang="en-AU" sz="800" b="1" dirty="0">
+                        <a:latin typeface="Fira Mono" panose="020B0609050000020004" pitchFamily="49" charset="0"/>
+                        <a:ea typeface="Fira Mono" panose="020B0609050000020004" pitchFamily="49" charset="0"/>
+                      </a:endParaRPr>
+                    </a:p>
+                  </a:txBody>
+                  <a:tcPr>
+                    <a:solidFill>
+                      <a:schemeClr val="accent3">
+                        <a:lumMod val="20000"/>
+                        <a:lumOff val="80000"/>
+                      </a:schemeClr>
+                    </a:solidFill>
+                  </a:tcPr>
+                </a:tc>
+                <a:tc>
+                  <a:txBody>
+                    <a:bodyPr/>
+                    <a:lstStyle/>
+                    <a:p>
+                      <a:r>
+                        <a:rPr lang="en-US" sz="800" dirty="0" smtClean="0">
+                          <a:latin typeface="Fira Mono" panose="020B0609050000020004" pitchFamily="49" charset="0"/>
+                          <a:ea typeface="Fira Mono" panose="020B0609050000020004" pitchFamily="49" charset="0"/>
+                        </a:rPr>
+                        <a:t>min{M[2-v1], M[2-v2]} + 1</a:t>
+                      </a:r>
+                    </a:p>
+                    <a:p>
+                      <a:r>
+                        <a:rPr lang="en-US" sz="800" dirty="0" smtClean="0">
+                          <a:latin typeface="Fira Mono" panose="020B0609050000020004" pitchFamily="49" charset="0"/>
+                          <a:ea typeface="Fira Mono" panose="020B0609050000020004" pitchFamily="49" charset="0"/>
+                        </a:rPr>
+                        <a:t>= min{M[1], M[0]} + 1</a:t>
+                      </a:r>
+                    </a:p>
+                    <a:p>
+                      <a:r>
+                        <a:rPr lang="en-US" sz="800" dirty="0" smtClean="0">
+                          <a:latin typeface="Fira Mono" panose="020B0609050000020004" pitchFamily="49" charset="0"/>
+                          <a:ea typeface="Fira Mono" panose="020B0609050000020004" pitchFamily="49" charset="0"/>
+                        </a:rPr>
+                        <a:t>= 1</a:t>
+                      </a:r>
+                      <a:endParaRPr lang="en-AU" sz="800" dirty="0">
+                        <a:latin typeface="Fira Mono" panose="020B0609050000020004" pitchFamily="49" charset="0"/>
+                        <a:ea typeface="Fira Mono" panose="020B0609050000020004" pitchFamily="49" charset="0"/>
+                      </a:endParaRPr>
+                    </a:p>
+                  </a:txBody>
+                  <a:tcPr/>
+                </a:tc>
+              </a:tr>
+              <a:tr h="299532">
+                <a:tc>
+                  <a:txBody>
+                    <a:bodyPr/>
+                    <a:lstStyle/>
+                    <a:p>
+                      <a:r>
+                        <a:rPr lang="en-AU" sz="800" b="1" dirty="0" smtClean="0">
+                          <a:latin typeface="Fira Mono" panose="020B0609050000020004" pitchFamily="49" charset="0"/>
+                          <a:ea typeface="Fira Mono" panose="020B0609050000020004" pitchFamily="49" charset="0"/>
+                        </a:rPr>
+                        <a:t>3</a:t>
+                      </a:r>
+                      <a:endParaRPr lang="en-AU" sz="800" b="1" dirty="0">
+                        <a:latin typeface="Fira Mono" panose="020B0609050000020004" pitchFamily="49" charset="0"/>
+                        <a:ea typeface="Fira Mono" panose="020B0609050000020004" pitchFamily="49" charset="0"/>
+                      </a:endParaRPr>
+                    </a:p>
+                  </a:txBody>
+                  <a:tcPr>
+                    <a:solidFill>
+                      <a:schemeClr val="accent3">
+                        <a:lumMod val="20000"/>
+                        <a:lumOff val="80000"/>
+                      </a:schemeClr>
+                    </a:solidFill>
+                  </a:tcPr>
+                </a:tc>
+                <a:tc>
+                  <a:txBody>
+                    <a:bodyPr/>
+                    <a:lstStyle/>
+                    <a:p>
+                      <a:r>
+                        <a:rPr lang="en-US" sz="800" dirty="0" smtClean="0">
+                          <a:latin typeface="Fira Mono" panose="020B0609050000020004" pitchFamily="49" charset="0"/>
+                          <a:ea typeface="Fira Mono" panose="020B0609050000020004" pitchFamily="49" charset="0"/>
+                        </a:rPr>
+                        <a:t>min{M[3-v1], M[3-v2], M[3-v3]} + 1</a:t>
+                      </a:r>
+                    </a:p>
+                    <a:p>
+                      <a:r>
+                        <a:rPr lang="en-US" sz="800" dirty="0" smtClean="0">
+                          <a:latin typeface="Fira Mono" panose="020B0609050000020004" pitchFamily="49" charset="0"/>
+                          <a:ea typeface="Fira Mono" panose="020B0609050000020004" pitchFamily="49" charset="0"/>
+                        </a:rPr>
+                        <a:t>= min{M[2], M[1], M[0]} + 1</a:t>
+                      </a:r>
+                    </a:p>
+                    <a:p>
+                      <a:r>
+                        <a:rPr lang="en-US" sz="800" dirty="0" smtClean="0">
+                          <a:latin typeface="Fira Mono" panose="020B0609050000020004" pitchFamily="49" charset="0"/>
+                          <a:ea typeface="Fira Mono" panose="020B0609050000020004" pitchFamily="49" charset="0"/>
+                        </a:rPr>
+                        <a:t>= 1</a:t>
+                      </a:r>
+                      <a:endParaRPr lang="en-AU" sz="800" dirty="0">
+                        <a:latin typeface="Fira Mono" panose="020B0609050000020004" pitchFamily="49" charset="0"/>
+                        <a:ea typeface="Fira Mono" panose="020B0609050000020004" pitchFamily="49" charset="0"/>
+                      </a:endParaRPr>
+                    </a:p>
+                  </a:txBody>
+                  <a:tcPr/>
+                </a:tc>
+              </a:tr>
+              <a:tr h="299532">
+                <a:tc>
+                  <a:txBody>
+                    <a:bodyPr/>
+                    <a:lstStyle/>
+                    <a:p>
+                      <a:r>
+                        <a:rPr lang="en-AU" sz="800" b="1" dirty="0" smtClean="0">
+                          <a:latin typeface="Fira Mono" panose="020B0609050000020004" pitchFamily="49" charset="0"/>
+                          <a:ea typeface="Fira Mono" panose="020B0609050000020004" pitchFamily="49" charset="0"/>
+                        </a:rPr>
+                        <a:t>4</a:t>
+                      </a:r>
+                      <a:endParaRPr lang="en-AU" sz="800" b="1" dirty="0">
+                        <a:latin typeface="Fira Mono" panose="020B0609050000020004" pitchFamily="49" charset="0"/>
+                        <a:ea typeface="Fira Mono" panose="020B0609050000020004" pitchFamily="49" charset="0"/>
+                      </a:endParaRPr>
+                    </a:p>
+                  </a:txBody>
+                  <a:tcPr>
+                    <a:solidFill>
+                      <a:schemeClr val="accent3">
+                        <a:lumMod val="20000"/>
+                        <a:lumOff val="80000"/>
+                      </a:schemeClr>
+                    </a:solidFill>
+                  </a:tcPr>
+                </a:tc>
+                <a:tc>
+                  <a:txBody>
+                    <a:bodyPr/>
+                    <a:lstStyle/>
+                    <a:p>
+                      <a:r>
+                        <a:rPr lang="en-US" sz="800" dirty="0" smtClean="0">
+                          <a:latin typeface="Fira Mono" panose="020B0609050000020004" pitchFamily="49" charset="0"/>
+                          <a:ea typeface="Fira Mono" panose="020B0609050000020004" pitchFamily="49" charset="0"/>
+                        </a:rPr>
+                        <a:t>min{M[4-v1], M[4-v2], M[4-v3]} + 1</a:t>
+                      </a:r>
+                    </a:p>
+                    <a:p>
+                      <a:r>
+                        <a:rPr lang="en-US" sz="800" dirty="0" smtClean="0">
+                          <a:latin typeface="Fira Mono" panose="020B0609050000020004" pitchFamily="49" charset="0"/>
+                          <a:ea typeface="Fira Mono" panose="020B0609050000020004" pitchFamily="49" charset="0"/>
+                        </a:rPr>
+                        <a:t>= min{M[3], M[2], M[1]} + 1</a:t>
+                      </a:r>
+                    </a:p>
+                    <a:p>
+                      <a:r>
+                        <a:rPr lang="en-US" sz="800" dirty="0" smtClean="0">
+                          <a:latin typeface="Fira Mono" panose="020B0609050000020004" pitchFamily="49" charset="0"/>
+                          <a:ea typeface="Fira Mono" panose="020B0609050000020004" pitchFamily="49" charset="0"/>
+                        </a:rPr>
+                        <a:t>= 2</a:t>
+                      </a:r>
+                      <a:endParaRPr lang="en-AU" sz="800" dirty="0">
+                        <a:latin typeface="Fira Mono" panose="020B0609050000020004" pitchFamily="49" charset="0"/>
+                        <a:ea typeface="Fira Mono" panose="020B0609050000020004" pitchFamily="49" charset="0"/>
+                      </a:endParaRPr>
+                    </a:p>
+                  </a:txBody>
+                  <a:tcPr>
+                    <a:solidFill>
+                      <a:schemeClr val="accent6">
+                        <a:lumMod val="40000"/>
+                        <a:lumOff val="60000"/>
+                      </a:schemeClr>
+                    </a:solidFill>
+                  </a:tcPr>
+                </a:tc>
+              </a:tr>
+              <a:tr h="299532">
+                <a:tc>
+                  <a:txBody>
+                    <a:bodyPr/>
+                    <a:lstStyle/>
+                    <a:p>
+                      <a:r>
+                        <a:rPr lang="en-US" sz="800" b="1" dirty="0" smtClean="0">
+                          <a:latin typeface="Fira Mono" panose="020B0609050000020004" pitchFamily="49" charset="0"/>
+                          <a:ea typeface="Fira Mono" panose="020B0609050000020004" pitchFamily="49" charset="0"/>
+                        </a:rPr>
+                        <a:t>5</a:t>
+                      </a:r>
+                      <a:endParaRPr lang="en-AU" sz="800" b="1" dirty="0">
+                        <a:latin typeface="Fira Mono" panose="020B0609050000020004" pitchFamily="49" charset="0"/>
+                        <a:ea typeface="Fira Mono" panose="020B0609050000020004" pitchFamily="49" charset="0"/>
+                      </a:endParaRPr>
+                    </a:p>
+                  </a:txBody>
+                  <a:tcPr>
+                    <a:solidFill>
+                      <a:schemeClr val="accent3">
+                        <a:lumMod val="20000"/>
+                        <a:lumOff val="80000"/>
+                      </a:schemeClr>
+                    </a:solidFill>
+                  </a:tcPr>
+                </a:tc>
+                <a:tc>
+                  <a:txBody>
+                    <a:bodyPr/>
+                    <a:lstStyle/>
+                    <a:p>
+                      <a:r>
+                        <a:rPr lang="en-US" sz="800" dirty="0" smtClean="0">
+                          <a:latin typeface="Fira Mono" panose="020B0609050000020004" pitchFamily="49" charset="0"/>
+                          <a:ea typeface="Fira Mono" panose="020B0609050000020004" pitchFamily="49" charset="0"/>
+                        </a:rPr>
+                        <a:t>min{M[5-v1], M[5-v2], M[5-v3]} + 1</a:t>
+                      </a:r>
+                    </a:p>
+                    <a:p>
+                      <a:r>
+                        <a:rPr lang="en-US" sz="800" dirty="0" smtClean="0">
+                          <a:latin typeface="Fira Mono" panose="020B0609050000020004" pitchFamily="49" charset="0"/>
+                          <a:ea typeface="Fira Mono" panose="020B0609050000020004" pitchFamily="49" charset="0"/>
+                        </a:rPr>
+                        <a:t>= min{M[4], M[3], M[2]} + 1</a:t>
+                      </a:r>
+                    </a:p>
+                    <a:p>
+                      <a:r>
+                        <a:rPr lang="en-US" sz="800" dirty="0" smtClean="0">
+                          <a:latin typeface="Fira Mono" panose="020B0609050000020004" pitchFamily="49" charset="0"/>
+                          <a:ea typeface="Fira Mono" panose="020B0609050000020004" pitchFamily="49" charset="0"/>
+                        </a:rPr>
+                        <a:t>= 2</a:t>
+                      </a:r>
+                    </a:p>
+                    <a:p>
+                      <a:endParaRPr lang="en-AU" sz="800" dirty="0">
+                        <a:latin typeface="Fira Mono" panose="020B0609050000020004" pitchFamily="49" charset="0"/>
+                        <a:ea typeface="Fira Mono" panose="020B0609050000020004" pitchFamily="49" charset="0"/>
+                      </a:endParaRPr>
+                    </a:p>
+                  </a:txBody>
+                  <a:tcPr>
+                    <a:solidFill>
+                      <a:schemeClr val="accent6">
+                        <a:lumMod val="40000"/>
+                        <a:lumOff val="60000"/>
+                      </a:schemeClr>
+                    </a:solidFill>
+                  </a:tcPr>
+                </a:tc>
+              </a:tr>
+            </a:tbl>
+          </a:graphicData>
+        </a:graphic>
+      </p:graphicFrame>
+      <p:graphicFrame>
+        <p:nvGraphicFramePr>
+          <p:cNvPr id="6" name="Table 5"/>
+          <p:cNvGraphicFramePr>
+            <a:graphicFrameLocks noGrp="1"/>
+          </p:cNvGraphicFramePr>
+          <p:nvPr>
+            <p:extLst>
+              <p:ext uri="{D42A27DB-BD31-4B8C-83A1-F6EECF244321}">
+                <p14:modId xmlns:p14="http://schemas.microsoft.com/office/powerpoint/2010/main" val="1285371320"/>
+              </p:ext>
+            </p:extLst>
+          </p:nvPr>
+        </p:nvGraphicFramePr>
+        <p:xfrm>
+          <a:off x="1765401" y="2851402"/>
+          <a:ext cx="1809375" cy="329967"/>
+        </p:xfrm>
+        <a:graphic>
+          <a:graphicData uri="http://schemas.openxmlformats.org/drawingml/2006/table">
+            <a:tbl>
+              <a:tblPr firstRow="1" bandRow="1">
+                <a:tableStyleId>{5C22544A-7EE6-4342-B048-85BDC9FD1C3A}</a:tableStyleId>
+              </a:tblPr>
+              <a:tblGrid>
+                <a:gridCol w="603125"/>
+                <a:gridCol w="603125"/>
+                <a:gridCol w="603125"/>
+              </a:tblGrid>
+              <a:tr h="329967">
+                <a:tc>
+                  <a:txBody>
+                    <a:bodyPr/>
+                    <a:lstStyle/>
+                    <a:p>
+                      <a:r>
+                        <a:rPr lang="en-AU" sz="800" dirty="0" smtClean="0">
+                          <a:latin typeface="Fira Mono" panose="020B0609050000020004" pitchFamily="49" charset="0"/>
+                          <a:ea typeface="Fira Mono" panose="020B0609050000020004" pitchFamily="49" charset="0"/>
+                        </a:rPr>
+                        <a:t>1</a:t>
+                      </a:r>
+                      <a:endParaRPr lang="en-AU" sz="800" dirty="0">
+                        <a:latin typeface="Fira Mono" panose="020B0609050000020004" pitchFamily="49" charset="0"/>
+                        <a:ea typeface="Fira Mono" panose="020B0609050000020004" pitchFamily="49" charset="0"/>
+                      </a:endParaRPr>
+                    </a:p>
+                  </a:txBody>
+                  <a:tcPr/>
+                </a:tc>
+                <a:tc>
+                  <a:txBody>
+                    <a:bodyPr/>
+                    <a:lstStyle/>
+                    <a:p>
+                      <a:r>
+                        <a:rPr lang="en-AU" sz="800" dirty="0" smtClean="0">
+                          <a:latin typeface="Fira Mono" panose="020B0609050000020004" pitchFamily="49" charset="0"/>
+                          <a:ea typeface="Fira Mono" panose="020B0609050000020004" pitchFamily="49" charset="0"/>
+                        </a:rPr>
+                        <a:t>2</a:t>
+                      </a:r>
+                      <a:endParaRPr lang="en-AU" sz="800" dirty="0">
+                        <a:latin typeface="Fira Mono" panose="020B0609050000020004" pitchFamily="49" charset="0"/>
+                        <a:ea typeface="Fira Mono" panose="020B0609050000020004" pitchFamily="49" charset="0"/>
+                      </a:endParaRPr>
+                    </a:p>
+                  </a:txBody>
+                  <a:tcPr/>
+                </a:tc>
+                <a:tc>
+                  <a:txBody>
+                    <a:bodyPr/>
+                    <a:lstStyle/>
+                    <a:p>
+                      <a:r>
+                        <a:rPr lang="en-AU" sz="800" dirty="0" smtClean="0">
+                          <a:latin typeface="Fira Mono" panose="020B0609050000020004" pitchFamily="49" charset="0"/>
+                          <a:ea typeface="Fira Mono" panose="020B0609050000020004" pitchFamily="49" charset="0"/>
+                        </a:rPr>
+                        <a:t>3</a:t>
+                      </a:r>
+                      <a:endParaRPr lang="en-AU" sz="800" dirty="0">
+                        <a:latin typeface="Fira Mono" panose="020B0609050000020004" pitchFamily="49" charset="0"/>
+                        <a:ea typeface="Fira Mono" panose="020B0609050000020004" pitchFamily="49" charset="0"/>
+                      </a:endParaRPr>
+                    </a:p>
+                  </a:txBody>
+                  <a:tcPr/>
+                </a:tc>
+              </a:tr>
+            </a:tbl>
+          </a:graphicData>
+        </a:graphic>
+      </p:graphicFrame>
+      <p:sp>
+        <p:nvSpPr>
+          <p:cNvPr id="7" name="Rectangle 6"/>
+          <p:cNvSpPr/>
+          <p:nvPr/>
+        </p:nvSpPr>
+        <p:spPr>
+          <a:xfrm>
+            <a:off x="1886645" y="2579761"/>
+            <a:ext cx="304892" cy="276999"/>
+          </a:xfrm>
+          <a:prstGeom prst="rect">
+            <a:avLst/>
+          </a:prstGeom>
+        </p:spPr>
+        <p:txBody>
+          <a:bodyPr wrap="none">
+            <a:spAutoFit/>
+          </a:bodyPr>
+          <a:lstStyle/>
+          <a:p>
+            <a:r>
+              <a:rPr lang="en-AU" sz="1200" dirty="0" smtClean="0"/>
+              <a:t>v</a:t>
+            </a:r>
+            <a:r>
+              <a:rPr lang="en-AU" sz="1200" baseline="-25000" dirty="0" smtClean="0"/>
+              <a:t>1</a:t>
+            </a:r>
+            <a:endParaRPr lang="en-AU" sz="1200" dirty="0"/>
+          </a:p>
+        </p:txBody>
+      </p:sp>
+      <p:sp>
+        <p:nvSpPr>
+          <p:cNvPr id="8" name="Rectangle 7"/>
+          <p:cNvSpPr/>
+          <p:nvPr/>
+        </p:nvSpPr>
+        <p:spPr>
+          <a:xfrm>
+            <a:off x="2440318" y="2579761"/>
+            <a:ext cx="304892" cy="276999"/>
+          </a:xfrm>
+          <a:prstGeom prst="rect">
+            <a:avLst/>
+          </a:prstGeom>
+        </p:spPr>
+        <p:txBody>
+          <a:bodyPr wrap="none">
+            <a:spAutoFit/>
+          </a:bodyPr>
+          <a:lstStyle/>
+          <a:p>
+            <a:r>
+              <a:rPr lang="en-AU" sz="1200" dirty="0" smtClean="0"/>
+              <a:t>v</a:t>
+            </a:r>
+            <a:r>
+              <a:rPr lang="en-AU" sz="1200" baseline="-25000" dirty="0"/>
+              <a:t>2</a:t>
+            </a:r>
+            <a:endParaRPr lang="en-AU" sz="1200" dirty="0"/>
+          </a:p>
+        </p:txBody>
+      </p:sp>
+      <p:sp>
+        <p:nvSpPr>
+          <p:cNvPr id="9" name="Rectangle 8"/>
+          <p:cNvSpPr/>
+          <p:nvPr/>
+        </p:nvSpPr>
+        <p:spPr>
+          <a:xfrm>
+            <a:off x="3008213" y="2579761"/>
+            <a:ext cx="304892" cy="276999"/>
+          </a:xfrm>
+          <a:prstGeom prst="rect">
+            <a:avLst/>
+          </a:prstGeom>
+        </p:spPr>
+        <p:txBody>
+          <a:bodyPr wrap="none">
+            <a:spAutoFit/>
+          </a:bodyPr>
+          <a:lstStyle/>
+          <a:p>
+            <a:r>
+              <a:rPr lang="en-AU" sz="1200" dirty="0" smtClean="0"/>
+              <a:t>v</a:t>
+            </a:r>
+            <a:r>
+              <a:rPr lang="en-AU" sz="1200" baseline="-25000" dirty="0"/>
+              <a:t>3</a:t>
+            </a:r>
+            <a:endParaRPr lang="en-AU" sz="1200" dirty="0"/>
+          </a:p>
+        </p:txBody>
+      </p:sp>
+      <p:sp>
+        <p:nvSpPr>
+          <p:cNvPr id="10" name="Oval 9"/>
+          <p:cNvSpPr/>
+          <p:nvPr/>
+        </p:nvSpPr>
+        <p:spPr>
+          <a:xfrm>
+            <a:off x="1633911" y="5524016"/>
+            <a:ext cx="304892" cy="304892"/>
+          </a:xfrm>
+          <a:prstGeom prst="ellipse">
+            <a:avLst/>
+          </a:prstGeom>
+          <a:noFill/>
+          <a:ln w="19050">
+            <a:solidFill>
+              <a:srgbClr val="C00000"/>
+            </a:solidFill>
+            <a:prstDash val="sysDot"/>
+          </a:ln>
+        </p:spPr>
+        <p:style>
+          <a:lnRef idx="2">
+            <a:schemeClr val="accent2"/>
+          </a:lnRef>
+          <a:fillRef idx="1">
+            <a:schemeClr val="lt1"/>
+          </a:fillRef>
+          <a:effectRef idx="0">
+            <a:schemeClr val="accent2"/>
+          </a:effectRef>
+          <a:fontRef idx="minor">
+            <a:schemeClr val="dk1"/>
+          </a:fontRef>
+        </p:style>
+        <p:txBody>
+          <a:bodyPr rtlCol="0" anchor="ctr"/>
+          <a:lstStyle/>
+          <a:p>
+            <a:pPr algn="ctr"/>
+            <a:endParaRPr lang="en-AU"/>
+          </a:p>
+        </p:txBody>
+      </p:sp>
+      <p:cxnSp>
+        <p:nvCxnSpPr>
+          <p:cNvPr id="11" name="Curved Connector 10"/>
+          <p:cNvCxnSpPr>
+            <a:endCxn id="10" idx="1"/>
+          </p:cNvCxnSpPr>
+          <p:nvPr/>
+        </p:nvCxnSpPr>
+        <p:spPr>
+          <a:xfrm rot="16200000" flipH="1">
+            <a:off x="1469267" y="5359371"/>
+            <a:ext cx="258435" cy="160154"/>
+          </a:xfrm>
+          <a:prstGeom prst="curvedConnector3">
+            <a:avLst/>
+          </a:prstGeom>
+          <a:ln>
+            <a:solidFill>
+              <a:srgbClr val="C00000"/>
+            </a:solidFill>
+            <a:tailEnd type="triangle"/>
+          </a:ln>
+        </p:spPr>
+        <p:style>
+          <a:lnRef idx="1">
+            <a:schemeClr val="accent1"/>
+          </a:lnRef>
+          <a:fillRef idx="0">
+            <a:schemeClr val="accent1"/>
+          </a:fillRef>
+          <a:effectRef idx="0">
+            <a:schemeClr val="accent1"/>
+          </a:effectRef>
+          <a:fontRef idx="minor">
+            <a:schemeClr val="tx1"/>
+          </a:fontRef>
+        </p:style>
+      </p:cxnSp>
+      <p:sp>
+        <p:nvSpPr>
+          <p:cNvPr id="12" name="Oval 11"/>
+          <p:cNvSpPr/>
+          <p:nvPr/>
+        </p:nvSpPr>
+        <p:spPr>
+          <a:xfrm>
+            <a:off x="1989137" y="5524016"/>
+            <a:ext cx="304892" cy="304892"/>
+          </a:xfrm>
+          <a:prstGeom prst="ellipse">
+            <a:avLst/>
+          </a:prstGeom>
+          <a:noFill/>
+          <a:ln w="19050">
+            <a:solidFill>
+              <a:srgbClr val="C00000"/>
+            </a:solidFill>
+            <a:prstDash val="sysDot"/>
+          </a:ln>
+        </p:spPr>
+        <p:style>
+          <a:lnRef idx="2">
+            <a:schemeClr val="accent2"/>
+          </a:lnRef>
+          <a:fillRef idx="1">
+            <a:schemeClr val="lt1"/>
+          </a:fillRef>
+          <a:effectRef idx="0">
+            <a:schemeClr val="accent2"/>
+          </a:effectRef>
+          <a:fontRef idx="minor">
+            <a:schemeClr val="dk1"/>
+          </a:fontRef>
+        </p:style>
+        <p:txBody>
+          <a:bodyPr rtlCol="0" anchor="ctr"/>
+          <a:lstStyle/>
+          <a:p>
+            <a:pPr algn="ctr"/>
+            <a:endParaRPr lang="en-AU"/>
+          </a:p>
+        </p:txBody>
+      </p:sp>
+      <p:sp>
+        <p:nvSpPr>
+          <p:cNvPr id="13" name="Oval 12"/>
+          <p:cNvSpPr/>
+          <p:nvPr/>
+        </p:nvSpPr>
+        <p:spPr>
+          <a:xfrm>
+            <a:off x="2365197" y="5524016"/>
+            <a:ext cx="304892" cy="304892"/>
+          </a:xfrm>
+          <a:prstGeom prst="ellipse">
+            <a:avLst/>
+          </a:prstGeom>
+          <a:noFill/>
+          <a:ln w="19050">
+            <a:solidFill>
+              <a:srgbClr val="C00000"/>
+            </a:solidFill>
+            <a:prstDash val="sysDot"/>
+          </a:ln>
+        </p:spPr>
+        <p:style>
+          <a:lnRef idx="2">
+            <a:schemeClr val="accent2"/>
+          </a:lnRef>
+          <a:fillRef idx="1">
+            <a:schemeClr val="lt1"/>
+          </a:fillRef>
+          <a:effectRef idx="0">
+            <a:schemeClr val="accent2"/>
+          </a:effectRef>
+          <a:fontRef idx="minor">
+            <a:schemeClr val="dk1"/>
+          </a:fontRef>
+        </p:style>
+        <p:txBody>
+          <a:bodyPr rtlCol="0" anchor="ctr"/>
+          <a:lstStyle/>
+          <a:p>
+            <a:pPr algn="ctr"/>
+            <a:endParaRPr lang="en-AU"/>
+          </a:p>
+        </p:txBody>
+      </p:sp>
+      <p:cxnSp>
+        <p:nvCxnSpPr>
+          <p:cNvPr id="14" name="Curved Connector 13"/>
+          <p:cNvCxnSpPr/>
+          <p:nvPr/>
+        </p:nvCxnSpPr>
+        <p:spPr>
+          <a:xfrm rot="16200000" flipH="1">
+            <a:off x="1462550" y="4906970"/>
+            <a:ext cx="752983" cy="570412"/>
+          </a:xfrm>
+          <a:prstGeom prst="curvedConnector3">
+            <a:avLst/>
+          </a:prstGeom>
+          <a:ln>
+            <a:solidFill>
+              <a:srgbClr val="C00000"/>
+            </a:solidFill>
+            <a:tailEnd type="triangle"/>
+          </a:ln>
+        </p:spPr>
+        <p:style>
+          <a:lnRef idx="1">
+            <a:schemeClr val="accent1"/>
+          </a:lnRef>
+          <a:fillRef idx="0">
+            <a:schemeClr val="accent1"/>
+          </a:fillRef>
+          <a:effectRef idx="0">
+            <a:schemeClr val="accent1"/>
+          </a:effectRef>
+          <a:fontRef idx="minor">
+            <a:schemeClr val="tx1"/>
+          </a:fontRef>
+        </p:style>
+      </p:cxnSp>
+      <p:cxnSp>
+        <p:nvCxnSpPr>
+          <p:cNvPr id="15" name="Curved Connector 14"/>
+          <p:cNvCxnSpPr/>
+          <p:nvPr/>
+        </p:nvCxnSpPr>
+        <p:spPr>
+          <a:xfrm rot="16200000" flipH="1">
+            <a:off x="1445567" y="4560248"/>
+            <a:ext cx="1148550" cy="842714"/>
+          </a:xfrm>
+          <a:prstGeom prst="curvedConnector3">
+            <a:avLst/>
+          </a:prstGeom>
+          <a:ln>
+            <a:solidFill>
+              <a:srgbClr val="C00000"/>
+            </a:solidFill>
+            <a:tailEnd type="triangle"/>
+          </a:ln>
+        </p:spPr>
+        <p:style>
+          <a:lnRef idx="1">
+            <a:schemeClr val="accent1"/>
+          </a:lnRef>
+          <a:fillRef idx="0">
+            <a:schemeClr val="accent1"/>
+          </a:fillRef>
+          <a:effectRef idx="0">
+            <a:schemeClr val="accent1"/>
+          </a:effectRef>
+          <a:fontRef idx="minor">
+            <a:schemeClr val="tx1"/>
+          </a:fontRef>
+        </p:style>
+      </p:cxnSp>
+      <p:sp>
+        <p:nvSpPr>
+          <p:cNvPr id="16" name="Rectangle 15"/>
+          <p:cNvSpPr/>
+          <p:nvPr/>
+        </p:nvSpPr>
+        <p:spPr>
+          <a:xfrm>
+            <a:off x="4116809" y="3807181"/>
+            <a:ext cx="4389343" cy="1384995"/>
+          </a:xfrm>
+          <a:prstGeom prst="rect">
+            <a:avLst/>
+          </a:prstGeom>
+        </p:spPr>
+        <p:txBody>
+          <a:bodyPr wrap="none">
+            <a:spAutoFit/>
+          </a:bodyPr>
+          <a:lstStyle/>
+          <a:p>
+            <a:r>
+              <a:rPr lang="en-AU" sz="1050" dirty="0" smtClean="0"/>
+              <a:t>d1 = 1 d2 = 4 d3 = 5 d4 = 10 </a:t>
+            </a:r>
+          </a:p>
+          <a:p>
+            <a:endParaRPr lang="en-AU" sz="1050" dirty="0" smtClean="0"/>
+          </a:p>
+          <a:p>
+            <a:r>
+              <a:rPr lang="en-AU" sz="900" dirty="0" smtClean="0">
+                <a:latin typeface="Fira Mono" panose="020B0609050000020004" pitchFamily="49" charset="0"/>
+                <a:ea typeface="Fira Mono" panose="020B0609050000020004" pitchFamily="49" charset="0"/>
+              </a:rPr>
+              <a:t>Change(p) </a:t>
+            </a:r>
+          </a:p>
+          <a:p>
+            <a:r>
+              <a:rPr lang="en-AU" sz="900" dirty="0" smtClean="0">
+                <a:latin typeface="Fira Mono" panose="020B0609050000020004" pitchFamily="49" charset="0"/>
+                <a:ea typeface="Fira Mono" panose="020B0609050000020004" pitchFamily="49" charset="0"/>
+              </a:rPr>
+              <a:t>if (p &lt; 0)</a:t>
+            </a:r>
+          </a:p>
+          <a:p>
+            <a:r>
+              <a:rPr lang="en-US" sz="900" dirty="0">
+                <a:latin typeface="Fira Mono" panose="020B0609050000020004" pitchFamily="49" charset="0"/>
+                <a:ea typeface="Fira Mono" panose="020B0609050000020004" pitchFamily="49" charset="0"/>
+              </a:rPr>
+              <a:t> </a:t>
+            </a:r>
+            <a:r>
+              <a:rPr lang="en-AU" sz="900" dirty="0" smtClean="0">
+                <a:latin typeface="Fira Mono" panose="020B0609050000020004" pitchFamily="49" charset="0"/>
+                <a:ea typeface="Fira Mono" panose="020B0609050000020004" pitchFamily="49" charset="0"/>
+              </a:rPr>
+              <a:t>then return ∞</a:t>
+            </a:r>
+          </a:p>
+          <a:p>
+            <a:r>
+              <a:rPr lang="en-AU" sz="900" dirty="0" smtClean="0">
+                <a:latin typeface="Fira Mono" panose="020B0609050000020004" pitchFamily="49" charset="0"/>
+                <a:ea typeface="Fira Mono" panose="020B0609050000020004" pitchFamily="49" charset="0"/>
+              </a:rPr>
+              <a:t>else if (p = 0) </a:t>
+            </a:r>
+          </a:p>
+          <a:p>
+            <a:r>
+              <a:rPr lang="en-AU" sz="900" dirty="0">
+                <a:latin typeface="Fira Mono" panose="020B0609050000020004" pitchFamily="49" charset="0"/>
+                <a:ea typeface="Fira Mono" panose="020B0609050000020004" pitchFamily="49" charset="0"/>
+              </a:rPr>
+              <a:t> </a:t>
+            </a:r>
+            <a:r>
+              <a:rPr lang="en-AU" sz="900" dirty="0" smtClean="0">
+                <a:latin typeface="Fira Mono" panose="020B0609050000020004" pitchFamily="49" charset="0"/>
+                <a:ea typeface="Fira Mono" panose="020B0609050000020004" pitchFamily="49" charset="0"/>
+              </a:rPr>
+              <a:t>then return 0 </a:t>
+            </a:r>
+          </a:p>
+          <a:p>
+            <a:r>
+              <a:rPr lang="en-AU" sz="900" dirty="0" smtClean="0">
+                <a:latin typeface="Fira Mono" panose="020B0609050000020004" pitchFamily="49" charset="0"/>
+                <a:ea typeface="Fira Mono" panose="020B0609050000020004" pitchFamily="49" charset="0"/>
+              </a:rPr>
+              <a:t>else </a:t>
+            </a:r>
+          </a:p>
+          <a:p>
+            <a:r>
+              <a:rPr lang="en-AU" sz="900" dirty="0">
+                <a:latin typeface="Fira Mono" panose="020B0609050000020004" pitchFamily="49" charset="0"/>
+                <a:ea typeface="Fira Mono" panose="020B0609050000020004" pitchFamily="49" charset="0"/>
+              </a:rPr>
+              <a:t> </a:t>
+            </a:r>
+            <a:r>
+              <a:rPr lang="en-AU" sz="900" dirty="0" smtClean="0">
+                <a:latin typeface="Fira Mono" panose="020B0609050000020004" pitchFamily="49" charset="0"/>
+                <a:ea typeface="Fira Mono" panose="020B0609050000020004" pitchFamily="49" charset="0"/>
+              </a:rPr>
+              <a:t>return </a:t>
+            </a:r>
+            <a:r>
+              <a:rPr lang="en-AU" sz="900" b="1" dirty="0" smtClean="0">
+                <a:latin typeface="Fira Mono" panose="020B0609050000020004" pitchFamily="49" charset="0"/>
+                <a:ea typeface="Fira Mono" panose="020B0609050000020004" pitchFamily="49" charset="0"/>
+              </a:rPr>
+              <a:t>1 + min{Change(p − 1), Change(p − 5), Change(p − 10)}</a:t>
+            </a:r>
+            <a:endParaRPr lang="en-AU" sz="900" b="1" dirty="0">
+              <a:latin typeface="Fira Mono" panose="020B0609050000020004" pitchFamily="49" charset="0"/>
+              <a:ea typeface="Fira Mono" panose="020B0609050000020004" pitchFamily="49" charset="0"/>
+            </a:endParaRPr>
+          </a:p>
+        </p:txBody>
+      </p:sp>
+    </p:spTree>
+    <p:extLst>
+      <p:ext uri="{BB962C8B-B14F-4D97-AF65-F5344CB8AC3E}">
+        <p14:creationId xmlns:p14="http://schemas.microsoft.com/office/powerpoint/2010/main" val="2398072836"/>
       </p:ext>
     </p:extLst>
   </p:cSld>
